--- a/release/http-service-zaq框架介绍.pptx
+++ b/release/http-service-zaq框架介绍.pptx
@@ -5,7 +5,7 @@
     <p:sldMasterId id="2147483648" r:id="rId1"/>
   </p:sldMasterIdLst>
   <p:notesMasterIdLst>
-    <p:notesMasterId r:id="rId19"/>
+    <p:notesMasterId r:id="rId20"/>
   </p:notesMasterIdLst>
   <p:sldIdLst>
     <p:sldId id="671" r:id="rId2"/>
@@ -15,16 +15,17 @@
     <p:sldId id="490" r:id="rId6"/>
     <p:sldId id="491" r:id="rId7"/>
     <p:sldId id="492" r:id="rId8"/>
-    <p:sldId id="493" r:id="rId9"/>
-    <p:sldId id="494" r:id="rId10"/>
-    <p:sldId id="495" r:id="rId11"/>
-    <p:sldId id="496" r:id="rId12"/>
-    <p:sldId id="497" r:id="rId13"/>
-    <p:sldId id="500" r:id="rId14"/>
-    <p:sldId id="672" r:id="rId15"/>
-    <p:sldId id="629" r:id="rId16"/>
-    <p:sldId id="630" r:id="rId17"/>
-    <p:sldId id="632" r:id="rId18"/>
+    <p:sldId id="673" r:id="rId9"/>
+    <p:sldId id="493" r:id="rId10"/>
+    <p:sldId id="494" r:id="rId11"/>
+    <p:sldId id="495" r:id="rId12"/>
+    <p:sldId id="496" r:id="rId13"/>
+    <p:sldId id="497" r:id="rId14"/>
+    <p:sldId id="500" r:id="rId15"/>
+    <p:sldId id="672" r:id="rId16"/>
+    <p:sldId id="629" r:id="rId17"/>
+    <p:sldId id="630" r:id="rId18"/>
+    <p:sldId id="632" r:id="rId19"/>
   </p:sldIdLst>
   <p:sldSz cx="9144000" cy="6858000" type="screen4x3"/>
   <p:notesSz cx="6858000" cy="9144000"/>
@@ -487,7 +488,7 @@
     </p:spTree>
     <p:extLst>
       <p:ext uri="{BB962C8B-B14F-4D97-AF65-F5344CB8AC3E}">
-        <p14:creationId xmlns:p14="http://schemas.microsoft.com/office/powerpoint/2010/main" xmlns="" val="94147041"/>
+        <p14:creationId xmlns="" xmlns:p14="http://schemas.microsoft.com/office/powerpoint/2010/main" val="94147041"/>
       </p:ext>
     </p:extLst>
   </p:cSld>
@@ -657,7 +658,7 @@
                 <a:cs typeface="微软雅黑"/>
               </a:rPr>
               <a:pPr/>
-              <a:t>13</a:t>
+              <a:t>14</a:t>
             </a:fld>
             <a:endParaRPr lang="en-US" altLang="zh-CN" smtClean="0">
               <a:ea typeface="宋体" charset="-122"/>
@@ -4377,7 +4378,94 @@
       </p:grpSpPr>
       <p:sp>
         <p:nvSpPr>
-          <p:cNvPr id="9217" name="Rectangle 1"/>
+          <p:cNvPr id="37" name="矩形 36"/>
+          <p:cNvSpPr/>
+          <p:nvPr/>
+        </p:nvSpPr>
+        <p:spPr>
+          <a:xfrm>
+            <a:off x="500034" y="142852"/>
+            <a:ext cx="8072494" cy="369332"/>
+          </a:xfrm>
+          <a:prstGeom prst="rect">
+            <a:avLst/>
+          </a:prstGeom>
+        </p:spPr>
+        <p:txBody>
+          <a:bodyPr wrap="square">
+            <a:spAutoFit/>
+          </a:bodyPr>
+          <a:lstStyle/>
+          <a:p>
+            <a:r>
+              <a:rPr lang="zh-CN" altLang="en-US" dirty="0" smtClean="0"/>
+              <a:t>可以开发的服务接口有下面</a:t>
+            </a:r>
+            <a:r>
+              <a:rPr lang="en-US" dirty="0" smtClean="0"/>
+              <a:t>5</a:t>
+            </a:r>
+            <a:r>
+              <a:rPr lang="zh-CN" altLang="en-US" dirty="0" smtClean="0"/>
+              <a:t>个（接口说明详见</a:t>
+            </a:r>
+            <a:r>
+              <a:rPr lang="en-US" altLang="zh-CN" dirty="0" smtClean="0"/>
+              <a:t>【</a:t>
+            </a:r>
+            <a:r>
+              <a:rPr lang="zh-CN" altLang="en-US" dirty="0" smtClean="0"/>
+              <a:t>接口说明</a:t>
+            </a:r>
+            <a:r>
+              <a:rPr lang="en-US" dirty="0" smtClean="0"/>
+              <a:t>5</a:t>
+            </a:r>
+            <a:r>
+              <a:rPr lang="en-US" altLang="zh-CN" dirty="0" smtClean="0"/>
+              <a:t>】</a:t>
+            </a:r>
+            <a:r>
+              <a:rPr lang="zh-CN" altLang="en-US" dirty="0" smtClean="0"/>
+              <a:t>）：</a:t>
+            </a:r>
+            <a:endParaRPr lang="zh-CN" altLang="en-US" dirty="0"/>
+          </a:p>
+        </p:txBody>
+      </p:sp>
+      <p:pic>
+        <p:nvPicPr>
+          <p:cNvPr id="38" name="图片 37"/>
+          <p:cNvPicPr/>
+          <p:nvPr/>
+        </p:nvPicPr>
+        <p:blipFill>
+          <a:blip r:embed="rId2"/>
+          <a:srcRect/>
+          <a:stretch>
+            <a:fillRect/>
+          </a:stretch>
+        </p:blipFill>
+        <p:spPr bwMode="auto">
+          <a:xfrm>
+            <a:off x="214282" y="500042"/>
+            <a:ext cx="8715404" cy="5572140"/>
+          </a:xfrm>
+          <a:prstGeom prst="rect">
+            <a:avLst/>
+          </a:prstGeom>
+          <a:noFill/>
+          <a:ln w="9525">
+            <a:noFill/>
+            <a:miter lim="800000"/>
+            <a:headEnd/>
+            <a:tailEnd/>
+          </a:ln>
+        </p:spPr>
+      </p:pic>
+      <p:sp>
+        <p:nvSpPr>
+          <p:cNvPr id="10241" name="Rectangle 1"/>
           <p:cNvSpPr>
             <a:spLocks noChangeArrowheads="1"/>
           </p:cNvSpPr>
@@ -4385,7 +4473,7 @@
         </p:nvSpPr>
         <p:spPr bwMode="auto">
           <a:xfrm>
-            <a:off x="0" y="214290"/>
+            <a:off x="0" y="6143644"/>
             <a:ext cx="9144000" cy="646331"/>
           </a:xfrm>
           <a:prstGeom prst="rect">
@@ -4426,60 +4514,57 @@
               <a:tabLst/>
             </a:pPr>
             <a:r>
-              <a:rPr kumimoji="0" lang="en-US" altLang="zh-CN" b="0" i="0" u="none" strike="noStrike" cap="none" normalizeH="0" baseline="0" dirty="0" smtClean="0">
+              <a:rPr kumimoji="0" lang="zh-CN" sz="2000" b="0" i="0" u="none" strike="noStrike" cap="none" normalizeH="0" baseline="0" dirty="0" smtClean="0">
                 <a:ln>
                   <a:noFill/>
                 </a:ln>
                 <a:solidFill>
-                  <a:srgbClr val="C00000"/>
+                  <a:schemeClr val="tx1"/>
                 </a:solidFill>
                 <a:effectLst/>
                 <a:latin typeface="Calibri" pitchFamily="34" charset="0"/>
                 <a:ea typeface="宋体" pitchFamily="2" charset="-122"/>
                 <a:cs typeface="Times New Roman" pitchFamily="18" charset="0"/>
               </a:rPr>
-              <a:t>	b.</a:t>
-            </a:r>
-            <a:r>
-              <a:rPr kumimoji="0" lang="zh-CN" altLang="en-US" b="1" i="1" u="none" strike="noStrike" cap="none" normalizeH="0" baseline="0" dirty="0" smtClean="0">
+              <a:t>就可以为</a:t>
+            </a:r>
+            <a:r>
+              <a:rPr kumimoji="0" lang="en-US" altLang="zh-CN" sz="2000" b="0" i="0" u="none" strike="noStrike" cap="none" normalizeH="0" baseline="0" dirty="0" err="1" smtClean="0">
                 <a:ln>
                   <a:noFill/>
                 </a:ln>
+                <a:solidFill>
+                  <a:schemeClr val="tx1"/>
+                </a:solidFill>
                 <a:effectLst/>
                 <a:latin typeface="Calibri" pitchFamily="34" charset="0"/>
                 <a:ea typeface="宋体" pitchFamily="2" charset="-122"/>
                 <a:cs typeface="Times New Roman" pitchFamily="18" charset="0"/>
               </a:rPr>
-              <a:t>客户端请求</a:t>
-            </a:r>
-            <a:r>
-              <a:rPr kumimoji="0" lang="en-US" altLang="zh-CN" b="1" i="1" u="none" strike="noStrike" cap="none" normalizeH="0" baseline="0" dirty="0" err="1" smtClean="0">
+              <a:t>AppUser</a:t>
+            </a:r>
+            <a:r>
+              <a:rPr kumimoji="0" lang="zh-CN" altLang="en-US" sz="2000" b="0" i="0" u="none" strike="noStrike" cap="none" normalizeH="0" baseline="0" dirty="0" smtClean="0">
                 <a:ln>
                   <a:noFill/>
                 </a:ln>
+                <a:solidFill>
+                  <a:schemeClr val="tx1"/>
+                </a:solidFill>
                 <a:effectLst/>
                 <a:latin typeface="Calibri" pitchFamily="34" charset="0"/>
                 <a:ea typeface="宋体" pitchFamily="2" charset="-122"/>
                 <a:cs typeface="Times New Roman" pitchFamily="18" charset="0"/>
               </a:rPr>
-              <a:t>httpService</a:t>
-            </a:r>
-            <a:r>
-              <a:rPr kumimoji="0" lang="zh-CN" altLang="en-US" b="1" i="1" u="none" strike="noStrike" cap="none" normalizeH="0" baseline="0" dirty="0" smtClean="0">
-                <a:ln>
-                  <a:noFill/>
-                </a:ln>
-                <a:effectLst/>
-                <a:latin typeface="Calibri" pitchFamily="34" charset="0"/>
-                <a:ea typeface="宋体" pitchFamily="2" charset="-122"/>
-                <a:cs typeface="Times New Roman" pitchFamily="18" charset="0"/>
-              </a:rPr>
-              <a:t>包含分布式事务的接口</a:t>
-            </a:r>
-            <a:endParaRPr kumimoji="0" lang="zh-CN" altLang="en-US" b="1" i="1" u="none" strike="noStrike" cap="none" normalizeH="0" baseline="0" dirty="0" smtClean="0">
+              <a:t>对象开发出其对应的操作接口</a:t>
+            </a:r>
+            <a:endParaRPr kumimoji="0" lang="zh-CN" altLang="en-US" sz="2000" b="0" i="0" u="none" strike="noStrike" cap="none" normalizeH="0" baseline="0" dirty="0" smtClean="0">
               <a:ln>
                 <a:noFill/>
               </a:ln>
+              <a:solidFill>
+                <a:schemeClr val="tx1"/>
+              </a:solidFill>
               <a:effectLst/>
               <a:latin typeface="Arial" pitchFamily="34" charset="0"/>
               <a:ea typeface="宋体" pitchFamily="2" charset="-122"/>
@@ -4504,12 +4589,12 @@
               <a:tabLst/>
             </a:pPr>
             <a:r>
-              <a:rPr kumimoji="0" lang="zh-CN" altLang="en-US" b="0" i="0" u="none" strike="noStrike" cap="none" normalizeH="0" baseline="0" dirty="0" smtClean="0">
+              <a:rPr kumimoji="0" lang="zh-CN" altLang="en-US" sz="1200" b="0" i="0" u="none" strike="noStrike" cap="none" normalizeH="0" baseline="0" dirty="0" smtClean="0">
                 <a:ln>
                   <a:noFill/>
                 </a:ln>
                 <a:solidFill>
-                  <a:srgbClr val="FF0000"/>
+                  <a:schemeClr val="tx1"/>
                 </a:solidFill>
                 <a:effectLst/>
                 <a:latin typeface="Calibri" pitchFamily="34" charset="0"/>
@@ -4519,29 +4604,7 @@
               <a:t>	</a:t>
             </a:r>
             <a:r>
-              <a:rPr lang="en-US" altLang="zh-CN" dirty="0" smtClean="0">
-                <a:solidFill>
-                  <a:srgbClr val="FF0000"/>
-                </a:solidFill>
-                <a:latin typeface="Calibri" pitchFamily="34" charset="0"/>
-                <a:ea typeface="宋体" pitchFamily="2" charset="-122"/>
-                <a:cs typeface="Times New Roman" pitchFamily="18" charset="0"/>
-              </a:rPr>
-              <a:t> </a:t>
-            </a:r>
-            <a:r>
-              <a:rPr lang="en-US" altLang="zh-CN" dirty="0" smtClean="0">
-                <a:solidFill>
-                  <a:srgbClr val="FF0000"/>
-                </a:solidFill>
-                <a:latin typeface="Calibri" pitchFamily="34" charset="0"/>
-                <a:ea typeface="宋体" pitchFamily="2" charset="-122"/>
-                <a:cs typeface="Times New Roman" pitchFamily="18" charset="0"/>
-              </a:rPr>
-              <a:t>        </a:t>
-            </a:r>
-            <a:r>
-              <a:rPr kumimoji="0" lang="zh-CN" altLang="en-US" b="0" i="0" u="none" strike="noStrike" cap="none" normalizeH="0" baseline="0" dirty="0" smtClean="0">
+              <a:rPr kumimoji="0" lang="zh-CN" altLang="en-US" sz="1600" b="0" i="0" u="none" strike="noStrike" cap="none" normalizeH="0" baseline="0" dirty="0" smtClean="0">
                 <a:ln>
                   <a:noFill/>
                 </a:ln>
@@ -4553,10 +4616,10 @@
                 <a:ea typeface="宋体" pitchFamily="2" charset="-122"/>
                 <a:cs typeface="Times New Roman" pitchFamily="18" charset="0"/>
               </a:rPr>
-              <a:t>需要将</a:t>
-            </a:r>
-            <a:r>
-              <a:rPr kumimoji="0" lang="en-US" altLang="zh-CN" b="0" i="0" u="none" strike="noStrike" cap="none" normalizeH="0" baseline="0" dirty="0" smtClean="0">
+              <a:t>生成的接口地址则为：</a:t>
+            </a:r>
+            <a:r>
+              <a:rPr kumimoji="0" lang="en-US" altLang="zh-CN" sz="1600" b="1" i="1" u="none" strike="noStrike" cap="none" normalizeH="0" baseline="0" dirty="0" smtClean="0">
                 <a:ln>
                   <a:noFill/>
                 </a:ln>
@@ -4568,69 +4631,9 @@
                 <a:ea typeface="宋体" pitchFamily="2" charset="-122"/>
                 <a:cs typeface="Times New Roman" pitchFamily="18" charset="0"/>
               </a:rPr>
-              <a:t>Service</a:t>
-            </a:r>
-            <a:r>
-              <a:rPr kumimoji="0" lang="zh-CN" altLang="en-US" b="0" i="0" u="none" strike="noStrike" cap="none" normalizeH="0" baseline="0" dirty="0" smtClean="0">
-                <a:ln>
-                  <a:noFill/>
-                </a:ln>
-                <a:solidFill>
-                  <a:schemeClr val="tx1"/>
-                </a:solidFill>
-                <a:effectLst/>
-                <a:latin typeface="Calibri" pitchFamily="34" charset="0"/>
-                <a:ea typeface="宋体" pitchFamily="2" charset="-122"/>
-                <a:cs typeface="Times New Roman" pitchFamily="18" charset="0"/>
-              </a:rPr>
-              <a:t>的父类</a:t>
-            </a:r>
-            <a:r>
-              <a:rPr kumimoji="0" lang="en-US" altLang="zh-CN" b="0" i="0" u="none" strike="noStrike" cap="none" normalizeH="0" baseline="0" dirty="0" err="1" smtClean="0">
-                <a:ln>
-                  <a:noFill/>
-                </a:ln>
-                <a:solidFill>
-                  <a:schemeClr val="tx1"/>
-                </a:solidFill>
-                <a:effectLst/>
-                <a:latin typeface="Calibri" pitchFamily="34" charset="0"/>
-                <a:ea typeface="宋体" pitchFamily="2" charset="-122"/>
-                <a:cs typeface="Times New Roman" pitchFamily="18" charset="0"/>
-              </a:rPr>
-              <a:t>BaseService</a:t>
-            </a:r>
-            <a:r>
-              <a:rPr kumimoji="0" lang="zh-CN" altLang="en-US" b="0" i="0" u="none" strike="noStrike" cap="none" normalizeH="0" baseline="0" dirty="0" smtClean="0">
-                <a:ln>
-                  <a:noFill/>
-                </a:ln>
-                <a:solidFill>
-                  <a:schemeClr val="tx1"/>
-                </a:solidFill>
-                <a:effectLst/>
-                <a:latin typeface="Calibri" pitchFamily="34" charset="0"/>
-                <a:ea typeface="宋体" pitchFamily="2" charset="-122"/>
-                <a:cs typeface="Times New Roman" pitchFamily="18" charset="0"/>
-              </a:rPr>
-              <a:t>换成</a:t>
-            </a:r>
-            <a:r>
-              <a:rPr kumimoji="0" lang="en-US" altLang="zh-CN" b="0" i="0" u="none" strike="noStrike" cap="none" normalizeH="0" baseline="0" dirty="0" err="1" smtClean="0">
-                <a:ln>
-                  <a:noFill/>
-                </a:ln>
-                <a:solidFill>
-                  <a:schemeClr val="tx1"/>
-                </a:solidFill>
-                <a:effectLst/>
-                <a:latin typeface="Calibri" pitchFamily="34" charset="0"/>
-                <a:ea typeface="宋体" pitchFamily="2" charset="-122"/>
-                <a:cs typeface="Times New Roman" pitchFamily="18" charset="0"/>
-              </a:rPr>
-              <a:t>OaBaseService</a:t>
-            </a:r>
-            <a:endParaRPr kumimoji="0" lang="en-US" altLang="zh-CN" b="0" i="0" u="none" strike="noStrike" cap="none" normalizeH="0" baseline="0" dirty="0" smtClean="0">
+              <a:t>http://localhost/ljt/httpService/system/appUser/query</a:t>
+            </a:r>
+            <a:endParaRPr kumimoji="0" lang="en-US" altLang="zh-CN" sz="1600" b="1" i="1" u="none" strike="noStrike" cap="none" normalizeH="0" baseline="0" dirty="0" smtClean="0">
               <a:ln>
                 <a:noFill/>
               </a:ln>
@@ -4645,147 +4648,6 @@
           </a:p>
         </p:txBody>
       </p:sp>
-      <p:pic>
-        <p:nvPicPr>
-          <p:cNvPr id="52" name="图片 51"/>
-          <p:cNvPicPr/>
-          <p:nvPr/>
-        </p:nvPicPr>
-        <p:blipFill>
-          <a:blip r:embed="rId2"/>
-          <a:srcRect/>
-          <a:stretch>
-            <a:fillRect/>
-          </a:stretch>
-        </p:blipFill>
-        <p:spPr bwMode="auto">
-          <a:xfrm>
-            <a:off x="428596" y="1000108"/>
-            <a:ext cx="8429684" cy="642942"/>
-          </a:xfrm>
-          <a:prstGeom prst="rect">
-            <a:avLst/>
-          </a:prstGeom>
-          <a:noFill/>
-          <a:ln w="9525">
-            <a:noFill/>
-            <a:miter lim="800000"/>
-            <a:headEnd/>
-            <a:tailEnd/>
-          </a:ln>
-        </p:spPr>
-      </p:pic>
-      <p:sp>
-        <p:nvSpPr>
-          <p:cNvPr id="53" name="矩形 52"/>
-          <p:cNvSpPr/>
-          <p:nvPr/>
-        </p:nvSpPr>
-        <p:spPr>
-          <a:xfrm>
-            <a:off x="1357258" y="1785926"/>
-            <a:ext cx="7786742" cy="369332"/>
-          </a:xfrm>
-          <a:prstGeom prst="rect">
-            <a:avLst/>
-          </a:prstGeom>
-        </p:spPr>
-        <p:txBody>
-          <a:bodyPr wrap="square">
-            <a:spAutoFit/>
-          </a:bodyPr>
-          <a:lstStyle/>
-          <a:p>
-            <a:r>
-              <a:rPr lang="zh-CN" altLang="en-US" dirty="0" smtClean="0"/>
-              <a:t> </a:t>
-            </a:r>
-            <a:r>
-              <a:rPr lang="zh-CN" altLang="en-US" dirty="0" smtClean="0">
-                <a:latin typeface="Calibri" pitchFamily="34" charset="0"/>
-                <a:ea typeface="宋体" pitchFamily="2" charset="-122"/>
-                <a:cs typeface="Times New Roman" pitchFamily="18" charset="0"/>
-              </a:rPr>
-              <a:t>并将</a:t>
-            </a:r>
-            <a:r>
-              <a:rPr lang="en-US" altLang="en-US" dirty="0" err="1" smtClean="0">
-                <a:latin typeface="Calibri" pitchFamily="34" charset="0"/>
-                <a:ea typeface="宋体" pitchFamily="2" charset="-122"/>
-                <a:cs typeface="Times New Roman" pitchFamily="18" charset="0"/>
-              </a:rPr>
-              <a:t>ServiceImpl</a:t>
-            </a:r>
-            <a:r>
-              <a:rPr lang="zh-CN" altLang="en-US" dirty="0" smtClean="0">
-                <a:latin typeface="Calibri" pitchFamily="34" charset="0"/>
-                <a:ea typeface="宋体" pitchFamily="2" charset="-122"/>
-                <a:cs typeface="Times New Roman" pitchFamily="18" charset="0"/>
-              </a:rPr>
-              <a:t>的父类</a:t>
-            </a:r>
-            <a:r>
-              <a:rPr lang="en-US" altLang="en-US" dirty="0" err="1" smtClean="0">
-                <a:latin typeface="Calibri" pitchFamily="34" charset="0"/>
-                <a:ea typeface="宋体" pitchFamily="2" charset="-122"/>
-                <a:cs typeface="Times New Roman" pitchFamily="18" charset="0"/>
-              </a:rPr>
-              <a:t>BaseServiceImpl</a:t>
-            </a:r>
-            <a:r>
-              <a:rPr lang="zh-CN" altLang="en-US" dirty="0" smtClean="0">
-                <a:latin typeface="Calibri" pitchFamily="34" charset="0"/>
-                <a:ea typeface="宋体" pitchFamily="2" charset="-122"/>
-                <a:cs typeface="Times New Roman" pitchFamily="18" charset="0"/>
-              </a:rPr>
-              <a:t>换成</a:t>
-            </a:r>
-            <a:r>
-              <a:rPr lang="en-US" altLang="en-US" dirty="0" err="1" smtClean="0">
-                <a:latin typeface="Calibri" pitchFamily="34" charset="0"/>
-                <a:ea typeface="宋体" pitchFamily="2" charset="-122"/>
-                <a:cs typeface="Times New Roman" pitchFamily="18" charset="0"/>
-              </a:rPr>
-              <a:t>OaBaseServiceImpl</a:t>
-            </a:r>
-            <a:endParaRPr lang="zh-CN" altLang="en-US" dirty="0" smtClean="0">
-              <a:latin typeface="Calibri" pitchFamily="34" charset="0"/>
-              <a:ea typeface="宋体" pitchFamily="2" charset="-122"/>
-              <a:cs typeface="Times New Roman" pitchFamily="18" charset="0"/>
-            </a:endParaRPr>
-          </a:p>
-        </p:txBody>
-      </p:sp>
-      <p:pic>
-        <p:nvPicPr>
-          <p:cNvPr id="54" name="图片 53"/>
-          <p:cNvPicPr/>
-          <p:nvPr/>
-        </p:nvPicPr>
-        <p:blipFill>
-          <a:blip r:embed="rId3"/>
-          <a:srcRect/>
-          <a:stretch>
-            <a:fillRect/>
-          </a:stretch>
-        </p:blipFill>
-        <p:spPr bwMode="auto">
-          <a:xfrm>
-            <a:off x="428596" y="2714620"/>
-            <a:ext cx="8429684" cy="642942"/>
-          </a:xfrm>
-          <a:prstGeom prst="rect">
-            <a:avLst/>
-          </a:prstGeom>
-          <a:noFill/>
-          <a:ln w="9525">
-            <a:noFill/>
-            <a:miter lim="800000"/>
-            <a:headEnd/>
-            <a:tailEnd/>
-          </a:ln>
-        </p:spPr>
-      </p:pic>
     </p:spTree>
   </p:cSld>
   <p:clrMapOvr>
@@ -4820,101 +4682,39 @@
       </p:grpSpPr>
       <p:sp>
         <p:nvSpPr>
-          <p:cNvPr id="76" name="标题 75"/>
+          <p:cNvPr id="9217" name="Rectangle 1"/>
           <p:cNvSpPr>
-            <a:spLocks noGrp="1"/>
+            <a:spLocks noChangeArrowheads="1"/>
           </p:cNvSpPr>
-          <p:nvPr>
-            <p:ph type="title"/>
-          </p:nvPr>
-        </p:nvSpPr>
-        <p:spPr>
-          <a:xfrm>
-            <a:off x="500034" y="142852"/>
-            <a:ext cx="8229600" cy="1082660"/>
-          </a:xfrm>
-        </p:spPr>
-        <p:txBody>
-          <a:bodyPr/>
-          <a:lstStyle/>
-          <a:p>
-            <a:r>
-              <a:rPr lang="en-US" sz="3200" dirty="0" smtClean="0">
-                <a:solidFill>
-                  <a:srgbClr val="00CC00"/>
-                </a:solidFill>
-              </a:rPr>
-              <a:t>action</a:t>
-            </a:r>
-            <a:r>
-              <a:rPr lang="zh-CN" altLang="en-US" sz="3200" dirty="0" smtClean="0">
-                <a:solidFill>
-                  <a:srgbClr val="00CC00"/>
-                </a:solidFill>
-              </a:rPr>
-              <a:t>中对分布式事务处理的接口调用</a:t>
-            </a:r>
-            <a:r>
-              <a:rPr lang="en-US" sz="3200" dirty="0" smtClean="0">
-                <a:solidFill>
-                  <a:srgbClr val="00CC00"/>
-                </a:solidFill>
-              </a:rPr>
-              <a:t>demo</a:t>
-            </a:r>
-            <a:r>
-              <a:rPr lang="zh-CN" altLang="en-US" sz="3200" dirty="0" smtClean="0">
-                <a:solidFill>
-                  <a:srgbClr val="00CC00"/>
-                </a:solidFill>
-              </a:rPr>
-              <a:t>如下</a:t>
-            </a:r>
-            <a:endParaRPr lang="zh-CN" altLang="en-US" sz="3200" dirty="0">
-              <a:solidFill>
-                <a:srgbClr val="00CC00"/>
-              </a:solidFill>
-            </a:endParaRPr>
-          </a:p>
-        </p:txBody>
-      </p:sp>
-      <p:sp>
-        <p:nvSpPr>
-          <p:cNvPr id="81" name="矩形 80"/>
-          <p:cNvSpPr/>
           <p:nvPr/>
         </p:nvSpPr>
         <p:spPr bwMode="auto">
           <a:xfrm>
-            <a:off x="142844" y="1285860"/>
-            <a:ext cx="8858312" cy="5357850"/>
+            <a:off x="0" y="214290"/>
+            <a:ext cx="9144000" cy="646331"/>
           </a:xfrm>
           <a:prstGeom prst="rect">
             <a:avLst/>
           </a:prstGeom>
-          <a:solidFill>
-            <a:schemeClr val="accent1"/>
-          </a:solidFill>
-          <a:ln w="25400" cap="flat" cmpd="sng" algn="ctr">
-            <a:solidFill>
-              <a:schemeClr val="tx1"/>
-            </a:solidFill>
-            <a:prstDash val="solid"/>
-            <a:round/>
-            <a:headEnd type="none" w="med" len="med"/>
-            <a:tailEnd type="none" w="med" len="med"/>
+          <a:noFill/>
+          <a:ln w="9525">
+            <a:noFill/>
+            <a:miter lim="800000"/>
+            <a:headEnd/>
+            <a:tailEnd/>
           </a:ln>
           <a:effectLst/>
         </p:spPr>
         <p:txBody>
-          <a:bodyPr vert="horz" wrap="none" lIns="91440" tIns="45720" rIns="91440" bIns="45720" numCol="1" rtlCol="0" anchor="ctr" anchorCtr="0" compatLnSpc="1">
+          <a:bodyPr vert="horz" wrap="square" lIns="91440" tIns="45720" rIns="91440" bIns="45720" numCol="1" anchor="ctr" anchorCtr="0" compatLnSpc="1">
             <a:prstTxWarp prst="textNoShape">
               <a:avLst/>
             </a:prstTxWarp>
+            <a:spAutoFit/>
           </a:bodyPr>
           <a:lstStyle/>
           <a:p>
-            <a:pPr marL="0" marR="0" indent="0" algn="ctr" defTabSz="914400" rtl="0" eaLnBrk="1" fontAlgn="base" latinLnBrk="0" hangingPunct="1">
+            <a:pPr marL="0" marR="0" lvl="0" indent="0" algn="l" defTabSz="914400" rtl="0" eaLnBrk="1" fontAlgn="base" latinLnBrk="0" hangingPunct="1">
               <a:lnSpc>
                 <a:spcPct val="100000"/>
               </a:lnSpc>
@@ -4930,7 +4730,201 @@
               <a:buNone/>
               <a:tabLst/>
             </a:pPr>
-            <a:endParaRPr kumimoji="0" lang="zh-CN" altLang="en-US" sz="1800" b="0" i="0" u="none" strike="noStrike" cap="none" normalizeH="0" baseline="0" smtClean="0">
+            <a:r>
+              <a:rPr kumimoji="0" lang="en-US" altLang="zh-CN" b="0" i="0" u="none" strike="noStrike" cap="none" normalizeH="0" baseline="0" dirty="0" smtClean="0">
+                <a:ln>
+                  <a:noFill/>
+                </a:ln>
+                <a:solidFill>
+                  <a:srgbClr val="C00000"/>
+                </a:solidFill>
+                <a:effectLst/>
+                <a:latin typeface="Calibri" pitchFamily="34" charset="0"/>
+                <a:ea typeface="宋体" pitchFamily="2" charset="-122"/>
+                <a:cs typeface="Times New Roman" pitchFamily="18" charset="0"/>
+              </a:rPr>
+              <a:t>	b.</a:t>
+            </a:r>
+            <a:r>
+              <a:rPr kumimoji="0" lang="zh-CN" altLang="en-US" b="1" i="1" u="none" strike="noStrike" cap="none" normalizeH="0" baseline="0" dirty="0" smtClean="0">
+                <a:ln>
+                  <a:noFill/>
+                </a:ln>
+                <a:effectLst/>
+                <a:latin typeface="Calibri" pitchFamily="34" charset="0"/>
+                <a:ea typeface="宋体" pitchFamily="2" charset="-122"/>
+                <a:cs typeface="Times New Roman" pitchFamily="18" charset="0"/>
+              </a:rPr>
+              <a:t>客户端请求</a:t>
+            </a:r>
+            <a:r>
+              <a:rPr kumimoji="0" lang="en-US" altLang="zh-CN" b="1" i="1" u="none" strike="noStrike" cap="none" normalizeH="0" baseline="0" dirty="0" err="1" smtClean="0">
+                <a:ln>
+                  <a:noFill/>
+                </a:ln>
+                <a:effectLst/>
+                <a:latin typeface="Calibri" pitchFamily="34" charset="0"/>
+                <a:ea typeface="宋体" pitchFamily="2" charset="-122"/>
+                <a:cs typeface="Times New Roman" pitchFamily="18" charset="0"/>
+              </a:rPr>
+              <a:t>httpService</a:t>
+            </a:r>
+            <a:r>
+              <a:rPr kumimoji="0" lang="zh-CN" altLang="en-US" b="1" i="1" u="none" strike="noStrike" cap="none" normalizeH="0" baseline="0" dirty="0" smtClean="0">
+                <a:ln>
+                  <a:noFill/>
+                </a:ln>
+                <a:effectLst/>
+                <a:latin typeface="Calibri" pitchFamily="34" charset="0"/>
+                <a:ea typeface="宋体" pitchFamily="2" charset="-122"/>
+                <a:cs typeface="Times New Roman" pitchFamily="18" charset="0"/>
+              </a:rPr>
+              <a:t>包含分布式事务的接口</a:t>
+            </a:r>
+            <a:endParaRPr kumimoji="0" lang="zh-CN" altLang="en-US" b="1" i="1" u="none" strike="noStrike" cap="none" normalizeH="0" baseline="0" dirty="0" smtClean="0">
+              <a:ln>
+                <a:noFill/>
+              </a:ln>
+              <a:effectLst/>
+              <a:latin typeface="Arial" pitchFamily="34" charset="0"/>
+              <a:ea typeface="宋体" pitchFamily="2" charset="-122"/>
+              <a:cs typeface="宋体" pitchFamily="2" charset="-122"/>
+            </a:endParaRPr>
+          </a:p>
+          <a:p>
+            <a:pPr marL="0" marR="0" lvl="0" indent="0" algn="l" defTabSz="914400" rtl="0" eaLnBrk="0" fontAlgn="base" latinLnBrk="0" hangingPunct="0">
+              <a:lnSpc>
+                <a:spcPct val="100000"/>
+              </a:lnSpc>
+              <a:spcBef>
+                <a:spcPct val="0"/>
+              </a:spcBef>
+              <a:spcAft>
+                <a:spcPct val="0"/>
+              </a:spcAft>
+              <a:buClrTx/>
+              <a:buSzTx/>
+              <a:buFontTx/>
+              <a:buNone/>
+              <a:tabLst/>
+            </a:pPr>
+            <a:r>
+              <a:rPr kumimoji="0" lang="zh-CN" altLang="en-US" b="0" i="0" u="none" strike="noStrike" cap="none" normalizeH="0" baseline="0" dirty="0" smtClean="0">
+                <a:ln>
+                  <a:noFill/>
+                </a:ln>
+                <a:solidFill>
+                  <a:srgbClr val="FF0000"/>
+                </a:solidFill>
+                <a:effectLst/>
+                <a:latin typeface="Calibri" pitchFamily="34" charset="0"/>
+                <a:ea typeface="宋体" pitchFamily="2" charset="-122"/>
+                <a:cs typeface="Times New Roman" pitchFamily="18" charset="0"/>
+              </a:rPr>
+              <a:t>	</a:t>
+            </a:r>
+            <a:r>
+              <a:rPr lang="en-US" altLang="zh-CN" dirty="0" smtClean="0">
+                <a:solidFill>
+                  <a:srgbClr val="FF0000"/>
+                </a:solidFill>
+                <a:latin typeface="Calibri" pitchFamily="34" charset="0"/>
+                <a:ea typeface="宋体" pitchFamily="2" charset="-122"/>
+                <a:cs typeface="Times New Roman" pitchFamily="18" charset="0"/>
+              </a:rPr>
+              <a:t>         </a:t>
+            </a:r>
+            <a:r>
+              <a:rPr kumimoji="0" lang="zh-CN" altLang="en-US" b="0" i="0" u="none" strike="noStrike" cap="none" normalizeH="0" baseline="0" dirty="0" smtClean="0">
+                <a:ln>
+                  <a:noFill/>
+                </a:ln>
+                <a:solidFill>
+                  <a:schemeClr val="tx1"/>
+                </a:solidFill>
+                <a:effectLst/>
+                <a:latin typeface="Calibri" pitchFamily="34" charset="0"/>
+                <a:ea typeface="宋体" pitchFamily="2" charset="-122"/>
+                <a:cs typeface="Times New Roman" pitchFamily="18" charset="0"/>
+              </a:rPr>
+              <a:t>需要将</a:t>
+            </a:r>
+            <a:r>
+              <a:rPr kumimoji="0" lang="en-US" altLang="zh-CN" b="0" i="0" u="none" strike="noStrike" cap="none" normalizeH="0" baseline="0" dirty="0" smtClean="0">
+                <a:ln>
+                  <a:noFill/>
+                </a:ln>
+                <a:solidFill>
+                  <a:schemeClr val="tx1"/>
+                </a:solidFill>
+                <a:effectLst/>
+                <a:latin typeface="Calibri" pitchFamily="34" charset="0"/>
+                <a:ea typeface="宋体" pitchFamily="2" charset="-122"/>
+                <a:cs typeface="Times New Roman" pitchFamily="18" charset="0"/>
+              </a:rPr>
+              <a:t>Service</a:t>
+            </a:r>
+            <a:r>
+              <a:rPr kumimoji="0" lang="zh-CN" altLang="en-US" b="0" i="0" u="none" strike="noStrike" cap="none" normalizeH="0" baseline="0" dirty="0" smtClean="0">
+                <a:ln>
+                  <a:noFill/>
+                </a:ln>
+                <a:solidFill>
+                  <a:schemeClr val="tx1"/>
+                </a:solidFill>
+                <a:effectLst/>
+                <a:latin typeface="Calibri" pitchFamily="34" charset="0"/>
+                <a:ea typeface="宋体" pitchFamily="2" charset="-122"/>
+                <a:cs typeface="Times New Roman" pitchFamily="18" charset="0"/>
+              </a:rPr>
+              <a:t>的父类</a:t>
+            </a:r>
+            <a:r>
+              <a:rPr kumimoji="0" lang="en-US" altLang="zh-CN" b="0" i="0" u="none" strike="noStrike" cap="none" normalizeH="0" baseline="0" dirty="0" err="1" smtClean="0">
+                <a:ln>
+                  <a:noFill/>
+                </a:ln>
+                <a:solidFill>
+                  <a:schemeClr val="tx1"/>
+                </a:solidFill>
+                <a:effectLst/>
+                <a:latin typeface="Calibri" pitchFamily="34" charset="0"/>
+                <a:ea typeface="宋体" pitchFamily="2" charset="-122"/>
+                <a:cs typeface="Times New Roman" pitchFamily="18" charset="0"/>
+              </a:rPr>
+              <a:t>BaseService</a:t>
+            </a:r>
+            <a:r>
+              <a:rPr kumimoji="0" lang="zh-CN" altLang="en-US" b="0" i="0" u="none" strike="noStrike" cap="none" normalizeH="0" baseline="0" dirty="0" smtClean="0">
+                <a:ln>
+                  <a:noFill/>
+                </a:ln>
+                <a:solidFill>
+                  <a:schemeClr val="tx1"/>
+                </a:solidFill>
+                <a:effectLst/>
+                <a:latin typeface="Calibri" pitchFamily="34" charset="0"/>
+                <a:ea typeface="宋体" pitchFamily="2" charset="-122"/>
+                <a:cs typeface="Times New Roman" pitchFamily="18" charset="0"/>
+              </a:rPr>
+              <a:t>换成</a:t>
+            </a:r>
+            <a:r>
+              <a:rPr kumimoji="0" lang="en-US" altLang="zh-CN" b="0" i="0" u="none" strike="noStrike" cap="none" normalizeH="0" baseline="0" dirty="0" err="1" smtClean="0">
+                <a:ln>
+                  <a:noFill/>
+                </a:ln>
+                <a:solidFill>
+                  <a:schemeClr val="tx1"/>
+                </a:solidFill>
+                <a:effectLst/>
+                <a:latin typeface="Calibri" pitchFamily="34" charset="0"/>
+                <a:ea typeface="宋体" pitchFamily="2" charset="-122"/>
+                <a:cs typeface="Times New Roman" pitchFamily="18" charset="0"/>
+              </a:rPr>
+              <a:t>OaBaseService</a:t>
+            </a:r>
+            <a:endParaRPr kumimoji="0" lang="en-US" altLang="zh-CN" b="0" i="0" u="none" strike="noStrike" cap="none" normalizeH="0" baseline="0" dirty="0" smtClean="0">
               <a:ln>
                 <a:noFill/>
               </a:ln>
@@ -4938,419 +4932,154 @@
                 <a:schemeClr val="tx1"/>
               </a:solidFill>
               <a:effectLst/>
-              <a:latin typeface="Arial" charset="0"/>
-              <a:ea typeface="微软雅黑" pitchFamily="34" charset="-122"/>
+              <a:latin typeface="Arial" pitchFamily="34" charset="0"/>
+              <a:ea typeface="宋体" pitchFamily="2" charset="-122"/>
+              <a:cs typeface="宋体" pitchFamily="2" charset="-122"/>
             </a:endParaRPr>
           </a:p>
         </p:txBody>
       </p:sp>
-      <p:sp>
-        <p:nvSpPr>
-          <p:cNvPr id="83" name="TextBox 82"/>
-          <p:cNvSpPr txBox="1"/>
+      <p:pic>
+        <p:nvPicPr>
+          <p:cNvPr id="52" name="图片 51"/>
+          <p:cNvPicPr/>
           <p:nvPr/>
-        </p:nvSpPr>
-        <p:spPr>
+        </p:nvPicPr>
+        <p:blipFill>
+          <a:blip r:embed="rId2"/>
+          <a:srcRect/>
+          <a:stretch>
+            <a:fillRect/>
+          </a:stretch>
+        </p:blipFill>
+        <p:spPr bwMode="auto">
           <a:xfrm>
-            <a:off x="214282" y="1428736"/>
-            <a:ext cx="8715436" cy="5355312"/>
+            <a:off x="428596" y="1000108"/>
+            <a:ext cx="8429684" cy="642942"/>
           </a:xfrm>
           <a:prstGeom prst="rect">
             <a:avLst/>
           </a:prstGeom>
           <a:noFill/>
-        </p:spPr>
-        <p:txBody>
-          <a:bodyPr wrap="square" rtlCol="0">
+          <a:ln w="9525">
+            <a:noFill/>
+            <a:miter lim="800000"/>
+            <a:headEnd/>
+            <a:tailEnd/>
+          </a:ln>
+        </p:spPr>
+      </p:pic>
+      <p:sp>
+        <p:nvSpPr>
+          <p:cNvPr id="53" name="矩形 52"/>
+          <p:cNvSpPr/>
+          <p:nvPr/>
+        </p:nvSpPr>
+        <p:spPr>
+          <a:xfrm>
+            <a:off x="1357258" y="1785926"/>
+            <a:ext cx="7786742" cy="369332"/>
+          </a:xfrm>
+          <a:prstGeom prst="rect">
+            <a:avLst/>
+          </a:prstGeom>
+        </p:spPr>
+        <p:txBody>
+          <a:bodyPr wrap="square">
             <a:spAutoFit/>
           </a:bodyPr>
           <a:lstStyle/>
           <a:p>
             <a:r>
-              <a:rPr lang="en-US" dirty="0" smtClean="0">
-                <a:solidFill>
-                  <a:srgbClr val="FF0000"/>
-                </a:solidFill>
-              </a:rPr>
-              <a:t>//</a:t>
+              <a:rPr lang="zh-CN" altLang="en-US" dirty="0" smtClean="0"/>
+              <a:t> </a:t>
             </a:r>
             <a:r>
               <a:rPr lang="zh-CN" altLang="en-US" dirty="0" smtClean="0">
-                <a:solidFill>
-                  <a:srgbClr val="FF0000"/>
-                </a:solidFill>
-              </a:rPr>
-              <a:t>此方法上不能开启事务</a:t>
-            </a:r>
-          </a:p>
-          <a:p>
-            <a:r>
-              <a:rPr lang="en-US" b="1" dirty="0" smtClean="0"/>
-              <a:t>public</a:t>
-            </a:r>
-            <a:r>
-              <a:rPr lang="en-US" dirty="0" smtClean="0"/>
-              <a:t> </a:t>
-            </a:r>
-            <a:r>
-              <a:rPr lang="en-US" dirty="0" smtClean="0"/>
-              <a:t>String </a:t>
-            </a:r>
-            <a:r>
-              <a:rPr lang="en-US" b="1" dirty="0" err="1" smtClean="0"/>
-              <a:t>callTest</a:t>
-            </a:r>
-            <a:r>
-              <a:rPr lang="en-US" dirty="0" smtClean="0"/>
-              <a:t>(){</a:t>
-            </a:r>
-            <a:endParaRPr lang="zh-CN" altLang="en-US" dirty="0" smtClean="0"/>
-          </a:p>
-          <a:p>
-            <a:r>
-              <a:rPr lang="en-US" b="1" dirty="0" smtClean="0"/>
-              <a:t>      final</a:t>
-            </a:r>
-            <a:r>
-              <a:rPr lang="en-US" dirty="0" smtClean="0"/>
-              <a:t>   </a:t>
-            </a:r>
-            <a:r>
-              <a:rPr lang="en-US" dirty="0" err="1" smtClean="0"/>
-              <a:t>AppUser</a:t>
-            </a:r>
-            <a:r>
-              <a:rPr lang="en-US" dirty="0" smtClean="0"/>
-              <a:t> au = </a:t>
-            </a:r>
-            <a:r>
-              <a:rPr lang="en-US" b="1" dirty="0" smtClean="0"/>
-              <a:t>new</a:t>
-            </a:r>
-            <a:r>
-              <a:rPr lang="en-US" dirty="0" smtClean="0"/>
-              <a:t> </a:t>
-            </a:r>
-            <a:r>
-              <a:rPr lang="en-US" dirty="0" err="1" smtClean="0"/>
-              <a:t>AppUser</a:t>
-            </a:r>
-            <a:r>
-              <a:rPr lang="en-US" dirty="0" smtClean="0"/>
-              <a:t>();</a:t>
-            </a:r>
-            <a:endParaRPr lang="zh-CN" altLang="en-US" dirty="0" smtClean="0"/>
-          </a:p>
-          <a:p>
-            <a:r>
-              <a:rPr lang="en-US" dirty="0" smtClean="0"/>
-              <a:t>       </a:t>
-            </a:r>
-            <a:endParaRPr lang="zh-CN" altLang="en-US" dirty="0" smtClean="0"/>
-          </a:p>
-          <a:p>
-            <a:r>
-              <a:rPr lang="en-US" dirty="0" smtClean="0"/>
-              <a:t>       </a:t>
-            </a:r>
-            <a:r>
-              <a:rPr lang="en-US" dirty="0" err="1" smtClean="0"/>
-              <a:t>au.setTitle</a:t>
-            </a:r>
-            <a:r>
-              <a:rPr lang="en-US" dirty="0" smtClean="0"/>
-              <a:t>(</a:t>
-            </a:r>
-            <a:r>
-              <a:rPr lang="en-US" dirty="0" err="1" smtClean="0"/>
-              <a:t>Short.</a:t>
-            </a:r>
-            <a:r>
-              <a:rPr lang="en-US" i="1" dirty="0" err="1" smtClean="0"/>
-              <a:t>valueOf</a:t>
-            </a:r>
-            <a:r>
-              <a:rPr lang="en-US" dirty="0" smtClean="0"/>
-              <a:t>((</a:t>
-            </a:r>
-            <a:r>
-              <a:rPr lang="en-US" b="1" dirty="0" smtClean="0"/>
-              <a:t>short</a:t>
-            </a:r>
-            <a:r>
-              <a:rPr lang="en-US" dirty="0" smtClean="0"/>
-              <a:t>) 1));</a:t>
-            </a:r>
-            <a:endParaRPr lang="zh-CN" altLang="en-US" dirty="0" smtClean="0"/>
-          </a:p>
-          <a:p>
-            <a:r>
-              <a:rPr lang="en-US" dirty="0" smtClean="0"/>
-              <a:t>       </a:t>
-            </a:r>
-            <a:r>
-              <a:rPr lang="en-US" dirty="0" err="1" smtClean="0"/>
-              <a:t>au.setUsername</a:t>
-            </a:r>
-            <a:r>
-              <a:rPr lang="en-US" dirty="0" smtClean="0"/>
-              <a:t>("user" );</a:t>
-            </a:r>
-            <a:endParaRPr lang="zh-CN" altLang="en-US" dirty="0" smtClean="0"/>
-          </a:p>
-          <a:p>
-            <a:r>
-              <a:rPr lang="en-US" dirty="0" smtClean="0"/>
-              <a:t>       </a:t>
-            </a:r>
-            <a:r>
-              <a:rPr lang="en-US" dirty="0" err="1" smtClean="0"/>
-              <a:t>au.setPassword</a:t>
-            </a:r>
-            <a:r>
-              <a:rPr lang="en-US" dirty="0" smtClean="0"/>
-              <a:t>("1");</a:t>
-            </a:r>
-            <a:endParaRPr lang="zh-CN" altLang="en-US" dirty="0" smtClean="0"/>
-          </a:p>
-          <a:p>
-            <a:r>
-              <a:rPr lang="en-US" dirty="0" smtClean="0"/>
-              <a:t>       </a:t>
-            </a:r>
-            <a:r>
-              <a:rPr lang="en-US" dirty="0" err="1" smtClean="0"/>
-              <a:t>au.setFullname</a:t>
-            </a:r>
-            <a:r>
-              <a:rPr lang="en-US" dirty="0" smtClean="0"/>
-              <a:t>("</a:t>
-            </a:r>
-            <a:r>
-              <a:rPr lang="zh-CN" altLang="en-US" dirty="0" smtClean="0"/>
-              <a:t>李海</a:t>
-            </a:r>
-            <a:r>
-              <a:rPr lang="en-US" dirty="0" smtClean="0"/>
-              <a:t>" );</a:t>
-            </a:r>
-            <a:endParaRPr lang="zh-CN" altLang="en-US" dirty="0" smtClean="0"/>
-          </a:p>
-          <a:p>
-            <a:r>
-              <a:rPr lang="en-US" dirty="0" smtClean="0"/>
-              <a:t>       </a:t>
-            </a:r>
-            <a:r>
-              <a:rPr lang="en-US" dirty="0" err="1" smtClean="0"/>
-              <a:t>au.setAddress</a:t>
-            </a:r>
-            <a:r>
-              <a:rPr lang="en-US" dirty="0" smtClean="0"/>
-              <a:t>("</a:t>
-            </a:r>
-            <a:r>
-              <a:rPr lang="en-US" dirty="0" err="1" smtClean="0"/>
-              <a:t>testAddress</a:t>
-            </a:r>
-            <a:r>
-              <a:rPr lang="en-US" dirty="0" smtClean="0"/>
-              <a:t>");</a:t>
-            </a:r>
-            <a:endParaRPr lang="zh-CN" altLang="en-US" dirty="0" smtClean="0"/>
-          </a:p>
-          <a:p>
-            <a:r>
-              <a:rPr lang="en-US" dirty="0" smtClean="0"/>
-              <a:t>       </a:t>
-            </a:r>
-            <a:r>
-              <a:rPr lang="en-US" dirty="0" err="1" smtClean="0"/>
-              <a:t>au.setEducation</a:t>
-            </a:r>
-            <a:r>
-              <a:rPr lang="en-US" dirty="0" smtClean="0"/>
-              <a:t>("test");</a:t>
-            </a:r>
-            <a:endParaRPr lang="zh-CN" altLang="en-US" dirty="0" smtClean="0"/>
-          </a:p>
-          <a:p>
-            <a:r>
-              <a:rPr lang="en-US" dirty="0" smtClean="0"/>
-              <a:t>       </a:t>
-            </a:r>
-            <a:r>
-              <a:rPr lang="en-US" dirty="0" err="1" smtClean="0"/>
-              <a:t>au.setEmail</a:t>
-            </a:r>
-            <a:r>
-              <a:rPr lang="en-US" dirty="0" smtClean="0"/>
-              <a:t>("user"  + "@</a:t>
-            </a:r>
-            <a:r>
-              <a:rPr lang="en-US" dirty="0" err="1" smtClean="0"/>
-              <a:t>xpsoft.com</a:t>
-            </a:r>
-            <a:r>
-              <a:rPr lang="en-US" dirty="0" smtClean="0"/>
-              <a:t>");</a:t>
-            </a:r>
-            <a:endParaRPr lang="zh-CN" altLang="en-US" dirty="0" smtClean="0"/>
-          </a:p>
-          <a:p>
-            <a:r>
-              <a:rPr lang="en-US" dirty="0" smtClean="0"/>
-              <a:t>       </a:t>
-            </a:r>
-            <a:r>
-              <a:rPr lang="en-US" dirty="0" err="1" smtClean="0"/>
-              <a:t>au.setAccessionTime</a:t>
-            </a:r>
-            <a:r>
-              <a:rPr lang="en-US" dirty="0" smtClean="0"/>
-              <a:t>(</a:t>
-            </a:r>
-            <a:r>
-              <a:rPr lang="en-US" b="1" dirty="0" smtClean="0"/>
-              <a:t>new</a:t>
-            </a:r>
-            <a:r>
-              <a:rPr lang="en-US" dirty="0" smtClean="0"/>
-              <a:t> Date());</a:t>
-            </a:r>
-            <a:endParaRPr lang="zh-CN" altLang="en-US" dirty="0" smtClean="0"/>
-          </a:p>
-          <a:p>
-            <a:r>
-              <a:rPr lang="en-US" dirty="0" smtClean="0"/>
-              <a:t>       </a:t>
-            </a:r>
-            <a:r>
-              <a:rPr lang="en-US" dirty="0" err="1" smtClean="0"/>
-              <a:t>au.setPhoto</a:t>
-            </a:r>
-            <a:r>
-              <a:rPr lang="en-US" dirty="0" smtClean="0"/>
-              <a:t>("photo");</a:t>
-            </a:r>
-            <a:endParaRPr lang="zh-CN" altLang="en-US" dirty="0" smtClean="0"/>
-          </a:p>
-          <a:p>
-            <a:r>
-              <a:rPr lang="en-US" dirty="0" smtClean="0"/>
-              <a:t>       </a:t>
-            </a:r>
-            <a:r>
-              <a:rPr lang="en-US" dirty="0" err="1" smtClean="0"/>
-              <a:t>au.setZip</a:t>
-            </a:r>
-            <a:r>
-              <a:rPr lang="en-US" dirty="0" smtClean="0"/>
-              <a:t>("00003");</a:t>
-            </a:r>
-            <a:endParaRPr lang="zh-CN" altLang="en-US" dirty="0" smtClean="0"/>
-          </a:p>
-          <a:p>
-            <a:r>
-              <a:rPr lang="en-US" dirty="0" smtClean="0"/>
-              <a:t>       </a:t>
-            </a:r>
-            <a:r>
-              <a:rPr lang="en-US" dirty="0" err="1" smtClean="0"/>
-              <a:t>au.setStatus</a:t>
-            </a:r>
-            <a:r>
-              <a:rPr lang="en-US" dirty="0" smtClean="0"/>
-              <a:t>(</a:t>
-            </a:r>
-            <a:r>
-              <a:rPr lang="en-US" dirty="0" err="1" smtClean="0"/>
-              <a:t>Short.</a:t>
-            </a:r>
-            <a:r>
-              <a:rPr lang="en-US" i="1" dirty="0" err="1" smtClean="0"/>
-              <a:t>valueOf</a:t>
-            </a:r>
-            <a:r>
-              <a:rPr lang="en-US" dirty="0" smtClean="0"/>
-              <a:t>((</a:t>
-            </a:r>
-            <a:r>
-              <a:rPr lang="en-US" b="1" dirty="0" smtClean="0"/>
-              <a:t>short</a:t>
-            </a:r>
-            <a:r>
-              <a:rPr lang="en-US" dirty="0" smtClean="0"/>
-              <a:t>) 1));</a:t>
-            </a:r>
-            <a:endParaRPr lang="zh-CN" altLang="en-US" dirty="0" smtClean="0"/>
-          </a:p>
-          <a:p>
-            <a:r>
-              <a:rPr lang="en-US" dirty="0" smtClean="0"/>
-              <a:t>       </a:t>
-            </a:r>
-            <a:r>
-              <a:rPr lang="en-US" dirty="0" err="1" smtClean="0"/>
-              <a:t>au.setFax</a:t>
-            </a:r>
-            <a:r>
-              <a:rPr lang="en-US" dirty="0" smtClean="0"/>
-              <a:t>("020-003034034");</a:t>
-            </a:r>
-            <a:endParaRPr lang="zh-CN" altLang="en-US" dirty="0" smtClean="0"/>
-          </a:p>
-          <a:p>
-            <a:r>
-              <a:rPr lang="en-US" dirty="0" smtClean="0"/>
-              <a:t>       </a:t>
-            </a:r>
-            <a:r>
-              <a:rPr lang="en-US" dirty="0" err="1" smtClean="0"/>
-              <a:t>au.setPosition</a:t>
-            </a:r>
-            <a:r>
-              <a:rPr lang="en-US" dirty="0" smtClean="0"/>
-              <a:t>("</a:t>
-            </a:r>
-            <a:r>
-              <a:rPr lang="en-US" dirty="0" err="1" smtClean="0"/>
-              <a:t>UserManager</a:t>
-            </a:r>
-            <a:r>
-              <a:rPr lang="en-US" dirty="0" smtClean="0"/>
-              <a:t>");</a:t>
-            </a:r>
-            <a:endParaRPr lang="zh-CN" altLang="en-US" dirty="0" smtClean="0"/>
-          </a:p>
-          <a:p>
-            <a:r>
-              <a:rPr lang="en-US" dirty="0" smtClean="0"/>
-              <a:t>       </a:t>
-            </a:r>
-            <a:r>
-              <a:rPr lang="en-US" dirty="0" err="1" smtClean="0"/>
-              <a:t>au.setDelFlag</a:t>
-            </a:r>
-            <a:r>
-              <a:rPr lang="en-US" dirty="0" smtClean="0"/>
-              <a:t>(</a:t>
-            </a:r>
-            <a:r>
-              <a:rPr lang="en-US" dirty="0" err="1" smtClean="0"/>
-              <a:t>Constants.FLAG_UNDELETED</a:t>
-            </a:r>
-            <a:r>
-              <a:rPr lang="en-US" dirty="0" smtClean="0"/>
-              <a:t>);</a:t>
-            </a:r>
-            <a:endParaRPr lang="zh-CN" altLang="en-US" dirty="0" smtClean="0"/>
-          </a:p>
-          <a:p>
-            <a:endParaRPr lang="zh-CN" altLang="en-US" dirty="0"/>
-          </a:p>
-        </p:txBody>
-      </p:sp>
+                <a:latin typeface="Calibri" pitchFamily="34" charset="0"/>
+                <a:ea typeface="宋体" pitchFamily="2" charset="-122"/>
+                <a:cs typeface="Times New Roman" pitchFamily="18" charset="0"/>
+              </a:rPr>
+              <a:t>并将</a:t>
+            </a:r>
+            <a:r>
+              <a:rPr lang="en-US" altLang="en-US" dirty="0" err="1" smtClean="0">
+                <a:latin typeface="Calibri" pitchFamily="34" charset="0"/>
+                <a:ea typeface="宋体" pitchFamily="2" charset="-122"/>
+                <a:cs typeface="Times New Roman" pitchFamily="18" charset="0"/>
+              </a:rPr>
+              <a:t>ServiceImpl</a:t>
+            </a:r>
+            <a:r>
+              <a:rPr lang="zh-CN" altLang="en-US" dirty="0" smtClean="0">
+                <a:latin typeface="Calibri" pitchFamily="34" charset="0"/>
+                <a:ea typeface="宋体" pitchFamily="2" charset="-122"/>
+                <a:cs typeface="Times New Roman" pitchFamily="18" charset="0"/>
+              </a:rPr>
+              <a:t>的父类</a:t>
+            </a:r>
+            <a:r>
+              <a:rPr lang="en-US" altLang="en-US" dirty="0" err="1" smtClean="0">
+                <a:latin typeface="Calibri" pitchFamily="34" charset="0"/>
+                <a:ea typeface="宋体" pitchFamily="2" charset="-122"/>
+                <a:cs typeface="Times New Roman" pitchFamily="18" charset="0"/>
+              </a:rPr>
+              <a:t>BaseServiceImpl</a:t>
+            </a:r>
+            <a:r>
+              <a:rPr lang="zh-CN" altLang="en-US" dirty="0" smtClean="0">
+                <a:latin typeface="Calibri" pitchFamily="34" charset="0"/>
+                <a:ea typeface="宋体" pitchFamily="2" charset="-122"/>
+                <a:cs typeface="Times New Roman" pitchFamily="18" charset="0"/>
+              </a:rPr>
+              <a:t>换成</a:t>
+            </a:r>
+            <a:r>
+              <a:rPr lang="en-US" altLang="en-US" dirty="0" err="1" smtClean="0">
+                <a:latin typeface="Calibri" pitchFamily="34" charset="0"/>
+                <a:ea typeface="宋体" pitchFamily="2" charset="-122"/>
+                <a:cs typeface="Times New Roman" pitchFamily="18" charset="0"/>
+              </a:rPr>
+              <a:t>OaBaseServiceImpl</a:t>
+            </a:r>
+            <a:endParaRPr lang="zh-CN" altLang="en-US" dirty="0" smtClean="0">
+              <a:latin typeface="Calibri" pitchFamily="34" charset="0"/>
+              <a:ea typeface="宋体" pitchFamily="2" charset="-122"/>
+              <a:cs typeface="Times New Roman" pitchFamily="18" charset="0"/>
+            </a:endParaRPr>
+          </a:p>
+        </p:txBody>
+      </p:sp>
+      <p:pic>
+        <p:nvPicPr>
+          <p:cNvPr id="54" name="图片 53"/>
+          <p:cNvPicPr/>
+          <p:nvPr/>
+        </p:nvPicPr>
+        <p:blipFill>
+          <a:blip r:embed="rId3"/>
+          <a:srcRect/>
+          <a:stretch>
+            <a:fillRect/>
+          </a:stretch>
+        </p:blipFill>
+        <p:spPr bwMode="auto">
+          <a:xfrm>
+            <a:off x="428596" y="2714620"/>
+            <a:ext cx="8429684" cy="642942"/>
+          </a:xfrm>
+          <a:prstGeom prst="rect">
+            <a:avLst/>
+          </a:prstGeom>
+          <a:noFill/>
+          <a:ln w="9525">
+            <a:noFill/>
+            <a:miter lim="800000"/>
+            <a:headEnd/>
+            <a:tailEnd/>
+          </a:ln>
+        </p:spPr>
+      </p:pic>
     </p:spTree>
   </p:cSld>
   <p:clrMapOvr>
@@ -5385,14 +5114,74 @@
       </p:grpSpPr>
       <p:sp>
         <p:nvSpPr>
-          <p:cNvPr id="34" name="矩形 33"/>
+          <p:cNvPr id="76" name="标题 75"/>
+          <p:cNvSpPr>
+            <a:spLocks noGrp="1"/>
+          </p:cNvSpPr>
+          <p:nvPr>
+            <p:ph type="title"/>
+          </p:nvPr>
+        </p:nvSpPr>
+        <p:spPr>
+          <a:xfrm>
+            <a:off x="500034" y="142852"/>
+            <a:ext cx="8229600" cy="1082660"/>
+          </a:xfrm>
+        </p:spPr>
+        <p:txBody>
+          <a:bodyPr/>
+          <a:lstStyle/>
+          <a:p>
+            <a:r>
+              <a:rPr lang="en-US" sz="3200" dirty="0" smtClean="0">
+                <a:solidFill>
+                  <a:srgbClr val="00CC00"/>
+                </a:solidFill>
+              </a:rPr>
+              <a:t>action</a:t>
+            </a:r>
+            <a:r>
+              <a:rPr lang="zh-CN" altLang="en-US" sz="3200" dirty="0" smtClean="0">
+                <a:solidFill>
+                  <a:srgbClr val="00CC00"/>
+                </a:solidFill>
+              </a:rPr>
+              <a:t>中对分布式事务处理的接口调用</a:t>
+            </a:r>
+            <a:r>
+              <a:rPr lang="en-US" sz="3200" dirty="0" smtClean="0">
+                <a:solidFill>
+                  <a:srgbClr val="00CC00"/>
+                </a:solidFill>
+              </a:rPr>
+              <a:t>demo</a:t>
+            </a:r>
+            <a:r>
+              <a:rPr lang="zh-CN" altLang="en-US" sz="3200" dirty="0" smtClean="0">
+                <a:solidFill>
+                  <a:srgbClr val="00CC00"/>
+                </a:solidFill>
+              </a:rPr>
+              <a:t>如下</a:t>
+            </a:r>
+            <a:endParaRPr lang="zh-CN" altLang="en-US" sz="3200" dirty="0">
+              <a:solidFill>
+                <a:srgbClr val="00CC00"/>
+              </a:solidFill>
+            </a:endParaRPr>
+          </a:p>
+        </p:txBody>
+      </p:sp>
+      <p:sp>
+        <p:nvSpPr>
+          <p:cNvPr id="81" name="矩形 80"/>
           <p:cNvSpPr/>
           <p:nvPr/>
         </p:nvSpPr>
         <p:spPr bwMode="auto">
           <a:xfrm>
-            <a:off x="285688" y="142852"/>
-            <a:ext cx="8572592" cy="6500858"/>
+            <a:off x="142844" y="1285860"/>
+            <a:ext cx="8858312" cy="5357850"/>
           </a:xfrm>
           <a:prstGeom prst="rect">
             <a:avLst/>
@@ -5435,7 +5224,7 @@
               <a:buNone/>
               <a:tabLst/>
             </a:pPr>
-            <a:endParaRPr kumimoji="0" lang="zh-CN" altLang="en-US" sz="1800" b="0" i="0" u="none" strike="noStrike" cap="none" normalizeH="0" baseline="0" dirty="0" smtClean="0">
+            <a:endParaRPr kumimoji="0" lang="zh-CN" altLang="en-US" sz="1800" b="0" i="0" u="none" strike="noStrike" cap="none" normalizeH="0" baseline="0" smtClean="0">
               <a:ln>
                 <a:noFill/>
               </a:ln>
@@ -5451,14 +5240,14 @@
       </p:sp>
       <p:sp>
         <p:nvSpPr>
-          <p:cNvPr id="35" name="TextBox 34"/>
+          <p:cNvPr id="83" name="TextBox 82"/>
           <p:cNvSpPr txBox="1"/>
           <p:nvPr/>
         </p:nvSpPr>
         <p:spPr>
           <a:xfrm>
-            <a:off x="285720" y="285728"/>
-            <a:ext cx="8501122" cy="6186309"/>
+            <a:off x="214282" y="1428736"/>
+            <a:ext cx="8715436" cy="5355312"/>
           </a:xfrm>
           <a:prstGeom prst="rect">
             <a:avLst/>
@@ -5472,194 +5261,57 @@
           <a:lstStyle/>
           <a:p>
             <a:r>
-              <a:rPr lang="en-US" dirty="0" smtClean="0"/>
-              <a:t> </a:t>
+              <a:rPr lang="en-US" dirty="0" smtClean="0">
+                <a:solidFill>
+                  <a:srgbClr val="FF0000"/>
+                </a:solidFill>
+              </a:rPr>
+              <a:t>//</a:t>
+            </a:r>
+            <a:r>
+              <a:rPr lang="zh-CN" altLang="en-US" dirty="0" smtClean="0">
+                <a:solidFill>
+                  <a:srgbClr val="FF0000"/>
+                </a:solidFill>
+              </a:rPr>
+              <a:t>此方法上不能开启事务</a:t>
+            </a:r>
+          </a:p>
+          <a:p>
+            <a:r>
+              <a:rPr lang="en-US" b="1" dirty="0" smtClean="0"/>
+              <a:t>public</a:t>
+            </a:r>
+            <a:r>
+              <a:rPr lang="en-US" dirty="0" smtClean="0"/>
+              <a:t> String </a:t>
+            </a:r>
+            <a:r>
+              <a:rPr lang="en-US" b="1" dirty="0" err="1" smtClean="0"/>
+              <a:t>callTest</a:t>
+            </a:r>
+            <a:r>
+              <a:rPr lang="en-US" dirty="0" smtClean="0"/>
+              <a:t>(){</a:t>
             </a:r>
             <a:endParaRPr lang="zh-CN" altLang="en-US" dirty="0" smtClean="0"/>
           </a:p>
           <a:p>
             <a:r>
-              <a:rPr lang="en-US" dirty="0" smtClean="0"/>
-              <a:t>      </a:t>
-            </a:r>
-            <a:r>
               <a:rPr lang="en-US" b="1" dirty="0" smtClean="0"/>
-              <a:t>final</a:t>
-            </a:r>
-            <a:r>
-              <a:rPr lang="en-US" dirty="0" smtClean="0"/>
-              <a:t>  String host</a:t>
-            </a:r>
-            <a:r>
-              <a:rPr lang="en-US" dirty="0" smtClean="0"/>
-              <a:t>=“</a:t>
+              <a:t>      final</a:t>
+            </a:r>
+            <a:r>
+              <a:rPr lang="en-US" dirty="0" smtClean="0"/>
+              <a:t>   </a:t>
             </a:r>
             <a:r>
               <a:rPr lang="en-US" dirty="0" err="1" smtClean="0"/>
-              <a:t>ljt</a:t>
-            </a:r>
-            <a:r>
-              <a:rPr lang="en-US" dirty="0" smtClean="0"/>
-              <a:t>”;//</a:t>
-            </a:r>
-            <a:r>
-              <a:rPr lang="zh-CN" altLang="en-US" dirty="0" smtClean="0">
-                <a:solidFill>
-                  <a:srgbClr val="FF0000"/>
-                </a:solidFill>
-              </a:rPr>
-              <a:t>应用名</a:t>
-            </a:r>
-            <a:endParaRPr lang="zh-CN" altLang="en-US" dirty="0" smtClean="0">
-              <a:solidFill>
-                <a:srgbClr val="FF0000"/>
-              </a:solidFill>
-            </a:endParaRPr>
-          </a:p>
-          <a:p>
-            <a:r>
-              <a:rPr lang="en-US" dirty="0" smtClean="0"/>
-              <a:t>      </a:t>
-            </a:r>
-            <a:r>
-              <a:rPr lang="en-US" b="1" dirty="0" smtClean="0"/>
-              <a:t>final</a:t>
-            </a:r>
-            <a:r>
-              <a:rPr lang="en-US" dirty="0" smtClean="0"/>
-              <a:t>   String </a:t>
-            </a:r>
-            <a:r>
-              <a:rPr lang="en-US" dirty="0" err="1" smtClean="0"/>
-              <a:t>packagez</a:t>
-            </a:r>
-            <a:r>
-              <a:rPr lang="en-US" dirty="0" smtClean="0"/>
-              <a:t>=“system”;//</a:t>
-            </a:r>
-            <a:r>
-              <a:rPr lang="zh-CN" altLang="en-US" dirty="0" smtClean="0">
-                <a:solidFill>
-                  <a:srgbClr val="FF0000"/>
-                </a:solidFill>
-              </a:rPr>
-              <a:t>模块包名</a:t>
-            </a:r>
-            <a:endParaRPr lang="zh-CN" altLang="en-US" dirty="0" smtClean="0">
-              <a:solidFill>
-                <a:srgbClr val="FF0000"/>
-              </a:solidFill>
-            </a:endParaRPr>
-          </a:p>
-          <a:p>
-            <a:r>
-              <a:rPr lang="en-US" dirty="0" smtClean="0"/>
-              <a:t>      </a:t>
-            </a:r>
-            <a:r>
-              <a:rPr lang="en-US" b="1" dirty="0" smtClean="0"/>
-              <a:t>final</a:t>
-            </a:r>
-            <a:r>
-              <a:rPr lang="en-US" dirty="0" smtClean="0"/>
-              <a:t>   String action</a:t>
-            </a:r>
-            <a:r>
-              <a:rPr lang="en-US" dirty="0" smtClean="0"/>
-              <a:t>=“</a:t>
-            </a:r>
-            <a:r>
-              <a:rPr lang="en-US" dirty="0" err="1" smtClean="0"/>
-              <a:t>appUser</a:t>
-            </a:r>
-            <a:r>
-              <a:rPr lang="en-US" dirty="0" smtClean="0"/>
-              <a:t>”;//</a:t>
-            </a:r>
-            <a:r>
-              <a:rPr lang="zh-CN" altLang="en-US" dirty="0" smtClean="0">
-                <a:solidFill>
-                  <a:srgbClr val="FF0000"/>
-                </a:solidFill>
-              </a:rPr>
-              <a:t>功能名</a:t>
-            </a:r>
-            <a:endParaRPr lang="en-US" altLang="zh-CN" dirty="0" smtClean="0">
-              <a:solidFill>
-                <a:srgbClr val="FF0000"/>
-              </a:solidFill>
-            </a:endParaRPr>
-          </a:p>
-          <a:p>
-            <a:endParaRPr lang="en-US" altLang="zh-CN" dirty="0" smtClean="0"/>
-          </a:p>
-          <a:p>
-            <a:r>
-              <a:rPr lang="en-US" altLang="zh-CN" dirty="0" smtClean="0"/>
-              <a:t> </a:t>
-            </a:r>
-            <a:r>
-              <a:rPr lang="en-US" altLang="zh-CN" dirty="0" smtClean="0"/>
-              <a:t>     </a:t>
-            </a:r>
-            <a:r>
-              <a:rPr lang="en-US" altLang="zh-CN" dirty="0" smtClean="0">
-                <a:solidFill>
-                  <a:srgbClr val="FF0000"/>
-                </a:solidFill>
-              </a:rPr>
-              <a:t>//</a:t>
-            </a:r>
-            <a:r>
-              <a:rPr lang="zh-CN" altLang="en-US" dirty="0" smtClean="0">
-                <a:solidFill>
-                  <a:srgbClr val="FF0000"/>
-                </a:solidFill>
-              </a:rPr>
-              <a:t>第</a:t>
-            </a:r>
-            <a:r>
-              <a:rPr lang="en-US" altLang="zh-CN" dirty="0" smtClean="0">
-                <a:solidFill>
-                  <a:srgbClr val="FF0000"/>
-                </a:solidFill>
-              </a:rPr>
-              <a:t>1</a:t>
-            </a:r>
-            <a:r>
-              <a:rPr lang="zh-CN" altLang="en-US" dirty="0" smtClean="0">
-                <a:solidFill>
-                  <a:srgbClr val="FF0000"/>
-                </a:solidFill>
-              </a:rPr>
-              <a:t>个事务命令</a:t>
-            </a:r>
-            <a:endParaRPr lang="zh-CN" altLang="en-US" dirty="0" smtClean="0">
-              <a:solidFill>
-                <a:srgbClr val="FF0000"/>
-              </a:solidFill>
-            </a:endParaRPr>
-          </a:p>
-          <a:p>
-            <a:r>
-              <a:rPr lang="en-US" dirty="0" smtClean="0"/>
-              <a:t> </a:t>
-            </a:r>
-            <a:r>
-              <a:rPr lang="en-US" dirty="0" smtClean="0"/>
-              <a:t>     </a:t>
-            </a:r>
-            <a:r>
-              <a:rPr lang="en-US" dirty="0" err="1" smtClean="0"/>
-              <a:t>TransactionCommand</a:t>
-            </a:r>
-            <a:r>
-              <a:rPr lang="en-US" dirty="0" smtClean="0"/>
-              <a:t> </a:t>
-            </a:r>
-            <a:r>
-              <a:rPr lang="en-US" dirty="0" smtClean="0"/>
-              <a:t>command0=</a:t>
+              <a:t>AppUser</a:t>
+            </a:r>
+            <a:r>
+              <a:rPr lang="en-US" dirty="0" smtClean="0"/>
+              <a:t> au = </a:t>
             </a:r>
             <a:r>
               <a:rPr lang="en-US" b="1" dirty="0" smtClean="0"/>
@@ -5671,165 +5323,182 @@
             </a:r>
             <a:r>
               <a:rPr lang="en-US" dirty="0" err="1" smtClean="0"/>
-              <a:t>TransactionCommand</a:t>
-            </a:r>
-            <a:r>
-              <a:rPr lang="en-US" dirty="0" smtClean="0"/>
-              <a:t>() {</a:t>
+              <a:t>AppUser</a:t>
+            </a:r>
+            <a:r>
+              <a:rPr lang="en-US" dirty="0" smtClean="0"/>
+              <a:t>();</a:t>
             </a:r>
             <a:endParaRPr lang="zh-CN" altLang="en-US" dirty="0" smtClean="0"/>
           </a:p>
           <a:p>
             <a:r>
               <a:rPr lang="en-US" dirty="0" smtClean="0"/>
-              <a:t>			@Override</a:t>
+              <a:t>       </a:t>
             </a:r>
             <a:endParaRPr lang="zh-CN" altLang="en-US" dirty="0" smtClean="0"/>
           </a:p>
           <a:p>
             <a:r>
               <a:rPr lang="en-US" dirty="0" smtClean="0"/>
-              <a:t>			</a:t>
+              <a:t>       </a:t>
+            </a:r>
+            <a:r>
+              <a:rPr lang="en-US" dirty="0" err="1" smtClean="0"/>
+              <a:t>au.setTitle</a:t>
+            </a:r>
+            <a:r>
+              <a:rPr lang="en-US" dirty="0" smtClean="0"/>
+              <a:t>(</a:t>
+            </a:r>
+            <a:r>
+              <a:rPr lang="en-US" dirty="0" err="1" smtClean="0"/>
+              <a:t>Short.</a:t>
+            </a:r>
+            <a:r>
+              <a:rPr lang="en-US" i="1" dirty="0" err="1" smtClean="0"/>
+              <a:t>valueOf</a:t>
+            </a:r>
+            <a:r>
+              <a:rPr lang="en-US" dirty="0" smtClean="0"/>
+              <a:t>((</a:t>
             </a:r>
             <a:r>
               <a:rPr lang="en-US" b="1" dirty="0" smtClean="0"/>
-              <a:t>public</a:t>
-            </a:r>
-            <a:r>
-              <a:rPr lang="en-US" dirty="0" smtClean="0"/>
-              <a:t> </a:t>
+              <a:t>short</a:t>
+            </a:r>
+            <a:r>
+              <a:rPr lang="en-US" dirty="0" smtClean="0"/>
+              <a:t>) 1));</a:t>
+            </a:r>
+            <a:endParaRPr lang="zh-CN" altLang="en-US" dirty="0" smtClean="0"/>
+          </a:p>
+          <a:p>
+            <a:r>
+              <a:rPr lang="en-US" dirty="0" smtClean="0"/>
+              <a:t>       </a:t>
             </a:r>
             <a:r>
               <a:rPr lang="en-US" dirty="0" err="1" smtClean="0"/>
-              <a:t>HttpServiceCommit</a:t>
-            </a:r>
-            <a:r>
-              <a:rPr lang="en-US" dirty="0" smtClean="0"/>
-              <a:t> </a:t>
-            </a:r>
-            <a:r>
-              <a:rPr lang="en-US" b="1" dirty="0" smtClean="0"/>
-              <a:t>execute</a:t>
-            </a:r>
-            <a:r>
-              <a:rPr lang="en-US" dirty="0" smtClean="0"/>
-              <a:t>() {</a:t>
+              <a:t>au.setUsername</a:t>
+            </a:r>
+            <a:r>
+              <a:rPr lang="en-US" dirty="0" smtClean="0"/>
+              <a:t>("user" );</a:t>
             </a:r>
             <a:endParaRPr lang="zh-CN" altLang="en-US" dirty="0" smtClean="0"/>
           </a:p>
           <a:p>
             <a:r>
               <a:rPr lang="en-US" dirty="0" smtClean="0"/>
-              <a:t>				</a:t>
+              <a:t>       </a:t>
             </a:r>
             <a:r>
               <a:rPr lang="en-US" dirty="0" err="1" smtClean="0"/>
-              <a:t>appUserService.save</a:t>
-            </a:r>
-            <a:r>
-              <a:rPr lang="en-US" dirty="0" smtClean="0"/>
-              <a:t>(au);</a:t>
+              <a:t>au.setPassword</a:t>
+            </a:r>
+            <a:r>
+              <a:rPr lang="en-US" dirty="0" smtClean="0"/>
+              <a:t>("1");</a:t>
             </a:r>
             <a:endParaRPr lang="zh-CN" altLang="en-US" dirty="0" smtClean="0"/>
           </a:p>
           <a:p>
             <a:r>
               <a:rPr lang="en-US" dirty="0" smtClean="0"/>
-              <a:t>				</a:t>
-            </a:r>
-            <a:r>
-              <a:rPr lang="en-US" b="1" dirty="0" smtClean="0"/>
-              <a:t>return</a:t>
-            </a:r>
-            <a:r>
-              <a:rPr lang="en-US" dirty="0" smtClean="0"/>
-              <a:t> </a:t>
-            </a:r>
-            <a:r>
-              <a:rPr lang="en-US" b="1" dirty="0" smtClean="0"/>
-              <a:t>null</a:t>
-            </a:r>
-            <a:r>
-              <a:rPr lang="en-US" dirty="0" smtClean="0"/>
-              <a:t>;</a:t>
+              <a:t>       </a:t>
+            </a:r>
+            <a:r>
+              <a:rPr lang="en-US" dirty="0" err="1" smtClean="0"/>
+              <a:t>au.setFullname</a:t>
+            </a:r>
+            <a:r>
+              <a:rPr lang="en-US" dirty="0" smtClean="0"/>
+              <a:t>("</a:t>
+            </a:r>
+            <a:r>
+              <a:rPr lang="zh-CN" altLang="en-US" dirty="0" smtClean="0"/>
+              <a:t>李海</a:t>
+            </a:r>
+            <a:r>
+              <a:rPr lang="en-US" dirty="0" smtClean="0"/>
+              <a:t>" );</a:t>
             </a:r>
             <a:endParaRPr lang="zh-CN" altLang="en-US" dirty="0" smtClean="0"/>
           </a:p>
           <a:p>
             <a:r>
               <a:rPr lang="en-US" dirty="0" smtClean="0"/>
-              <a:t>			}</a:t>
+              <a:t>       </a:t>
+            </a:r>
+            <a:r>
+              <a:rPr lang="en-US" dirty="0" err="1" smtClean="0"/>
+              <a:t>au.setAddress</a:t>
+            </a:r>
+            <a:r>
+              <a:rPr lang="en-US" dirty="0" smtClean="0"/>
+              <a:t>("</a:t>
+            </a:r>
+            <a:r>
+              <a:rPr lang="en-US" dirty="0" err="1" smtClean="0"/>
+              <a:t>testAddress</a:t>
+            </a:r>
+            <a:r>
+              <a:rPr lang="en-US" dirty="0" smtClean="0"/>
+              <a:t>");</a:t>
             </a:r>
             <a:endParaRPr lang="zh-CN" altLang="en-US" dirty="0" smtClean="0"/>
           </a:p>
           <a:p>
             <a:r>
               <a:rPr lang="en-US" dirty="0" smtClean="0"/>
-              <a:t>       };</a:t>
-            </a:r>
-          </a:p>
-          <a:p>
-            <a:r>
-              <a:rPr lang="en-US" altLang="zh-CN" dirty="0" smtClean="0"/>
-              <a:t>      </a:t>
-            </a:r>
-            <a:r>
-              <a:rPr lang="en-US" altLang="zh-CN" dirty="0" smtClean="0">
-                <a:solidFill>
-                  <a:srgbClr val="FF0000"/>
-                </a:solidFill>
-              </a:rPr>
-              <a:t>//</a:t>
-            </a:r>
-            <a:r>
-              <a:rPr lang="zh-CN" altLang="en-US" dirty="0" smtClean="0">
-                <a:solidFill>
-                  <a:srgbClr val="FF0000"/>
-                </a:solidFill>
-              </a:rPr>
-              <a:t>第</a:t>
-            </a:r>
-            <a:r>
-              <a:rPr lang="en-US" altLang="zh-CN" dirty="0" smtClean="0">
-                <a:solidFill>
-                  <a:srgbClr val="FF0000"/>
-                </a:solidFill>
-              </a:rPr>
-              <a:t>2</a:t>
-            </a:r>
-            <a:r>
-              <a:rPr lang="zh-CN" altLang="en-US" dirty="0" smtClean="0">
-                <a:solidFill>
-                  <a:srgbClr val="FF0000"/>
-                </a:solidFill>
-              </a:rPr>
-              <a:t>个</a:t>
-            </a:r>
-            <a:r>
-              <a:rPr lang="zh-CN" altLang="en-US" dirty="0" smtClean="0">
-                <a:solidFill>
-                  <a:srgbClr val="FF0000"/>
-                </a:solidFill>
-              </a:rPr>
-              <a:t>事务命令</a:t>
-            </a:r>
-          </a:p>
-          <a:p>
-            <a:r>
-              <a:rPr lang="en-US" dirty="0" smtClean="0"/>
-              <a:t>      </a:t>
+              <a:t>       </a:t>
             </a:r>
             <a:r>
               <a:rPr lang="en-US" dirty="0" err="1" smtClean="0"/>
-              <a:t>TransactionCommand</a:t>
-            </a:r>
-            <a:r>
-              <a:rPr lang="en-US" dirty="0" smtClean="0"/>
-              <a:t> </a:t>
-            </a:r>
-            <a:r>
-              <a:rPr lang="en-US" dirty="0" smtClean="0"/>
-              <a:t>command1=</a:t>
+              <a:t>au.setEducation</a:t>
+            </a:r>
+            <a:r>
+              <a:rPr lang="en-US" dirty="0" smtClean="0"/>
+              <a:t>("test");</a:t>
+            </a:r>
+            <a:endParaRPr lang="zh-CN" altLang="en-US" dirty="0" smtClean="0"/>
+          </a:p>
+          <a:p>
+            <a:r>
+              <a:rPr lang="en-US" dirty="0" smtClean="0"/>
+              <a:t>       </a:t>
+            </a:r>
+            <a:r>
+              <a:rPr lang="en-US" dirty="0" err="1" smtClean="0"/>
+              <a:t>au.setEmail</a:t>
+            </a:r>
+            <a:r>
+              <a:rPr lang="en-US" dirty="0" smtClean="0"/>
+              <a:t>("user"  + "@</a:t>
+            </a:r>
+            <a:r>
+              <a:rPr lang="en-US" dirty="0" err="1" smtClean="0"/>
+              <a:t>xpsoft.com</a:t>
+            </a:r>
+            <a:r>
+              <a:rPr lang="en-US" dirty="0" smtClean="0"/>
+              <a:t>");</a:t>
+            </a:r>
+            <a:endParaRPr lang="zh-CN" altLang="en-US" dirty="0" smtClean="0"/>
+          </a:p>
+          <a:p>
+            <a:r>
+              <a:rPr lang="en-US" dirty="0" smtClean="0"/>
+              <a:t>       </a:t>
+            </a:r>
+            <a:r>
+              <a:rPr lang="en-US" dirty="0" err="1" smtClean="0"/>
+              <a:t>au.setAccessionTime</a:t>
+            </a:r>
+            <a:r>
+              <a:rPr lang="en-US" dirty="0" smtClean="0"/>
+              <a:t>(</a:t>
             </a:r>
             <a:r>
               <a:rPr lang="en-US" b="1" dirty="0" smtClean="0"/>
@@ -5837,115 +5506,138 @@
             </a:r>
             <a:r>
               <a:rPr lang="en-US" dirty="0" smtClean="0"/>
-              <a:t> </a:t>
+              <a:t> Date());</a:t>
+            </a:r>
+            <a:endParaRPr lang="zh-CN" altLang="en-US" dirty="0" smtClean="0"/>
+          </a:p>
+          <a:p>
+            <a:r>
+              <a:rPr lang="en-US" dirty="0" smtClean="0"/>
+              <a:t>       </a:t>
             </a:r>
             <a:r>
               <a:rPr lang="en-US" dirty="0" err="1" smtClean="0"/>
-              <a:t>TransactionCommand</a:t>
-            </a:r>
-            <a:r>
-              <a:rPr lang="en-US" dirty="0" smtClean="0"/>
-              <a:t>() {</a:t>
+              <a:t>au.setPhoto</a:t>
+            </a:r>
+            <a:r>
+              <a:rPr lang="en-US" dirty="0" smtClean="0"/>
+              <a:t>("photo");</a:t>
             </a:r>
             <a:endParaRPr lang="zh-CN" altLang="en-US" dirty="0" smtClean="0"/>
           </a:p>
           <a:p>
             <a:r>
               <a:rPr lang="en-US" dirty="0" smtClean="0"/>
-              <a:t>			@Override</a:t>
+              <a:t>       </a:t>
+            </a:r>
+            <a:r>
+              <a:rPr lang="en-US" dirty="0" err="1" smtClean="0"/>
+              <a:t>au.setZip</a:t>
+            </a:r>
+            <a:r>
+              <a:rPr lang="en-US" dirty="0" smtClean="0"/>
+              <a:t>("00003");</a:t>
             </a:r>
             <a:endParaRPr lang="zh-CN" altLang="en-US" dirty="0" smtClean="0"/>
           </a:p>
           <a:p>
             <a:r>
               <a:rPr lang="en-US" dirty="0" smtClean="0"/>
-              <a:t>			</a:t>
+              <a:t>       </a:t>
+            </a:r>
+            <a:r>
+              <a:rPr lang="en-US" dirty="0" err="1" smtClean="0"/>
+              <a:t>au.setStatus</a:t>
+            </a:r>
+            <a:r>
+              <a:rPr lang="en-US" dirty="0" smtClean="0"/>
+              <a:t>(</a:t>
+            </a:r>
+            <a:r>
+              <a:rPr lang="en-US" dirty="0" err="1" smtClean="0"/>
+              <a:t>Short.</a:t>
+            </a:r>
+            <a:r>
+              <a:rPr lang="en-US" i="1" dirty="0" err="1" smtClean="0"/>
+              <a:t>valueOf</a:t>
+            </a:r>
+            <a:r>
+              <a:rPr lang="en-US" dirty="0" smtClean="0"/>
+              <a:t>((</a:t>
             </a:r>
             <a:r>
               <a:rPr lang="en-US" b="1" dirty="0" smtClean="0"/>
-              <a:t>public</a:t>
-            </a:r>
-            <a:r>
-              <a:rPr lang="en-US" dirty="0" smtClean="0"/>
-              <a:t> </a:t>
+              <a:t>short</a:t>
+            </a:r>
+            <a:r>
+              <a:rPr lang="en-US" dirty="0" smtClean="0"/>
+              <a:t>) 1));</a:t>
+            </a:r>
+            <a:endParaRPr lang="zh-CN" altLang="en-US" dirty="0" smtClean="0"/>
+          </a:p>
+          <a:p>
+            <a:r>
+              <a:rPr lang="en-US" dirty="0" smtClean="0"/>
+              <a:t>       </a:t>
             </a:r>
             <a:r>
               <a:rPr lang="en-US" dirty="0" err="1" smtClean="0"/>
-              <a:t>HttpServiceCommit</a:t>
-            </a:r>
-            <a:r>
-              <a:rPr lang="en-US" dirty="0" smtClean="0"/>
-              <a:t> </a:t>
-            </a:r>
-            <a:r>
-              <a:rPr lang="en-US" b="1" dirty="0" smtClean="0"/>
-              <a:t>execute</a:t>
-            </a:r>
-            <a:r>
-              <a:rPr lang="en-US" dirty="0" smtClean="0"/>
-              <a:t>() {</a:t>
+              <a:t>au.setFax</a:t>
+            </a:r>
+            <a:r>
+              <a:rPr lang="en-US" dirty="0" smtClean="0"/>
+              <a:t>("020-003034034");</a:t>
             </a:r>
             <a:endParaRPr lang="zh-CN" altLang="en-US" dirty="0" smtClean="0"/>
           </a:p>
           <a:p>
             <a:r>
               <a:rPr lang="en-US" dirty="0" smtClean="0"/>
-              <a:t>				</a:t>
-            </a:r>
-            <a:r>
-              <a:rPr lang="en-US" b="1" dirty="0" smtClean="0"/>
-              <a:t>return</a:t>
-            </a:r>
-            <a:r>
-              <a:rPr lang="en-US" dirty="0" smtClean="0"/>
-              <a:t> </a:t>
-            </a:r>
-            <a:r>
-              <a:rPr lang="en-US" dirty="0" smtClean="0"/>
-              <a:t>		</a:t>
+              <a:t>       </a:t>
             </a:r>
             <a:r>
               <a:rPr lang="en-US" dirty="0" err="1" smtClean="0"/>
-              <a:t>appUserService.prepareSaveOrUpdate</a:t>
-            </a:r>
-            <a:r>
-              <a:rPr lang="en-US" dirty="0" smtClean="0"/>
-              <a:t>(host</a:t>
-            </a:r>
-            <a:r>
-              <a:rPr lang="en-US" dirty="0" smtClean="0"/>
-              <a:t>, </a:t>
+              <a:t>au.setPosition</a:t>
+            </a:r>
+            <a:r>
+              <a:rPr lang="en-US" dirty="0" smtClean="0"/>
+              <a:t>("</a:t>
             </a:r>
             <a:r>
               <a:rPr lang="en-US" dirty="0" err="1" smtClean="0"/>
-              <a:t>packagez</a:t>
-            </a:r>
-            <a:r>
-              <a:rPr lang="en-US" dirty="0" smtClean="0"/>
-              <a:t>, action, au);</a:t>
+              <a:t>UserManager</a:t>
+            </a:r>
+            <a:r>
+              <a:rPr lang="en-US" dirty="0" smtClean="0"/>
+              <a:t>");</a:t>
             </a:r>
             <a:endParaRPr lang="zh-CN" altLang="en-US" dirty="0" smtClean="0"/>
           </a:p>
           <a:p>
             <a:r>
               <a:rPr lang="en-US" dirty="0" smtClean="0"/>
-              <a:t>			}</a:t>
+              <a:t>       </a:t>
+            </a:r>
+            <a:r>
+              <a:rPr lang="en-US" dirty="0" err="1" smtClean="0"/>
+              <a:t>au.setDelFlag</a:t>
+            </a:r>
+            <a:r>
+              <a:rPr lang="en-US" dirty="0" smtClean="0"/>
+              <a:t>(</a:t>
+            </a:r>
+            <a:r>
+              <a:rPr lang="en-US" dirty="0" err="1" smtClean="0"/>
+              <a:t>Constants.FLAG_UNDELETED</a:t>
+            </a:r>
+            <a:r>
+              <a:rPr lang="en-US" dirty="0" smtClean="0"/>
+              <a:t>);</a:t>
             </a:r>
             <a:endParaRPr lang="zh-CN" altLang="en-US" dirty="0" smtClean="0"/>
           </a:p>
           <a:p>
-            <a:r>
-              <a:rPr lang="en-US" dirty="0" smtClean="0"/>
-              <a:t>       };       </a:t>
-            </a:r>
-            <a:endParaRPr lang="zh-CN" altLang="en-US" dirty="0" smtClean="0"/>
-          </a:p>
-          <a:p>
-            <a:r>
-              <a:rPr lang="en-US" dirty="0" smtClean="0"/>
-              <a:t>       </a:t>
-            </a:r>
-            <a:endParaRPr lang="zh-CN" altLang="en-US" dirty="0" smtClean="0"/>
+            <a:endParaRPr lang="zh-CN" altLang="en-US" dirty="0"/>
           </a:p>
         </p:txBody>
       </p:sp>
@@ -5983,14 +5675,14 @@
       </p:grpSpPr>
       <p:sp>
         <p:nvSpPr>
-          <p:cNvPr id="11" name="矩形 10"/>
+          <p:cNvPr id="34" name="矩形 33"/>
           <p:cNvSpPr/>
           <p:nvPr/>
         </p:nvSpPr>
         <p:spPr bwMode="auto">
           <a:xfrm>
-            <a:off x="214282" y="214290"/>
-            <a:ext cx="8786874" cy="6500858"/>
+            <a:off x="285688" y="142852"/>
+            <a:ext cx="8572592" cy="6500858"/>
           </a:xfrm>
           <a:prstGeom prst="rect">
             <a:avLst/>
@@ -6033,7 +5725,7 @@
               <a:buNone/>
               <a:tabLst/>
             </a:pPr>
-            <a:endParaRPr kumimoji="0" lang="zh-CN" altLang="en-US" sz="1800" b="0" i="0" u="none" strike="noStrike" cap="none" normalizeH="0" baseline="0" smtClean="0">
+            <a:endParaRPr kumimoji="0" lang="zh-CN" altLang="en-US" sz="1800" b="0" i="0" u="none" strike="noStrike" cap="none" normalizeH="0" baseline="0" dirty="0" smtClean="0">
               <a:ln>
                 <a:noFill/>
               </a:ln>
@@ -6049,14 +5741,14 @@
       </p:sp>
       <p:sp>
         <p:nvSpPr>
-          <p:cNvPr id="12" name="TextBox 11"/>
+          <p:cNvPr id="35" name="TextBox 34"/>
           <p:cNvSpPr txBox="1"/>
           <p:nvPr/>
         </p:nvSpPr>
         <p:spPr>
           <a:xfrm>
-            <a:off x="285720" y="428604"/>
-            <a:ext cx="8572560" cy="6186309"/>
+            <a:off x="285720" y="285728"/>
+            <a:ext cx="8501122" cy="6186309"/>
           </a:xfrm>
           <a:prstGeom prst="rect">
             <a:avLst/>
@@ -6071,15 +5763,196 @@
           <a:p>
             <a:r>
               <a:rPr lang="en-US" dirty="0" smtClean="0"/>
+              <a:t> </a:t>
+            </a:r>
+            <a:endParaRPr lang="zh-CN" altLang="en-US" dirty="0" smtClean="0"/>
+          </a:p>
+          <a:p>
+            <a:r>
+              <a:rPr lang="en-US" dirty="0" smtClean="0"/>
+              <a:t>      </a:t>
+            </a:r>
+            <a:r>
+              <a:rPr lang="en-US" b="1" dirty="0" smtClean="0"/>
+              <a:t>final</a:t>
+            </a:r>
+            <a:r>
+              <a:rPr lang="en-US" dirty="0" smtClean="0"/>
+              <a:t>  String host=“</a:t>
+            </a:r>
+            <a:r>
+              <a:rPr lang="en-US" dirty="0" err="1" smtClean="0"/>
+              <a:t>ljt</a:t>
+            </a:r>
+            <a:r>
+              <a:rPr lang="en-US" dirty="0" smtClean="0"/>
+              <a:t>”;//</a:t>
+            </a:r>
+            <a:r>
+              <a:rPr lang="zh-CN" altLang="en-US" dirty="0" smtClean="0">
+                <a:solidFill>
+                  <a:srgbClr val="FF0000"/>
+                </a:solidFill>
+              </a:rPr>
+              <a:t>应用名</a:t>
+            </a:r>
+          </a:p>
+          <a:p>
+            <a:r>
+              <a:rPr lang="en-US" dirty="0" smtClean="0"/>
+              <a:t>      </a:t>
+            </a:r>
+            <a:r>
+              <a:rPr lang="en-US" b="1" dirty="0" smtClean="0"/>
+              <a:t>final</a:t>
+            </a:r>
+            <a:r>
+              <a:rPr lang="en-US" dirty="0" smtClean="0"/>
+              <a:t>   String </a:t>
+            </a:r>
+            <a:r>
+              <a:rPr lang="en-US" dirty="0" err="1" smtClean="0"/>
+              <a:t>packagez</a:t>
+            </a:r>
+            <a:r>
+              <a:rPr lang="en-US" dirty="0" smtClean="0"/>
+              <a:t>=“system”;//</a:t>
+            </a:r>
+            <a:r>
+              <a:rPr lang="zh-CN" altLang="en-US" dirty="0" smtClean="0">
+                <a:solidFill>
+                  <a:srgbClr val="FF0000"/>
+                </a:solidFill>
+              </a:rPr>
+              <a:t>模块包名</a:t>
+            </a:r>
+          </a:p>
+          <a:p>
+            <a:r>
+              <a:rPr lang="en-US" dirty="0" smtClean="0"/>
+              <a:t>      </a:t>
+            </a:r>
+            <a:r>
+              <a:rPr lang="en-US" b="1" dirty="0" smtClean="0"/>
+              <a:t>final</a:t>
+            </a:r>
+            <a:r>
+              <a:rPr lang="en-US" dirty="0" smtClean="0"/>
+              <a:t>   String action=“</a:t>
+            </a:r>
+            <a:r>
+              <a:rPr lang="en-US" dirty="0" err="1" smtClean="0"/>
+              <a:t>appUser</a:t>
+            </a:r>
+            <a:r>
+              <a:rPr lang="en-US" dirty="0" smtClean="0"/>
+              <a:t>”;//</a:t>
+            </a:r>
+            <a:r>
+              <a:rPr lang="zh-CN" altLang="en-US" dirty="0" smtClean="0">
+                <a:solidFill>
+                  <a:srgbClr val="FF0000"/>
+                </a:solidFill>
+              </a:rPr>
+              <a:t>功能名</a:t>
+            </a:r>
+            <a:endParaRPr lang="en-US" altLang="zh-CN" dirty="0" smtClean="0">
+              <a:solidFill>
+                <a:srgbClr val="FF0000"/>
+              </a:solidFill>
+            </a:endParaRPr>
+          </a:p>
+          <a:p>
+            <a:endParaRPr lang="en-US" altLang="zh-CN" dirty="0" smtClean="0"/>
+          </a:p>
+          <a:p>
+            <a:r>
+              <a:rPr lang="en-US" altLang="zh-CN" dirty="0" smtClean="0"/>
+              <a:t>      </a:t>
+            </a:r>
+            <a:r>
+              <a:rPr lang="en-US" altLang="zh-CN" dirty="0" smtClean="0">
+                <a:solidFill>
+                  <a:srgbClr val="FF0000"/>
+                </a:solidFill>
+              </a:rPr>
               <a:t>//</a:t>
             </a:r>
             <a:r>
-              <a:rPr lang="zh-CN" altLang="en-US" dirty="0" smtClean="0"/>
-              <a:t>预处理两个事务命令</a:t>
-            </a:r>
-            <a:r>
-              <a:rPr lang="en-US" dirty="0" smtClean="0"/>
-              <a:t>	   </a:t>
+              <a:rPr lang="zh-CN" altLang="en-US" dirty="0" smtClean="0">
+                <a:solidFill>
+                  <a:srgbClr val="FF0000"/>
+                </a:solidFill>
+              </a:rPr>
+              <a:t>第</a:t>
+            </a:r>
+            <a:r>
+              <a:rPr lang="en-US" altLang="zh-CN" dirty="0" smtClean="0">
+                <a:solidFill>
+                  <a:srgbClr val="FF0000"/>
+                </a:solidFill>
+              </a:rPr>
+              <a:t>1</a:t>
+            </a:r>
+            <a:r>
+              <a:rPr lang="zh-CN" altLang="en-US" dirty="0" smtClean="0">
+                <a:solidFill>
+                  <a:srgbClr val="FF0000"/>
+                </a:solidFill>
+              </a:rPr>
+              <a:t>个事务命令</a:t>
+            </a:r>
+          </a:p>
+          <a:p>
+            <a:r>
+              <a:rPr lang="en-US" dirty="0" smtClean="0"/>
+              <a:t>      </a:t>
+            </a:r>
+            <a:r>
+              <a:rPr lang="en-US" dirty="0" err="1" smtClean="0"/>
+              <a:t>TransactionCommand</a:t>
+            </a:r>
+            <a:r>
+              <a:rPr lang="en-US" dirty="0" smtClean="0"/>
+              <a:t> command0=</a:t>
+            </a:r>
+            <a:r>
+              <a:rPr lang="en-US" b="1" dirty="0" smtClean="0"/>
+              <a:t>new</a:t>
+            </a:r>
+            <a:r>
+              <a:rPr lang="en-US" dirty="0" smtClean="0"/>
+              <a:t> </a:t>
+            </a:r>
+            <a:r>
+              <a:rPr lang="en-US" dirty="0" err="1" smtClean="0"/>
+              <a:t>TransactionCommand</a:t>
+            </a:r>
+            <a:r>
+              <a:rPr lang="en-US" dirty="0" smtClean="0"/>
+              <a:t>() {</a:t>
+            </a:r>
+            <a:endParaRPr lang="zh-CN" altLang="en-US" dirty="0" smtClean="0"/>
+          </a:p>
+          <a:p>
+            <a:r>
+              <a:rPr lang="en-US" dirty="0" smtClean="0"/>
+              <a:t>			@Override</a:t>
+            </a:r>
+            <a:endParaRPr lang="zh-CN" altLang="en-US" dirty="0" smtClean="0"/>
+          </a:p>
+          <a:p>
+            <a:r>
+              <a:rPr lang="en-US" dirty="0" smtClean="0"/>
+              <a:t>			</a:t>
+            </a:r>
+            <a:r>
+              <a:rPr lang="en-US" b="1" dirty="0" smtClean="0"/>
+              <a:t>public</a:t>
+            </a:r>
+            <a:r>
+              <a:rPr lang="en-US" dirty="0" smtClean="0"/>
+              <a:t> </a:t>
             </a:r>
             <a:r>
               <a:rPr lang="en-US" dirty="0" err="1" smtClean="0"/>
@@ -6087,38 +5960,157 @@
             </a:r>
             <a:r>
               <a:rPr lang="en-US" dirty="0" smtClean="0"/>
-              <a:t>[] commits= </a:t>
-            </a:r>
-            <a:r>
-              <a:rPr lang="en-US" dirty="0" smtClean="0"/>
+              <a:t> </a:t>
+            </a:r>
+            <a:r>
+              <a:rPr lang="en-US" b="1" dirty="0" smtClean="0"/>
+              <a:t>execute</a:t>
+            </a:r>
+            <a:r>
+              <a:rPr lang="en-US" dirty="0" smtClean="0"/>
+              <a:t>() {</a:t>
+            </a:r>
+            <a:endParaRPr lang="zh-CN" altLang="en-US" dirty="0" smtClean="0"/>
+          </a:p>
+          <a:p>
+            <a:r>
+              <a:rPr lang="en-US" dirty="0" smtClean="0"/>
+              <a:t>				</a:t>
+            </a:r>
+            <a:r>
+              <a:rPr lang="en-US" dirty="0" err="1" smtClean="0"/>
+              <a:t>appUserService.save</a:t>
+            </a:r>
+            <a:r>
+              <a:rPr lang="en-US" dirty="0" smtClean="0"/>
+              <a:t>(au);</a:t>
+            </a:r>
+            <a:endParaRPr lang="zh-CN" altLang="en-US" dirty="0" smtClean="0"/>
+          </a:p>
+          <a:p>
+            <a:r>
+              <a:rPr lang="en-US" dirty="0" smtClean="0"/>
+              <a:t>				</a:t>
+            </a:r>
+            <a:r>
+              <a:rPr lang="en-US" b="1" dirty="0" smtClean="0"/>
+              <a:t>return</a:t>
+            </a:r>
+            <a:r>
+              <a:rPr lang="en-US" dirty="0" smtClean="0"/>
+              <a:t> </a:t>
+            </a:r>
+            <a:r>
+              <a:rPr lang="en-US" b="1" dirty="0" smtClean="0"/>
+              <a:t>null</a:t>
+            </a:r>
+            <a:r>
+              <a:rPr lang="en-US" dirty="0" smtClean="0"/>
+              <a:t>;</a:t>
+            </a:r>
+            <a:endParaRPr lang="zh-CN" altLang="en-US" dirty="0" smtClean="0"/>
+          </a:p>
+          <a:p>
+            <a:r>
+              <a:rPr lang="en-US" dirty="0" smtClean="0"/>
+              <a:t>			}</a:t>
+            </a:r>
+            <a:endParaRPr lang="zh-CN" altLang="en-US" dirty="0" smtClean="0"/>
+          </a:p>
+          <a:p>
+            <a:r>
+              <a:rPr lang="en-US" dirty="0" smtClean="0"/>
+              <a:t>       };</a:t>
+            </a:r>
+          </a:p>
+          <a:p>
+            <a:r>
+              <a:rPr lang="en-US" altLang="zh-CN" dirty="0" smtClean="0"/>
+              <a:t>      </a:t>
+            </a:r>
+            <a:r>
+              <a:rPr lang="en-US" altLang="zh-CN" dirty="0" smtClean="0">
+                <a:solidFill>
+                  <a:srgbClr val="FF0000"/>
+                </a:solidFill>
+              </a:rPr>
               <a:t>//</a:t>
             </a:r>
             <a:r>
+              <a:rPr lang="zh-CN" altLang="en-US" dirty="0" smtClean="0">
+                <a:solidFill>
+                  <a:srgbClr val="FF0000"/>
+                </a:solidFill>
+              </a:rPr>
+              <a:t>第</a:t>
+            </a:r>
+            <a:r>
+              <a:rPr lang="en-US" altLang="zh-CN" dirty="0" smtClean="0">
+                <a:solidFill>
+                  <a:srgbClr val="FF0000"/>
+                </a:solidFill>
+              </a:rPr>
+              <a:t>2</a:t>
+            </a:r>
+            <a:r>
+              <a:rPr lang="zh-CN" altLang="en-US" dirty="0" smtClean="0">
+                <a:solidFill>
+                  <a:srgbClr val="FF0000"/>
+                </a:solidFill>
+              </a:rPr>
+              <a:t>个事务命令</a:t>
+            </a:r>
+          </a:p>
+          <a:p>
+            <a:r>
+              <a:rPr lang="en-US" dirty="0" smtClean="0"/>
+              <a:t>      </a:t>
+            </a:r>
+            <a:r>
               <a:rPr lang="en-US" dirty="0" err="1" smtClean="0"/>
-              <a:t>appUserService.prepareTransaction</a:t>
-            </a:r>
-            <a:r>
-              <a:rPr lang="en-US" dirty="0" smtClean="0"/>
-              <a:t>(command0,command1</a:t>
-            </a:r>
-            <a:r>
-              <a:rPr lang="en-US" dirty="0" smtClean="0"/>
-              <a:t>);</a:t>
+              <a:t>TransactionCommand</a:t>
+            </a:r>
+            <a:r>
+              <a:rPr lang="en-US" dirty="0" smtClean="0"/>
+              <a:t> command1=</a:t>
+            </a:r>
+            <a:r>
+              <a:rPr lang="en-US" b="1" dirty="0" smtClean="0"/>
+              <a:t>new</a:t>
+            </a:r>
+            <a:r>
+              <a:rPr lang="en-US" dirty="0" smtClean="0"/>
+              <a:t> </a:t>
+            </a:r>
+            <a:r>
+              <a:rPr lang="en-US" dirty="0" err="1" smtClean="0"/>
+              <a:t>TransactionCommand</a:t>
+            </a:r>
+            <a:r>
+              <a:rPr lang="en-US" dirty="0" smtClean="0"/>
+              <a:t>() {</a:t>
             </a:r>
             <a:endParaRPr lang="zh-CN" altLang="en-US" dirty="0" smtClean="0"/>
           </a:p>
           <a:p>
             <a:r>
               <a:rPr lang="en-US" dirty="0" smtClean="0"/>
-              <a:t>//</a:t>
-            </a:r>
-            <a:r>
-              <a:rPr lang="zh-CN" altLang="en-US" dirty="0" smtClean="0"/>
-              <a:t>快捷的单个事务保存</a:t>
-            </a:r>
-            <a:r>
-              <a:rPr lang="en-US" dirty="0" smtClean="0"/>
-              <a:t>	   </a:t>
+              <a:t>			@Override</a:t>
+            </a:r>
+            <a:endParaRPr lang="zh-CN" altLang="en-US" dirty="0" smtClean="0"/>
+          </a:p>
+          <a:p>
+            <a:r>
+              <a:rPr lang="en-US" dirty="0" smtClean="0"/>
+              <a:t>			</a:t>
+            </a:r>
+            <a:r>
+              <a:rPr lang="en-US" b="1" dirty="0" smtClean="0"/>
+              <a:t>public</a:t>
+            </a:r>
+            <a:r>
+              <a:rPr lang="en-US" dirty="0" smtClean="0"/>
+              <a:t> </a:t>
             </a:r>
             <a:r>
               <a:rPr lang="en-US" dirty="0" err="1" smtClean="0"/>
@@ -6126,310 +6118,34 @@
             </a:r>
             <a:r>
               <a:rPr lang="en-US" dirty="0" smtClean="0"/>
-              <a:t>[] commits= </a:t>
-            </a:r>
-            <a:r>
-              <a:rPr lang="en-US" dirty="0" smtClean="0"/>
-              <a:t>//</a:t>
+              <a:t> </a:t>
+            </a:r>
+            <a:r>
+              <a:rPr lang="en-US" b="1" dirty="0" smtClean="0"/>
+              <a:t>execute</a:t>
+            </a:r>
+            <a:r>
+              <a:rPr lang="en-US" dirty="0" smtClean="0"/>
+              <a:t>() {</a:t>
+            </a:r>
+            <a:endParaRPr lang="zh-CN" altLang="en-US" dirty="0" smtClean="0"/>
+          </a:p>
+          <a:p>
+            <a:r>
+              <a:rPr lang="en-US" dirty="0" smtClean="0"/>
+              <a:t>				</a:t>
+            </a:r>
+            <a:r>
+              <a:rPr lang="en-US" b="1" dirty="0" smtClean="0"/>
+              <a:t>return</a:t>
+            </a:r>
+            <a:r>
+              <a:rPr lang="en-US" dirty="0" smtClean="0"/>
+              <a:t> 		</a:t>
             </a:r>
             <a:r>
               <a:rPr lang="en-US" dirty="0" err="1" smtClean="0"/>
-              <a:t>appUserService.saveWithLocal</a:t>
-            </a:r>
-            <a:r>
-              <a:rPr lang="en-US" dirty="0" smtClean="0"/>
-              <a:t>(host</a:t>
-            </a:r>
-            <a:r>
-              <a:rPr lang="en-US" dirty="0" smtClean="0"/>
-              <a:t>, </a:t>
-            </a:r>
-            <a:r>
-              <a:rPr lang="en-US" u="sng" dirty="0" err="1" smtClean="0"/>
-              <a:t>packagez</a:t>
-            </a:r>
-            <a:r>
-              <a:rPr lang="en-US" dirty="0" smtClean="0"/>
-              <a:t>, action, </a:t>
-            </a:r>
-            <a:r>
-              <a:rPr lang="en-US" u="sng" dirty="0" smtClean="0"/>
-              <a:t>au</a:t>
-            </a:r>
-            <a:r>
-              <a:rPr lang="en-US" dirty="0" smtClean="0"/>
-              <a:t>);</a:t>
-            </a:r>
-            <a:endParaRPr lang="zh-CN" altLang="en-US" dirty="0" smtClean="0"/>
-          </a:p>
-          <a:p>
-            <a:r>
-              <a:rPr lang="en-US" dirty="0" smtClean="0"/>
-              <a:t> </a:t>
-            </a:r>
-            <a:r>
-              <a:rPr lang="en-US" dirty="0" smtClean="0"/>
-              <a:t>//</a:t>
-            </a:r>
-            <a:r>
-              <a:rPr lang="zh-CN" altLang="en-US" dirty="0" smtClean="0"/>
-              <a:t>事务提交</a:t>
-            </a:r>
-            <a:r>
-              <a:rPr lang="en-US" altLang="zh-CN" dirty="0" smtClean="0"/>
-              <a:t>[</a:t>
-            </a:r>
-            <a:r>
-              <a:rPr lang="en-US" dirty="0" err="1" smtClean="0"/>
-              <a:t>SimpleCallBack</a:t>
-            </a:r>
-            <a:r>
-              <a:rPr lang="zh-CN" altLang="en-US" dirty="0" smtClean="0"/>
-              <a:t>是一个简单的事务失败处理方式</a:t>
-            </a:r>
-            <a:r>
-              <a:rPr lang="en-US" altLang="zh-CN" dirty="0" smtClean="0"/>
-              <a:t>]</a:t>
-            </a:r>
-            <a:r>
-              <a:rPr lang="en-US" dirty="0" smtClean="0"/>
-              <a:t>		 </a:t>
-            </a:r>
-            <a:r>
-              <a:rPr lang="en-US" dirty="0" err="1" smtClean="0"/>
-              <a:t>boolean</a:t>
-            </a:r>
-            <a:r>
-              <a:rPr lang="en-US" dirty="0" smtClean="0"/>
-              <a:t> </a:t>
-            </a:r>
-            <a:r>
-              <a:rPr lang="en-US" dirty="0" smtClean="0"/>
-              <a:t>//</a:t>
-            </a:r>
-            <a:r>
-              <a:rPr lang="en-US" dirty="0" err="1" smtClean="0"/>
-              <a:t>retBoo</a:t>
-            </a:r>
-            <a:r>
-              <a:rPr lang="en-US" dirty="0" smtClean="0"/>
-              <a:t>=</a:t>
-            </a:r>
-            <a:r>
-              <a:rPr lang="en-US" dirty="0" err="1" smtClean="0"/>
-              <a:t>appUserService.saveReCall</a:t>
-            </a:r>
-            <a:r>
-              <a:rPr lang="en-US" dirty="0" smtClean="0"/>
-              <a:t>(</a:t>
-            </a:r>
-            <a:r>
-              <a:rPr lang="en-US" dirty="0" err="1" smtClean="0"/>
-              <a:t>commits,new</a:t>
-            </a:r>
-            <a:r>
-              <a:rPr lang="en-US" dirty="0" smtClean="0"/>
-              <a:t> </a:t>
-            </a:r>
-            <a:r>
-              <a:rPr lang="en-US" dirty="0" err="1" smtClean="0"/>
-              <a:t>SimpleCallBack</a:t>
-            </a:r>
-            <a:r>
-              <a:rPr lang="en-US" dirty="0" smtClean="0"/>
-              <a:t>());</a:t>
-            </a:r>
-            <a:endParaRPr lang="zh-CN" altLang="en-US" dirty="0" smtClean="0"/>
-          </a:p>
-          <a:p>
-            <a:endParaRPr lang="en-US" dirty="0" smtClean="0"/>
-          </a:p>
-          <a:p>
-            <a:r>
-              <a:rPr lang="en-US" altLang="zh-CN" dirty="0" smtClean="0"/>
-              <a:t>//</a:t>
-            </a:r>
-            <a:r>
-              <a:rPr lang="zh-CN" altLang="en-US" dirty="0" smtClean="0"/>
-              <a:t>对多个命令进行统一处理（包括预处理</a:t>
-            </a:r>
-            <a:r>
-              <a:rPr lang="en-US" altLang="zh-CN" dirty="0" smtClean="0"/>
-              <a:t>[</a:t>
-            </a:r>
-            <a:r>
-              <a:rPr lang="zh-CN" altLang="en-US" dirty="0" smtClean="0"/>
-              <a:t>失败会抛出异常</a:t>
-            </a:r>
-            <a:r>
-              <a:rPr lang="en-US" altLang="zh-CN" dirty="0" smtClean="0"/>
-              <a:t>]</a:t>
-            </a:r>
-            <a:r>
-              <a:rPr lang="zh-CN" altLang="en-US" dirty="0" smtClean="0"/>
-              <a:t>和事务提交</a:t>
-            </a:r>
-            <a:r>
-              <a:rPr lang="en-US" altLang="zh-CN" dirty="0" smtClean="0"/>
-              <a:t>[</a:t>
-            </a:r>
-            <a:r>
-              <a:rPr lang="zh-CN" altLang="en-US" dirty="0" smtClean="0"/>
-              <a:t>返回</a:t>
-            </a:r>
-            <a:r>
-              <a:rPr lang="en-US" dirty="0" err="1" smtClean="0"/>
-              <a:t>retBoo</a:t>
-            </a:r>
-            <a:r>
-              <a:rPr lang="en-US" altLang="zh-CN" dirty="0" smtClean="0"/>
-              <a:t>]</a:t>
-            </a:r>
-            <a:r>
-              <a:rPr lang="zh-CN" altLang="en-US" dirty="0" smtClean="0"/>
-              <a:t>）</a:t>
-            </a:r>
-            <a:endParaRPr lang="zh-CN" altLang="en-US" dirty="0" smtClean="0"/>
-          </a:p>
-          <a:p>
-            <a:r>
-              <a:rPr lang="en-US" dirty="0" smtClean="0"/>
-              <a:t>	</a:t>
-            </a:r>
-            <a:r>
-              <a:rPr lang="en-US" b="1" dirty="0" err="1" smtClean="0"/>
-              <a:t>boolean</a:t>
-            </a:r>
-            <a:r>
-              <a:rPr lang="en-US" dirty="0" smtClean="0"/>
-              <a:t> </a:t>
-            </a:r>
-            <a:r>
-              <a:rPr lang="en-US" dirty="0" err="1" smtClean="0"/>
-              <a:t>retBoo</a:t>
-            </a:r>
-            <a:r>
-              <a:rPr lang="en-US" dirty="0" smtClean="0"/>
-              <a:t>=</a:t>
-            </a:r>
-            <a:r>
-              <a:rPr lang="en-US" dirty="0" err="1" smtClean="0"/>
-              <a:t>appUserService.callCommon</a:t>
-            </a:r>
-            <a:r>
-              <a:rPr lang="en-US" dirty="0" smtClean="0"/>
-              <a:t>(command0,command1);</a:t>
-            </a:r>
-            <a:endParaRPr lang="zh-CN" altLang="en-US" dirty="0" smtClean="0"/>
-          </a:p>
-          <a:p>
-            <a:r>
-              <a:rPr lang="en-US" dirty="0" smtClean="0"/>
-              <a:t>//		</a:t>
-            </a:r>
-            <a:r>
-              <a:rPr lang="en-US" dirty="0" err="1" smtClean="0"/>
-              <a:t>HttpServiceCommit</a:t>
-            </a:r>
-            <a:r>
-              <a:rPr lang="en-US" dirty="0" smtClean="0"/>
-              <a:t>[]</a:t>
-            </a:r>
-            <a:endParaRPr lang="zh-CN" altLang="en-US" dirty="0" smtClean="0"/>
-          </a:p>
-          <a:p>
-            <a:r>
-              <a:rPr lang="en-US" dirty="0" smtClean="0"/>
-              <a:t>	   </a:t>
-            </a:r>
-            <a:r>
-              <a:rPr lang="en-US" dirty="0" err="1" smtClean="0"/>
-              <a:t>System.out.println</a:t>
-            </a:r>
-            <a:r>
-              <a:rPr lang="en-US" dirty="0" smtClean="0"/>
-              <a:t>(</a:t>
-            </a:r>
-            <a:r>
-              <a:rPr lang="en-US" dirty="0" err="1" smtClean="0"/>
-              <a:t>retBoo</a:t>
-            </a:r>
-            <a:r>
-              <a:rPr lang="en-US" dirty="0" smtClean="0"/>
-              <a:t>);</a:t>
-            </a:r>
-            <a:endParaRPr lang="zh-CN" altLang="en-US" dirty="0" smtClean="0"/>
-          </a:p>
-          <a:p>
-            <a:r>
-              <a:rPr lang="en-US" dirty="0" smtClean="0"/>
-              <a:t>	   </a:t>
-            </a:r>
-            <a:r>
-              <a:rPr lang="en-US" dirty="0" err="1" smtClean="0"/>
-              <a:t>setJsonString</a:t>
-            </a:r>
-            <a:r>
-              <a:rPr lang="en-US" dirty="0" smtClean="0"/>
-              <a:t>(</a:t>
-            </a:r>
-            <a:r>
-              <a:rPr lang="en-US" dirty="0" err="1" smtClean="0"/>
-              <a:t>retBoo</a:t>
-            </a:r>
-            <a:r>
-              <a:rPr lang="en-US" dirty="0" smtClean="0"/>
-              <a:t>+"");</a:t>
-            </a:r>
-            <a:endParaRPr lang="zh-CN" altLang="en-US" dirty="0" smtClean="0"/>
-          </a:p>
-          <a:p>
-            <a:r>
-              <a:rPr lang="en-US" dirty="0" smtClean="0"/>
-              <a:t>//</a:t>
-            </a:r>
-            <a:r>
-              <a:rPr lang="zh-CN" altLang="en-US" dirty="0" smtClean="0"/>
-              <a:t>调用查询接口</a:t>
-            </a:r>
-            <a:r>
-              <a:rPr lang="en-US" dirty="0" smtClean="0"/>
-              <a:t>	   </a:t>
-            </a:r>
-            <a:endParaRPr lang="zh-CN" altLang="en-US" dirty="0" smtClean="0"/>
-          </a:p>
-          <a:p>
-            <a:r>
-              <a:rPr lang="en-US" dirty="0" smtClean="0"/>
-              <a:t>	   </a:t>
-            </a:r>
-            <a:r>
-              <a:rPr lang="en-US" dirty="0" err="1" smtClean="0"/>
-              <a:t>RetObj</a:t>
-            </a:r>
-            <a:r>
-              <a:rPr lang="en-US" dirty="0" smtClean="0"/>
-              <a:t>&lt;</a:t>
-            </a:r>
-            <a:r>
-              <a:rPr lang="en-US" dirty="0" err="1" smtClean="0"/>
-              <a:t>AppUser</a:t>
-            </a:r>
-            <a:r>
-              <a:rPr lang="en-US" dirty="0" smtClean="0"/>
-              <a:t>&gt; </a:t>
-            </a:r>
-            <a:r>
-              <a:rPr lang="en-US" dirty="0" err="1" smtClean="0"/>
-              <a:t>retAu</a:t>
-            </a:r>
-            <a:r>
-              <a:rPr lang="en-US" dirty="0" smtClean="0"/>
-              <a:t>=</a:t>
-            </a:r>
-            <a:r>
-              <a:rPr lang="en-US" dirty="0" err="1" smtClean="0"/>
-              <a:t>appUserService.query</a:t>
+              <a:t>appUserService.prepareSaveOrUpdate</a:t>
             </a:r>
             <a:r>
               <a:rPr lang="en-US" dirty="0" smtClean="0"/>
@@ -6441,118 +6157,30 @@
             </a:r>
             <a:r>
               <a:rPr lang="en-US" dirty="0" smtClean="0"/>
-              <a:t>, action, </a:t>
-            </a:r>
-            <a:r>
-              <a:rPr lang="en-US" b="1" dirty="0" smtClean="0"/>
-              <a:t>new</a:t>
-            </a:r>
-            <a:r>
-              <a:rPr lang="en-US" dirty="0" smtClean="0"/>
-              <a:t> </a:t>
-            </a:r>
-            <a:r>
-              <a:rPr lang="en-US" dirty="0" err="1" smtClean="0"/>
-              <a:t>BasicNameValuePair</a:t>
-            </a:r>
-            <a:r>
-              <a:rPr lang="en-US" dirty="0" smtClean="0"/>
-              <a:t>("</a:t>
-            </a:r>
-            <a:r>
-              <a:rPr lang="en-US" dirty="0" err="1" smtClean="0"/>
-              <a:t>Q_username_S_EQ","admin</a:t>
-            </a:r>
-            <a:r>
-              <a:rPr lang="en-US" dirty="0" smtClean="0"/>
-              <a:t>"));</a:t>
+              <a:t>, action, au);</a:t>
             </a:r>
             <a:endParaRPr lang="zh-CN" altLang="en-US" dirty="0" smtClean="0"/>
           </a:p>
           <a:p>
             <a:r>
               <a:rPr lang="en-US" dirty="0" smtClean="0"/>
-              <a:t>	   </a:t>
+              <a:t>			}</a:t>
             </a:r>
             <a:endParaRPr lang="zh-CN" altLang="en-US" dirty="0" smtClean="0"/>
           </a:p>
           <a:p>
             <a:r>
               <a:rPr lang="en-US" dirty="0" smtClean="0"/>
-              <a:t>	   </a:t>
-            </a:r>
-            <a:r>
-              <a:rPr lang="en-US" dirty="0" err="1" smtClean="0"/>
-              <a:t>System.out.println</a:t>
-            </a:r>
-            <a:r>
-              <a:rPr lang="en-US" dirty="0" smtClean="0"/>
-              <a:t>("</a:t>
-            </a:r>
-            <a:r>
-              <a:rPr lang="en-US" dirty="0" err="1" smtClean="0"/>
-              <a:t>userId</a:t>
-            </a:r>
-            <a:r>
-              <a:rPr lang="en-US" dirty="0" smtClean="0"/>
-              <a:t>======"+</a:t>
-            </a:r>
-            <a:r>
-              <a:rPr lang="en-US" dirty="0" err="1" smtClean="0"/>
-              <a:t>retAu.getObjs</a:t>
-            </a:r>
-            <a:r>
-              <a:rPr lang="en-US" dirty="0" smtClean="0"/>
-              <a:t>().get(0).</a:t>
-            </a:r>
-            <a:r>
-              <a:rPr lang="en-US" dirty="0" err="1" smtClean="0"/>
-              <a:t>getUserId</a:t>
-            </a:r>
-            <a:r>
-              <a:rPr lang="en-US" dirty="0" smtClean="0"/>
-              <a:t>());</a:t>
+              <a:t>       };       </a:t>
             </a:r>
             <a:endParaRPr lang="zh-CN" altLang="en-US" dirty="0" smtClean="0"/>
           </a:p>
           <a:p>
             <a:r>
               <a:rPr lang="en-US" dirty="0" smtClean="0"/>
-              <a:t>	   </a:t>
+              <a:t>       </a:t>
             </a:r>
             <a:endParaRPr lang="zh-CN" altLang="en-US" dirty="0" smtClean="0"/>
-          </a:p>
-          <a:p>
-            <a:r>
-              <a:rPr lang="en-US" dirty="0" smtClean="0"/>
-              <a:t>	   </a:t>
-            </a:r>
-            <a:r>
-              <a:rPr lang="en-US" b="1" dirty="0" smtClean="0"/>
-              <a:t>return</a:t>
-            </a:r>
-            <a:r>
-              <a:rPr lang="en-US" dirty="0" smtClean="0"/>
-              <a:t> SUCCESS;</a:t>
-            </a:r>
-            <a:endParaRPr lang="zh-CN" altLang="en-US" dirty="0" smtClean="0"/>
-          </a:p>
-          <a:p>
-            <a:r>
-              <a:rPr lang="en-US" dirty="0" smtClean="0"/>
-              <a:t>			   </a:t>
-            </a:r>
-            <a:endParaRPr lang="zh-CN" altLang="en-US" dirty="0" smtClean="0"/>
-          </a:p>
-          <a:p>
-            <a:r>
-              <a:rPr lang="en-US" dirty="0" smtClean="0"/>
-              <a:t>	}</a:t>
-            </a:r>
-            <a:endParaRPr lang="zh-CN" altLang="en-US" dirty="0" smtClean="0"/>
-          </a:p>
-          <a:p>
-            <a:endParaRPr lang="zh-CN" altLang="en-US" dirty="0"/>
           </a:p>
         </p:txBody>
       </p:sp>
@@ -6590,39 +6218,41 @@
       </p:grpSpPr>
       <p:sp>
         <p:nvSpPr>
-          <p:cNvPr id="4097" name="Rectangle 1"/>
-          <p:cNvSpPr>
-            <a:spLocks noChangeArrowheads="1"/>
-          </p:cNvSpPr>
+          <p:cNvPr id="11" name="矩形 10"/>
+          <p:cNvSpPr/>
           <p:nvPr/>
         </p:nvSpPr>
         <p:spPr bwMode="auto">
           <a:xfrm>
-            <a:off x="0" y="214290"/>
-            <a:ext cx="9144000" cy="400110"/>
+            <a:off x="214282" y="214290"/>
+            <a:ext cx="8786874" cy="6500858"/>
           </a:xfrm>
           <a:prstGeom prst="rect">
             <a:avLst/>
           </a:prstGeom>
-          <a:noFill/>
-          <a:ln w="9525">
-            <a:noFill/>
-            <a:miter lim="800000"/>
-            <a:headEnd/>
-            <a:tailEnd/>
+          <a:solidFill>
+            <a:schemeClr val="accent1"/>
+          </a:solidFill>
+          <a:ln w="25400" cap="flat" cmpd="sng" algn="ctr">
+            <a:solidFill>
+              <a:schemeClr val="tx1"/>
+            </a:solidFill>
+            <a:prstDash val="solid"/>
+            <a:round/>
+            <a:headEnd type="none" w="med" len="med"/>
+            <a:tailEnd type="none" w="med" len="med"/>
           </a:ln>
           <a:effectLst/>
         </p:spPr>
         <p:txBody>
-          <a:bodyPr vert="horz" wrap="square" lIns="91440" tIns="45720" rIns="91440" bIns="45720" numCol="1" anchor="ctr" anchorCtr="0" compatLnSpc="1">
+          <a:bodyPr vert="horz" wrap="none" lIns="91440" tIns="45720" rIns="91440" bIns="45720" numCol="1" rtlCol="0" anchor="ctr" anchorCtr="0" compatLnSpc="1">
             <a:prstTxWarp prst="textNoShape">
               <a:avLst/>
             </a:prstTxWarp>
-            <a:spAutoFit/>
           </a:bodyPr>
           <a:lstStyle/>
           <a:p>
-            <a:pPr marL="0" marR="0" lvl="0" indent="0" algn="l" defTabSz="914400" rtl="0" eaLnBrk="1" fontAlgn="base" latinLnBrk="0" hangingPunct="1">
+            <a:pPr marL="0" marR="0" indent="0" algn="ctr" defTabSz="914400" rtl="0" eaLnBrk="1" fontAlgn="base" latinLnBrk="0" hangingPunct="1">
               <a:lnSpc>
                 <a:spcPct val="100000"/>
               </a:lnSpc>
@@ -6638,48 +6268,501 @@
               <a:buNone/>
               <a:tabLst/>
             </a:pPr>
-            <a:r>
-              <a:rPr kumimoji="0" lang="zh-CN" sz="2000" b="0" i="0" u="none" strike="noStrike" cap="none" normalizeH="0" baseline="0" dirty="0" smtClean="0">
-                <a:ln>
-                  <a:noFill/>
-                </a:ln>
-                <a:solidFill>
-                  <a:srgbClr val="808080"/>
-                </a:solidFill>
-                <a:effectLst/>
-                <a:latin typeface="Calibri" pitchFamily="34" charset="0"/>
-                <a:ea typeface="宋体" pitchFamily="2" charset="-122"/>
-                <a:cs typeface="仿宋" pitchFamily="49" charset="-122"/>
-              </a:rPr>
-              <a:t>测试调用客户端的地址为</a:t>
-            </a:r>
-            <a:r>
-              <a:rPr kumimoji="0" lang="en-US" altLang="zh-CN" sz="2000" b="0" i="0" u="none" strike="noStrike" cap="none" normalizeH="0" baseline="0" dirty="0" smtClean="0">
-                <a:ln>
-                  <a:noFill/>
-                </a:ln>
-                <a:solidFill>
-                  <a:srgbClr val="808080"/>
-                </a:solidFill>
-                <a:effectLst/>
-                <a:latin typeface="Calibri" pitchFamily="34" charset="0"/>
-                <a:ea typeface="宋体" pitchFamily="2" charset="-122"/>
-                <a:cs typeface="仿宋" pitchFamily="49" charset="-122"/>
-              </a:rPr>
-              <a:t>http://localhost/ljt/system/callTestAppUser.do</a:t>
-            </a:r>
-            <a:endParaRPr kumimoji="0" lang="en-US" altLang="zh-CN" sz="2000" b="0" i="0" u="none" strike="noStrike" cap="none" normalizeH="0" baseline="0" dirty="0" smtClean="0">
+            <a:endParaRPr kumimoji="0" lang="zh-CN" altLang="en-US" sz="1800" b="0" i="0" u="none" strike="noStrike" cap="none" normalizeH="0" baseline="0" smtClean="0">
               <a:ln>
                 <a:noFill/>
               </a:ln>
               <a:solidFill>
-                <a:srgbClr val="808080"/>
+                <a:schemeClr val="tx1"/>
               </a:solidFill>
               <a:effectLst/>
-              <a:latin typeface="Arial" pitchFamily="34" charset="0"/>
-              <a:ea typeface="宋体" pitchFamily="2" charset="-122"/>
-              <a:cs typeface="宋体" pitchFamily="2" charset="-122"/>
+              <a:latin typeface="Arial" charset="0"/>
+              <a:ea typeface="微软雅黑" pitchFamily="34" charset="-122"/>
             </a:endParaRPr>
+          </a:p>
+        </p:txBody>
+      </p:sp>
+      <p:sp>
+        <p:nvSpPr>
+          <p:cNvPr id="12" name="TextBox 11"/>
+          <p:cNvSpPr txBox="1"/>
+          <p:nvPr/>
+        </p:nvSpPr>
+        <p:spPr>
+          <a:xfrm>
+            <a:off x="285720" y="428604"/>
+            <a:ext cx="8572560" cy="6186309"/>
+          </a:xfrm>
+          <a:prstGeom prst="rect">
+            <a:avLst/>
+          </a:prstGeom>
+          <a:noFill/>
+        </p:spPr>
+        <p:txBody>
+          <a:bodyPr wrap="square" rtlCol="0">
+            <a:spAutoFit/>
+          </a:bodyPr>
+          <a:lstStyle/>
+          <a:p>
+            <a:r>
+              <a:rPr lang="en-US" dirty="0" smtClean="0"/>
+              <a:t>//</a:t>
+            </a:r>
+            <a:r>
+              <a:rPr lang="zh-CN" altLang="en-US" dirty="0" smtClean="0"/>
+              <a:t>预处理两个事务命令</a:t>
+            </a:r>
+            <a:r>
+              <a:rPr lang="en-US" dirty="0" smtClean="0"/>
+              <a:t>	   </a:t>
+            </a:r>
+            <a:r>
+              <a:rPr lang="en-US" dirty="0" err="1" smtClean="0"/>
+              <a:t>HttpServiceCommit</a:t>
+            </a:r>
+            <a:r>
+              <a:rPr lang="en-US" dirty="0" smtClean="0"/>
+              <a:t>[] commits= //</a:t>
+            </a:r>
+            <a:r>
+              <a:rPr lang="en-US" dirty="0" err="1" smtClean="0"/>
+              <a:t>appUserService.prepareTransaction</a:t>
+            </a:r>
+            <a:r>
+              <a:rPr lang="en-US" dirty="0" smtClean="0"/>
+              <a:t>(command0,command1);</a:t>
+            </a:r>
+            <a:endParaRPr lang="zh-CN" altLang="en-US" dirty="0" smtClean="0"/>
+          </a:p>
+          <a:p>
+            <a:r>
+              <a:rPr lang="en-US" dirty="0" smtClean="0"/>
+              <a:t>//</a:t>
+            </a:r>
+            <a:r>
+              <a:rPr lang="zh-CN" altLang="en-US" dirty="0" smtClean="0"/>
+              <a:t>快捷的单个事务保存</a:t>
+            </a:r>
+            <a:r>
+              <a:rPr lang="en-US" dirty="0" smtClean="0"/>
+              <a:t>	   </a:t>
+            </a:r>
+            <a:r>
+              <a:rPr lang="en-US" dirty="0" err="1" smtClean="0"/>
+              <a:t>HttpServiceCommit</a:t>
+            </a:r>
+            <a:r>
+              <a:rPr lang="en-US" dirty="0" smtClean="0"/>
+              <a:t>[] commits= //</a:t>
+            </a:r>
+            <a:r>
+              <a:rPr lang="en-US" dirty="0" err="1" smtClean="0"/>
+              <a:t>appUserService.saveWithLocal</a:t>
+            </a:r>
+            <a:r>
+              <a:rPr lang="en-US" dirty="0" smtClean="0"/>
+              <a:t>(host, </a:t>
+            </a:r>
+            <a:r>
+              <a:rPr lang="en-US" u="sng" dirty="0" err="1" smtClean="0"/>
+              <a:t>packagez</a:t>
+            </a:r>
+            <a:r>
+              <a:rPr lang="en-US" dirty="0" smtClean="0"/>
+              <a:t>, action, </a:t>
+            </a:r>
+            <a:r>
+              <a:rPr lang="en-US" u="sng" dirty="0" smtClean="0"/>
+              <a:t>au</a:t>
+            </a:r>
+            <a:r>
+              <a:rPr lang="en-US" dirty="0" smtClean="0"/>
+              <a:t>);</a:t>
+            </a:r>
+            <a:endParaRPr lang="zh-CN" altLang="en-US" dirty="0" smtClean="0"/>
+          </a:p>
+          <a:p>
+            <a:r>
+              <a:rPr lang="en-US" dirty="0" smtClean="0"/>
+              <a:t> //</a:t>
+            </a:r>
+            <a:r>
+              <a:rPr lang="zh-CN" altLang="en-US" dirty="0" smtClean="0"/>
+              <a:t>事务提交</a:t>
+            </a:r>
+            <a:r>
+              <a:rPr lang="en-US" altLang="zh-CN" dirty="0" smtClean="0"/>
+              <a:t>[</a:t>
+            </a:r>
+            <a:r>
+              <a:rPr lang="en-US" dirty="0" err="1" smtClean="0"/>
+              <a:t>SimpleCallBack</a:t>
+            </a:r>
+            <a:r>
+              <a:rPr lang="zh-CN" altLang="en-US" dirty="0" smtClean="0"/>
+              <a:t>是一个简单的事务失败处理方式</a:t>
+            </a:r>
+            <a:r>
+              <a:rPr lang="en-US" altLang="zh-CN" dirty="0" smtClean="0"/>
+              <a:t>]</a:t>
+            </a:r>
+            <a:r>
+              <a:rPr lang="en-US" dirty="0" smtClean="0"/>
+              <a:t>		 </a:t>
+            </a:r>
+            <a:r>
+              <a:rPr lang="en-US" dirty="0" err="1" smtClean="0"/>
+              <a:t>boolean</a:t>
+            </a:r>
+            <a:r>
+              <a:rPr lang="en-US" dirty="0" smtClean="0"/>
+              <a:t> //</a:t>
+            </a:r>
+            <a:r>
+              <a:rPr lang="en-US" dirty="0" err="1" smtClean="0"/>
+              <a:t>retBoo</a:t>
+            </a:r>
+            <a:r>
+              <a:rPr lang="en-US" dirty="0" smtClean="0"/>
+              <a:t>=</a:t>
+            </a:r>
+            <a:r>
+              <a:rPr lang="en-US" dirty="0" err="1" smtClean="0"/>
+              <a:t>appUserService.saveReCall</a:t>
+            </a:r>
+            <a:r>
+              <a:rPr lang="en-US" dirty="0" smtClean="0"/>
+              <a:t>(</a:t>
+            </a:r>
+            <a:r>
+              <a:rPr lang="en-US" dirty="0" err="1" smtClean="0"/>
+              <a:t>commits,new</a:t>
+            </a:r>
+            <a:r>
+              <a:rPr lang="en-US" dirty="0" smtClean="0"/>
+              <a:t> </a:t>
+            </a:r>
+            <a:r>
+              <a:rPr lang="en-US" dirty="0" err="1" smtClean="0"/>
+              <a:t>SimpleCallBack</a:t>
+            </a:r>
+            <a:r>
+              <a:rPr lang="en-US" dirty="0" smtClean="0"/>
+              <a:t>());</a:t>
+            </a:r>
+            <a:endParaRPr lang="zh-CN" altLang="en-US" dirty="0" smtClean="0"/>
+          </a:p>
+          <a:p>
+            <a:endParaRPr lang="en-US" dirty="0" smtClean="0"/>
+          </a:p>
+          <a:p>
+            <a:r>
+              <a:rPr lang="en-US" altLang="zh-CN" dirty="0" smtClean="0"/>
+              <a:t>//</a:t>
+            </a:r>
+            <a:r>
+              <a:rPr lang="zh-CN" altLang="en-US" dirty="0" smtClean="0"/>
+              <a:t>对多个命令进行统一处理（包括预处理</a:t>
+            </a:r>
+            <a:r>
+              <a:rPr lang="en-US" altLang="zh-CN" dirty="0" smtClean="0"/>
+              <a:t>[</a:t>
+            </a:r>
+            <a:r>
+              <a:rPr lang="zh-CN" altLang="en-US" dirty="0" smtClean="0"/>
+              <a:t>失败会抛出异常</a:t>
+            </a:r>
+            <a:r>
+              <a:rPr lang="en-US" altLang="zh-CN" dirty="0" smtClean="0"/>
+              <a:t>]</a:t>
+            </a:r>
+            <a:r>
+              <a:rPr lang="zh-CN" altLang="en-US" dirty="0" smtClean="0"/>
+              <a:t>和事务提交</a:t>
+            </a:r>
+            <a:r>
+              <a:rPr lang="en-US" altLang="zh-CN" dirty="0" smtClean="0"/>
+              <a:t>[</a:t>
+            </a:r>
+            <a:r>
+              <a:rPr lang="zh-CN" altLang="en-US" dirty="0" smtClean="0"/>
+              <a:t>返回</a:t>
+            </a:r>
+            <a:r>
+              <a:rPr lang="en-US" dirty="0" err="1" smtClean="0"/>
+              <a:t>retBoo</a:t>
+            </a:r>
+            <a:r>
+              <a:rPr lang="en-US" altLang="zh-CN" dirty="0" smtClean="0"/>
+              <a:t>]</a:t>
+            </a:r>
+            <a:r>
+              <a:rPr lang="zh-CN" altLang="en-US" dirty="0" smtClean="0"/>
+              <a:t>）</a:t>
+            </a:r>
+          </a:p>
+          <a:p>
+            <a:r>
+              <a:rPr lang="en-US" dirty="0" smtClean="0"/>
+              <a:t>	</a:t>
+            </a:r>
+            <a:r>
+              <a:rPr lang="en-US" b="1" dirty="0" err="1" smtClean="0"/>
+              <a:t>boolean</a:t>
+            </a:r>
+            <a:r>
+              <a:rPr lang="en-US" dirty="0" smtClean="0"/>
+              <a:t> </a:t>
+            </a:r>
+            <a:r>
+              <a:rPr lang="en-US" dirty="0" err="1" smtClean="0"/>
+              <a:t>retBoo</a:t>
+            </a:r>
+            <a:r>
+              <a:rPr lang="en-US" dirty="0" smtClean="0"/>
+              <a:t>=</a:t>
+            </a:r>
+            <a:r>
+              <a:rPr lang="en-US" dirty="0" err="1" smtClean="0"/>
+              <a:t>appUserService.callCommon</a:t>
+            </a:r>
+            <a:r>
+              <a:rPr lang="en-US" dirty="0" smtClean="0"/>
+              <a:t>(command0,command1);</a:t>
+            </a:r>
+            <a:endParaRPr lang="zh-CN" altLang="en-US" dirty="0" smtClean="0"/>
+          </a:p>
+          <a:p>
+            <a:r>
+              <a:rPr lang="en-US" dirty="0" smtClean="0"/>
+              <a:t>//		</a:t>
+            </a:r>
+            <a:r>
+              <a:rPr lang="en-US" dirty="0" err="1" smtClean="0"/>
+              <a:t>HttpServiceCommit</a:t>
+            </a:r>
+            <a:r>
+              <a:rPr lang="en-US" dirty="0" smtClean="0"/>
+              <a:t>[]</a:t>
+            </a:r>
+            <a:endParaRPr lang="zh-CN" altLang="en-US" dirty="0" smtClean="0"/>
+          </a:p>
+          <a:p>
+            <a:r>
+              <a:rPr lang="en-US" dirty="0" smtClean="0"/>
+              <a:t>	   </a:t>
+            </a:r>
+            <a:r>
+              <a:rPr lang="en-US" dirty="0" err="1" smtClean="0"/>
+              <a:t>System.out.println</a:t>
+            </a:r>
+            <a:r>
+              <a:rPr lang="en-US" dirty="0" smtClean="0"/>
+              <a:t>(</a:t>
+            </a:r>
+            <a:r>
+              <a:rPr lang="en-US" dirty="0" err="1" smtClean="0"/>
+              <a:t>retBoo</a:t>
+            </a:r>
+            <a:r>
+              <a:rPr lang="en-US" dirty="0" smtClean="0"/>
+              <a:t>);</a:t>
+            </a:r>
+            <a:endParaRPr lang="zh-CN" altLang="en-US" dirty="0" smtClean="0"/>
+          </a:p>
+          <a:p>
+            <a:r>
+              <a:rPr lang="en-US" dirty="0" smtClean="0"/>
+              <a:t>	   </a:t>
+            </a:r>
+            <a:r>
+              <a:rPr lang="en-US" dirty="0" err="1" smtClean="0"/>
+              <a:t>setJsonString</a:t>
+            </a:r>
+            <a:r>
+              <a:rPr lang="en-US" dirty="0" smtClean="0"/>
+              <a:t>(</a:t>
+            </a:r>
+            <a:r>
+              <a:rPr lang="en-US" dirty="0" err="1" smtClean="0"/>
+              <a:t>retBoo</a:t>
+            </a:r>
+            <a:r>
+              <a:rPr lang="en-US" dirty="0" smtClean="0"/>
+              <a:t>+"");</a:t>
+            </a:r>
+            <a:endParaRPr lang="zh-CN" altLang="en-US" dirty="0" smtClean="0"/>
+          </a:p>
+          <a:p>
+            <a:r>
+              <a:rPr lang="en-US" dirty="0" smtClean="0"/>
+              <a:t>//</a:t>
+            </a:r>
+            <a:r>
+              <a:rPr lang="zh-CN" altLang="en-US" dirty="0" smtClean="0"/>
+              <a:t>调用查询接口</a:t>
+            </a:r>
+            <a:r>
+              <a:rPr lang="en-US" dirty="0" smtClean="0"/>
+              <a:t>	   </a:t>
+            </a:r>
+            <a:endParaRPr lang="zh-CN" altLang="en-US" dirty="0" smtClean="0"/>
+          </a:p>
+          <a:p>
+            <a:r>
+              <a:rPr lang="en-US" dirty="0" smtClean="0"/>
+              <a:t>	   </a:t>
+            </a:r>
+            <a:r>
+              <a:rPr lang="en-US" dirty="0" err="1" smtClean="0"/>
+              <a:t>RetObj</a:t>
+            </a:r>
+            <a:r>
+              <a:rPr lang="en-US" dirty="0" smtClean="0"/>
+              <a:t>&lt;</a:t>
+            </a:r>
+            <a:r>
+              <a:rPr lang="en-US" dirty="0" err="1" smtClean="0"/>
+              <a:t>AppUser</a:t>
+            </a:r>
+            <a:r>
+              <a:rPr lang="en-US" dirty="0" smtClean="0"/>
+              <a:t>&gt; </a:t>
+            </a:r>
+            <a:r>
+              <a:rPr lang="en-US" dirty="0" err="1" smtClean="0"/>
+              <a:t>retAu</a:t>
+            </a:r>
+            <a:r>
+              <a:rPr lang="en-US" dirty="0" smtClean="0"/>
+              <a:t>=</a:t>
+            </a:r>
+            <a:r>
+              <a:rPr lang="en-US" dirty="0" err="1" smtClean="0"/>
+              <a:t>appUserService.query</a:t>
+            </a:r>
+            <a:r>
+              <a:rPr lang="en-US" dirty="0" smtClean="0"/>
+              <a:t>(host, </a:t>
+            </a:r>
+            <a:r>
+              <a:rPr lang="en-US" dirty="0" err="1" smtClean="0"/>
+              <a:t>packagez</a:t>
+            </a:r>
+            <a:r>
+              <a:rPr lang="en-US" dirty="0" smtClean="0"/>
+              <a:t>, action, </a:t>
+            </a:r>
+            <a:r>
+              <a:rPr lang="en-US" b="1" dirty="0" smtClean="0"/>
+              <a:t>new</a:t>
+            </a:r>
+            <a:r>
+              <a:rPr lang="en-US" dirty="0" smtClean="0"/>
+              <a:t> </a:t>
+            </a:r>
+            <a:r>
+              <a:rPr lang="en-US" dirty="0" err="1" smtClean="0"/>
+              <a:t>BasicNameValuePair</a:t>
+            </a:r>
+            <a:r>
+              <a:rPr lang="en-US" dirty="0" smtClean="0"/>
+              <a:t>("</a:t>
+            </a:r>
+            <a:r>
+              <a:rPr lang="en-US" dirty="0" err="1" smtClean="0"/>
+              <a:t>Q_username_S_EQ","admin</a:t>
+            </a:r>
+            <a:r>
+              <a:rPr lang="en-US" dirty="0" smtClean="0"/>
+              <a:t>"));</a:t>
+            </a:r>
+            <a:endParaRPr lang="zh-CN" altLang="en-US" dirty="0" smtClean="0"/>
+          </a:p>
+          <a:p>
+            <a:r>
+              <a:rPr lang="en-US" dirty="0" smtClean="0"/>
+              <a:t>	   </a:t>
+            </a:r>
+            <a:endParaRPr lang="zh-CN" altLang="en-US" dirty="0" smtClean="0"/>
+          </a:p>
+          <a:p>
+            <a:r>
+              <a:rPr lang="en-US" dirty="0" smtClean="0"/>
+              <a:t>	   </a:t>
+            </a:r>
+            <a:r>
+              <a:rPr lang="en-US" dirty="0" err="1" smtClean="0"/>
+              <a:t>System.out.println</a:t>
+            </a:r>
+            <a:r>
+              <a:rPr lang="en-US" dirty="0" smtClean="0"/>
+              <a:t>("</a:t>
+            </a:r>
+            <a:r>
+              <a:rPr lang="en-US" dirty="0" err="1" smtClean="0"/>
+              <a:t>userId</a:t>
+            </a:r>
+            <a:r>
+              <a:rPr lang="en-US" dirty="0" smtClean="0"/>
+              <a:t>======"+</a:t>
+            </a:r>
+            <a:r>
+              <a:rPr lang="en-US" dirty="0" err="1" smtClean="0"/>
+              <a:t>retAu.getObjs</a:t>
+            </a:r>
+            <a:r>
+              <a:rPr lang="en-US" dirty="0" smtClean="0"/>
+              <a:t>().get(0).</a:t>
+            </a:r>
+            <a:r>
+              <a:rPr lang="en-US" dirty="0" err="1" smtClean="0"/>
+              <a:t>getUserId</a:t>
+            </a:r>
+            <a:r>
+              <a:rPr lang="en-US" dirty="0" smtClean="0"/>
+              <a:t>());</a:t>
+            </a:r>
+            <a:endParaRPr lang="zh-CN" altLang="en-US" dirty="0" smtClean="0"/>
+          </a:p>
+          <a:p>
+            <a:r>
+              <a:rPr lang="en-US" dirty="0" smtClean="0"/>
+              <a:t>	   </a:t>
+            </a:r>
+            <a:endParaRPr lang="zh-CN" altLang="en-US" dirty="0" smtClean="0"/>
+          </a:p>
+          <a:p>
+            <a:r>
+              <a:rPr lang="en-US" dirty="0" smtClean="0"/>
+              <a:t>	   </a:t>
+            </a:r>
+            <a:r>
+              <a:rPr lang="en-US" b="1" dirty="0" smtClean="0"/>
+              <a:t>return</a:t>
+            </a:r>
+            <a:r>
+              <a:rPr lang="en-US" dirty="0" smtClean="0"/>
+              <a:t> SUCCESS;</a:t>
+            </a:r>
+            <a:endParaRPr lang="zh-CN" altLang="en-US" dirty="0" smtClean="0"/>
+          </a:p>
+          <a:p>
+            <a:r>
+              <a:rPr lang="en-US" dirty="0" smtClean="0"/>
+              <a:t>			   </a:t>
+            </a:r>
+            <a:endParaRPr lang="zh-CN" altLang="en-US" dirty="0" smtClean="0"/>
+          </a:p>
+          <a:p>
+            <a:r>
+              <a:rPr lang="en-US" dirty="0" smtClean="0"/>
+              <a:t>	}</a:t>
+            </a:r>
+            <a:endParaRPr lang="zh-CN" altLang="en-US" dirty="0" smtClean="0"/>
+          </a:p>
+          <a:p>
+            <a:endParaRPr lang="zh-CN" altLang="en-US" dirty="0"/>
           </a:p>
         </p:txBody>
       </p:sp>
@@ -6717,88 +6800,39 @@
       </p:grpSpPr>
       <p:sp>
         <p:nvSpPr>
-          <p:cNvPr id="76" name="TextBox 75"/>
-          <p:cNvSpPr txBox="1"/>
+          <p:cNvPr id="4097" name="Rectangle 1"/>
+          <p:cNvSpPr>
+            <a:spLocks noChangeArrowheads="1"/>
+          </p:cNvSpPr>
           <p:nvPr/>
         </p:nvSpPr>
-        <p:spPr>
+        <p:spPr bwMode="auto">
           <a:xfrm>
-            <a:off x="571472" y="357166"/>
-            <a:ext cx="8001056" cy="369332"/>
+            <a:off x="0" y="214290"/>
+            <a:ext cx="9144000" cy="400110"/>
           </a:xfrm>
           <a:prstGeom prst="rect">
             <a:avLst/>
           </a:prstGeom>
           <a:noFill/>
-        </p:spPr>
-        <p:txBody>
-          <a:bodyPr wrap="square" rtlCol="0">
+          <a:ln w="9525">
+            <a:noFill/>
+            <a:miter lim="800000"/>
+            <a:headEnd/>
+            <a:tailEnd/>
+          </a:ln>
+          <a:effectLst/>
+        </p:spPr>
+        <p:txBody>
+          <a:bodyPr vert="horz" wrap="square" lIns="91440" tIns="45720" rIns="91440" bIns="45720" numCol="1" anchor="ctr" anchorCtr="0" compatLnSpc="1">
+            <a:prstTxWarp prst="textNoShape">
+              <a:avLst/>
+            </a:prstTxWarp>
             <a:spAutoFit/>
           </a:bodyPr>
           <a:lstStyle/>
           <a:p>
-            <a:pPr algn="ctr"/>
-            <a:r>
-              <a:rPr lang="en-US" altLang="zh-CN" dirty="0" err="1" smtClean="0">
-                <a:solidFill>
-                  <a:srgbClr val="92D050"/>
-                </a:solidFill>
-              </a:rPr>
-              <a:t>httpService</a:t>
-            </a:r>
-            <a:r>
-              <a:rPr lang="zh-CN" altLang="en-US" dirty="0" smtClean="0">
-                <a:solidFill>
-                  <a:srgbClr val="92D050"/>
-                </a:solidFill>
-              </a:rPr>
-              <a:t>框架后期待完成内容</a:t>
-            </a:r>
-            <a:endParaRPr lang="zh-CN" altLang="en-US" dirty="0">
-              <a:solidFill>
-                <a:srgbClr val="92D050"/>
-              </a:solidFill>
-            </a:endParaRPr>
-          </a:p>
-        </p:txBody>
-      </p:sp>
-      <p:sp>
-        <p:nvSpPr>
-          <p:cNvPr id="77" name="矩形 76"/>
-          <p:cNvSpPr/>
-          <p:nvPr/>
-        </p:nvSpPr>
-        <p:spPr bwMode="auto">
-          <a:xfrm>
-            <a:off x="4000496" y="1000108"/>
-            <a:ext cx="1357322" cy="3286148"/>
-          </a:xfrm>
-          <a:prstGeom prst="rect">
-            <a:avLst/>
-          </a:prstGeom>
-          <a:solidFill>
-            <a:schemeClr val="accent1"/>
-          </a:solidFill>
-          <a:ln w="25400" cap="flat" cmpd="sng" algn="ctr">
-            <a:solidFill>
-              <a:schemeClr val="tx1"/>
-            </a:solidFill>
-            <a:prstDash val="solid"/>
-            <a:round/>
-            <a:headEnd type="none" w="med" len="med"/>
-            <a:tailEnd type="none" w="med" len="med"/>
-          </a:ln>
-          <a:effectLst/>
-        </p:spPr>
-        <p:txBody>
-          <a:bodyPr vert="horz" wrap="none" lIns="91440" tIns="45720" rIns="91440" bIns="45720" numCol="1" rtlCol="0" anchor="ctr" anchorCtr="0" compatLnSpc="1">
-            <a:prstTxWarp prst="textNoShape">
-              <a:avLst/>
-            </a:prstTxWarp>
-          </a:bodyPr>
-          <a:lstStyle/>
-          <a:p>
-            <a:pPr marL="0" marR="0" indent="0" algn="ctr" defTabSz="914400" rtl="0" eaLnBrk="1" fontAlgn="base" latinLnBrk="0" hangingPunct="1">
+            <a:pPr marL="0" marR="0" lvl="0" indent="0" algn="l" defTabSz="914400" rtl="0" eaLnBrk="1" fontAlgn="base" latinLnBrk="0" hangingPunct="1">
               <a:lnSpc>
                 <a:spcPct val="100000"/>
               </a:lnSpc>
@@ -6814,944 +6848,48 @@
               <a:buNone/>
               <a:tabLst/>
             </a:pPr>
-            <a:endParaRPr kumimoji="0" lang="zh-CN" altLang="en-US" sz="1800" b="0" i="0" u="none" strike="noStrike" cap="none" normalizeH="0" baseline="0" smtClean="0">
+            <a:r>
+              <a:rPr kumimoji="0" lang="zh-CN" sz="2000" b="0" i="0" u="none" strike="noStrike" cap="none" normalizeH="0" baseline="0" dirty="0" smtClean="0">
+                <a:ln>
+                  <a:noFill/>
+                </a:ln>
+                <a:solidFill>
+                  <a:srgbClr val="808080"/>
+                </a:solidFill>
+                <a:effectLst/>
+                <a:latin typeface="Calibri" pitchFamily="34" charset="0"/>
+                <a:ea typeface="宋体" pitchFamily="2" charset="-122"/>
+                <a:cs typeface="仿宋" pitchFamily="49" charset="-122"/>
+              </a:rPr>
+              <a:t>测试调用客户端的地址为</a:t>
+            </a:r>
+            <a:r>
+              <a:rPr kumimoji="0" lang="en-US" altLang="zh-CN" sz="2000" b="0" i="0" u="none" strike="noStrike" cap="none" normalizeH="0" baseline="0" dirty="0" smtClean="0">
+                <a:ln>
+                  <a:noFill/>
+                </a:ln>
+                <a:solidFill>
+                  <a:srgbClr val="808080"/>
+                </a:solidFill>
+                <a:effectLst/>
+                <a:latin typeface="Calibri" pitchFamily="34" charset="0"/>
+                <a:ea typeface="宋体" pitchFamily="2" charset="-122"/>
+                <a:cs typeface="仿宋" pitchFamily="49" charset="-122"/>
+              </a:rPr>
+              <a:t>http://localhost/ljt/system/callTestAppUser.do</a:t>
+            </a:r>
+            <a:endParaRPr kumimoji="0" lang="en-US" altLang="zh-CN" sz="2000" b="0" i="0" u="none" strike="noStrike" cap="none" normalizeH="0" baseline="0" dirty="0" smtClean="0">
               <a:ln>
                 <a:noFill/>
               </a:ln>
               <a:solidFill>
-                <a:schemeClr val="tx1"/>
+                <a:srgbClr val="808080"/>
               </a:solidFill>
               <a:effectLst/>
-              <a:latin typeface="Arial" charset="0"/>
-              <a:ea typeface="微软雅黑" pitchFamily="34" charset="-122"/>
+              <a:latin typeface="Arial" pitchFamily="34" charset="0"/>
+              <a:ea typeface="宋体" pitchFamily="2" charset="-122"/>
+              <a:cs typeface="宋体" pitchFamily="2" charset="-122"/>
             </a:endParaRPr>
-          </a:p>
-        </p:txBody>
-      </p:sp>
-      <p:sp>
-        <p:nvSpPr>
-          <p:cNvPr id="79" name="TextBox 78"/>
-          <p:cNvSpPr txBox="1"/>
-          <p:nvPr/>
-        </p:nvSpPr>
-        <p:spPr>
-          <a:xfrm>
-            <a:off x="4214810" y="1357298"/>
-            <a:ext cx="461665" cy="2357454"/>
-          </a:xfrm>
-          <a:prstGeom prst="rect">
-            <a:avLst/>
-          </a:prstGeom>
-          <a:noFill/>
-        </p:spPr>
-        <p:txBody>
-          <a:bodyPr vert="eaVert" wrap="square" rtlCol="0">
-            <a:spAutoFit/>
-          </a:bodyPr>
-          <a:lstStyle/>
-          <a:p>
-            <a:r>
-              <a:rPr lang="zh-CN" altLang="en-US" dirty="0" smtClean="0"/>
-              <a:t>多事务命令并发处理</a:t>
-            </a:r>
-            <a:endParaRPr lang="zh-CN" altLang="en-US" dirty="0"/>
-          </a:p>
-        </p:txBody>
-      </p:sp>
-      <p:sp>
-        <p:nvSpPr>
-          <p:cNvPr id="80" name="矩形 79"/>
-          <p:cNvSpPr/>
-          <p:nvPr/>
-        </p:nvSpPr>
-        <p:spPr bwMode="auto">
-          <a:xfrm>
-            <a:off x="6000760" y="1000108"/>
-            <a:ext cx="1071570" cy="3286148"/>
-          </a:xfrm>
-          <a:prstGeom prst="rect">
-            <a:avLst/>
-          </a:prstGeom>
-          <a:solidFill>
-            <a:schemeClr val="accent1"/>
-          </a:solidFill>
-          <a:ln w="25400" cap="flat" cmpd="sng" algn="ctr">
-            <a:solidFill>
-              <a:schemeClr val="tx1"/>
-            </a:solidFill>
-            <a:prstDash val="solid"/>
-            <a:round/>
-            <a:headEnd type="none" w="med" len="med"/>
-            <a:tailEnd type="none" w="med" len="med"/>
-          </a:ln>
-          <a:effectLst/>
-        </p:spPr>
-        <p:txBody>
-          <a:bodyPr vert="horz" wrap="none" lIns="91440" tIns="45720" rIns="91440" bIns="45720" numCol="1" rtlCol="0" anchor="ctr" anchorCtr="0" compatLnSpc="1">
-            <a:prstTxWarp prst="textNoShape">
-              <a:avLst/>
-            </a:prstTxWarp>
-          </a:bodyPr>
-          <a:lstStyle/>
-          <a:p>
-            <a:pPr marL="0" marR="0" indent="0" algn="ctr" defTabSz="914400" rtl="0" eaLnBrk="1" fontAlgn="base" latinLnBrk="0" hangingPunct="1">
-              <a:lnSpc>
-                <a:spcPct val="100000"/>
-              </a:lnSpc>
-              <a:spcBef>
-                <a:spcPct val="0"/>
-              </a:spcBef>
-              <a:spcAft>
-                <a:spcPct val="0"/>
-              </a:spcAft>
-              <a:buClrTx/>
-              <a:buSzTx/>
-              <a:buFontTx/>
-              <a:buNone/>
-              <a:tabLst/>
-            </a:pPr>
-            <a:endParaRPr kumimoji="0" lang="zh-CN" altLang="en-US" sz="1800" b="0" i="0" u="none" strike="noStrike" cap="none" normalizeH="0" baseline="0" smtClean="0">
-              <a:ln>
-                <a:noFill/>
-              </a:ln>
-              <a:solidFill>
-                <a:schemeClr val="tx1"/>
-              </a:solidFill>
-              <a:effectLst/>
-              <a:latin typeface="Arial" charset="0"/>
-              <a:ea typeface="微软雅黑" pitchFamily="34" charset="-122"/>
-            </a:endParaRPr>
-          </a:p>
-        </p:txBody>
-      </p:sp>
-      <p:sp>
-        <p:nvSpPr>
-          <p:cNvPr id="81" name="TextBox 80"/>
-          <p:cNvSpPr txBox="1"/>
-          <p:nvPr/>
-        </p:nvSpPr>
-        <p:spPr>
-          <a:xfrm>
-            <a:off x="6072198" y="1285860"/>
-            <a:ext cx="461665" cy="2928958"/>
-          </a:xfrm>
-          <a:prstGeom prst="rect">
-            <a:avLst/>
-          </a:prstGeom>
-          <a:noFill/>
-        </p:spPr>
-        <p:txBody>
-          <a:bodyPr vert="eaVert" wrap="square" rtlCol="0">
-            <a:spAutoFit/>
-          </a:bodyPr>
-          <a:lstStyle/>
-          <a:p>
-            <a:r>
-              <a:rPr lang="zh-CN" altLang="en-US" dirty="0" smtClean="0"/>
-              <a:t>垃圾数据定时清理功能</a:t>
-            </a:r>
-            <a:endParaRPr lang="zh-CN" altLang="en-US" dirty="0"/>
-          </a:p>
-        </p:txBody>
-      </p:sp>
-      <p:sp>
-        <p:nvSpPr>
-          <p:cNvPr id="82" name="矩形 81"/>
-          <p:cNvSpPr/>
-          <p:nvPr/>
-        </p:nvSpPr>
-        <p:spPr bwMode="auto">
-          <a:xfrm>
-            <a:off x="1000100" y="1071546"/>
-            <a:ext cx="2000264" cy="3143272"/>
-          </a:xfrm>
-          <a:prstGeom prst="rect">
-            <a:avLst/>
-          </a:prstGeom>
-          <a:solidFill>
-            <a:schemeClr val="accent1"/>
-          </a:solidFill>
-          <a:ln w="25400" cap="flat" cmpd="sng" algn="ctr">
-            <a:solidFill>
-              <a:schemeClr val="tx1"/>
-            </a:solidFill>
-            <a:prstDash val="solid"/>
-            <a:round/>
-            <a:headEnd type="none" w="med" len="med"/>
-            <a:tailEnd type="none" w="med" len="med"/>
-          </a:ln>
-          <a:effectLst/>
-        </p:spPr>
-        <p:txBody>
-          <a:bodyPr vert="horz" wrap="none" lIns="91440" tIns="45720" rIns="91440" bIns="45720" numCol="1" rtlCol="0" anchor="ctr" anchorCtr="0" compatLnSpc="1">
-            <a:prstTxWarp prst="textNoShape">
-              <a:avLst/>
-            </a:prstTxWarp>
-          </a:bodyPr>
-          <a:lstStyle/>
-          <a:p>
-            <a:pPr marL="0" marR="0" indent="0" algn="ctr" defTabSz="914400" rtl="0" eaLnBrk="1" fontAlgn="base" latinLnBrk="0" hangingPunct="1">
-              <a:lnSpc>
-                <a:spcPct val="100000"/>
-              </a:lnSpc>
-              <a:spcBef>
-                <a:spcPct val="0"/>
-              </a:spcBef>
-              <a:spcAft>
-                <a:spcPct val="0"/>
-              </a:spcAft>
-              <a:buClrTx/>
-              <a:buSzTx/>
-              <a:buFontTx/>
-              <a:buNone/>
-              <a:tabLst/>
-            </a:pPr>
-            <a:endParaRPr kumimoji="0" lang="zh-CN" altLang="en-US" sz="1800" b="0" i="0" u="none" strike="noStrike" cap="none" normalizeH="0" baseline="0" smtClean="0">
-              <a:ln>
-                <a:noFill/>
-              </a:ln>
-              <a:solidFill>
-                <a:schemeClr val="tx1"/>
-              </a:solidFill>
-              <a:effectLst/>
-              <a:latin typeface="Arial" charset="0"/>
-              <a:ea typeface="微软雅黑" pitchFamily="34" charset="-122"/>
-            </a:endParaRPr>
-          </a:p>
-        </p:txBody>
-      </p:sp>
-      <p:sp>
-        <p:nvSpPr>
-          <p:cNvPr id="84" name="TextBox 83"/>
-          <p:cNvSpPr txBox="1"/>
-          <p:nvPr/>
-        </p:nvSpPr>
-        <p:spPr>
-          <a:xfrm>
-            <a:off x="1714480" y="1285860"/>
-            <a:ext cx="461665" cy="3071834"/>
-          </a:xfrm>
-          <a:prstGeom prst="rect">
-            <a:avLst/>
-          </a:prstGeom>
-          <a:noFill/>
-        </p:spPr>
-        <p:txBody>
-          <a:bodyPr vert="eaVert" wrap="square" rtlCol="0">
-            <a:spAutoFit/>
-          </a:bodyPr>
-          <a:lstStyle/>
-          <a:p>
-            <a:r>
-              <a:rPr lang="zh-CN" altLang="en-US" dirty="0" smtClean="0"/>
-              <a:t>失败务重新提交处理</a:t>
-            </a:r>
-            <a:r>
-              <a:rPr lang="zh-CN" altLang="en-US" dirty="0" smtClean="0"/>
-              <a:t>事</a:t>
-            </a:r>
-            <a:endParaRPr lang="zh-CN" altLang="en-US" dirty="0"/>
-          </a:p>
-        </p:txBody>
-      </p:sp>
-      <p:sp>
-        <p:nvSpPr>
-          <p:cNvPr id="85" name="椭圆 84"/>
-          <p:cNvSpPr/>
-          <p:nvPr/>
-        </p:nvSpPr>
-        <p:spPr bwMode="auto">
-          <a:xfrm>
-            <a:off x="0" y="4714884"/>
-            <a:ext cx="1357322" cy="1785926"/>
-          </a:xfrm>
-          <a:prstGeom prst="ellipse">
-            <a:avLst/>
-          </a:prstGeom>
-          <a:solidFill>
-            <a:schemeClr val="accent1"/>
-          </a:solidFill>
-          <a:ln w="25400" cap="flat" cmpd="sng" algn="ctr">
-            <a:solidFill>
-              <a:schemeClr val="tx1"/>
-            </a:solidFill>
-            <a:prstDash val="solid"/>
-            <a:round/>
-            <a:headEnd type="none" w="med" len="med"/>
-            <a:tailEnd type="none" w="med" len="med"/>
-          </a:ln>
-          <a:effectLst/>
-        </p:spPr>
-        <p:txBody>
-          <a:bodyPr vert="horz" wrap="none" lIns="91440" tIns="45720" rIns="91440" bIns="45720" numCol="1" rtlCol="0" anchor="ctr" anchorCtr="0" compatLnSpc="1">
-            <a:prstTxWarp prst="textNoShape">
-              <a:avLst/>
-            </a:prstTxWarp>
-          </a:bodyPr>
-          <a:lstStyle/>
-          <a:p>
-            <a:pPr marL="0" marR="0" indent="0" algn="ctr" defTabSz="914400" rtl="0" eaLnBrk="1" fontAlgn="base" latinLnBrk="0" hangingPunct="1">
-              <a:lnSpc>
-                <a:spcPct val="100000"/>
-              </a:lnSpc>
-              <a:spcBef>
-                <a:spcPct val="0"/>
-              </a:spcBef>
-              <a:spcAft>
-                <a:spcPct val="0"/>
-              </a:spcAft>
-              <a:buClrTx/>
-              <a:buSzTx/>
-              <a:buFontTx/>
-              <a:buNone/>
-              <a:tabLst/>
-            </a:pPr>
-            <a:r>
-              <a:rPr kumimoji="0" lang="zh-CN" altLang="en-US" sz="1800" b="0" i="0" u="none" strike="noStrike" cap="none" normalizeH="0" baseline="0" dirty="0" smtClean="0">
-                <a:ln>
-                  <a:noFill/>
-                </a:ln>
-                <a:solidFill>
-                  <a:schemeClr val="tx1"/>
-                </a:solidFill>
-                <a:effectLst/>
-                <a:latin typeface="Arial" charset="0"/>
-                <a:ea typeface="微软雅黑" pitchFamily="34" charset="-122"/>
-              </a:rPr>
-              <a:t>客户端定时器</a:t>
-            </a:r>
-            <a:endParaRPr kumimoji="0" lang="en-US" altLang="zh-CN" sz="1800" b="0" i="0" u="none" strike="noStrike" cap="none" normalizeH="0" baseline="0" dirty="0" smtClean="0">
-              <a:ln>
-                <a:noFill/>
-              </a:ln>
-              <a:solidFill>
-                <a:schemeClr val="tx1"/>
-              </a:solidFill>
-              <a:effectLst/>
-              <a:latin typeface="Arial" charset="0"/>
-              <a:ea typeface="微软雅黑" pitchFamily="34" charset="-122"/>
-            </a:endParaRPr>
-          </a:p>
-          <a:p>
-            <a:pPr marL="0" marR="0" indent="0" algn="ctr" defTabSz="914400" rtl="0" eaLnBrk="1" fontAlgn="base" latinLnBrk="0" hangingPunct="1">
-              <a:lnSpc>
-                <a:spcPct val="100000"/>
-              </a:lnSpc>
-              <a:spcBef>
-                <a:spcPct val="0"/>
-              </a:spcBef>
-              <a:spcAft>
-                <a:spcPct val="0"/>
-              </a:spcAft>
-              <a:buClrTx/>
-              <a:buSzTx/>
-              <a:buFontTx/>
-              <a:buNone/>
-              <a:tabLst/>
-            </a:pPr>
-            <a:r>
-              <a:rPr lang="zh-CN" altLang="en-US" dirty="0" smtClean="0">
-                <a:ea typeface="微软雅黑" pitchFamily="34" charset="-122"/>
-              </a:rPr>
-              <a:t>轮询依次提交</a:t>
-            </a:r>
-            <a:endParaRPr kumimoji="0" lang="zh-CN" altLang="en-US" sz="1800" b="0" i="0" u="none" strike="noStrike" cap="none" normalizeH="0" baseline="0" dirty="0" smtClean="0">
-              <a:ln>
-                <a:noFill/>
-              </a:ln>
-              <a:solidFill>
-                <a:schemeClr val="tx1"/>
-              </a:solidFill>
-              <a:effectLst/>
-              <a:latin typeface="Arial" charset="0"/>
-              <a:ea typeface="微软雅黑" pitchFamily="34" charset="-122"/>
-            </a:endParaRPr>
-          </a:p>
-        </p:txBody>
-      </p:sp>
-      <p:sp>
-        <p:nvSpPr>
-          <p:cNvPr id="86" name="椭圆 85"/>
-          <p:cNvSpPr/>
-          <p:nvPr/>
-        </p:nvSpPr>
-        <p:spPr bwMode="auto">
-          <a:xfrm>
-            <a:off x="1428728" y="4786322"/>
-            <a:ext cx="1500198" cy="1785950"/>
-          </a:xfrm>
-          <a:prstGeom prst="ellipse">
-            <a:avLst/>
-          </a:prstGeom>
-          <a:solidFill>
-            <a:schemeClr val="accent1"/>
-          </a:solidFill>
-          <a:ln w="25400" cap="flat" cmpd="sng" algn="ctr">
-            <a:solidFill>
-              <a:schemeClr val="tx1"/>
-            </a:solidFill>
-            <a:prstDash val="solid"/>
-            <a:round/>
-            <a:headEnd type="none" w="med" len="med"/>
-            <a:tailEnd type="none" w="med" len="med"/>
-          </a:ln>
-          <a:effectLst/>
-        </p:spPr>
-        <p:txBody>
-          <a:bodyPr vert="horz" wrap="none" lIns="91440" tIns="45720" rIns="91440" bIns="45720" numCol="1" rtlCol="0" anchor="ctr" anchorCtr="0" compatLnSpc="1">
-            <a:prstTxWarp prst="textNoShape">
-              <a:avLst/>
-            </a:prstTxWarp>
-          </a:bodyPr>
-          <a:lstStyle/>
-          <a:p>
-            <a:pPr marL="0" marR="0" indent="0" algn="ctr" defTabSz="914400" rtl="0" eaLnBrk="1" fontAlgn="base" latinLnBrk="0" hangingPunct="1">
-              <a:lnSpc>
-                <a:spcPct val="100000"/>
-              </a:lnSpc>
-              <a:spcBef>
-                <a:spcPct val="0"/>
-              </a:spcBef>
-              <a:spcAft>
-                <a:spcPct val="0"/>
-              </a:spcAft>
-              <a:buClrTx/>
-              <a:buSzTx/>
-              <a:buFontTx/>
-              <a:buNone/>
-              <a:tabLst/>
-            </a:pPr>
-            <a:r>
-              <a:rPr kumimoji="0" lang="zh-CN" altLang="en-US" sz="1800" b="0" i="0" u="none" strike="noStrike" cap="none" normalizeH="0" baseline="0" dirty="0" smtClean="0">
-                <a:ln>
-                  <a:noFill/>
-                </a:ln>
-                <a:solidFill>
-                  <a:schemeClr val="tx1"/>
-                </a:solidFill>
-                <a:effectLst/>
-                <a:latin typeface="Arial" charset="0"/>
-                <a:ea typeface="微软雅黑" pitchFamily="34" charset="-122"/>
-              </a:rPr>
-              <a:t>后台管理界面</a:t>
-            </a:r>
-            <a:endParaRPr kumimoji="0" lang="en-US" altLang="zh-CN" sz="1800" b="0" i="0" u="none" strike="noStrike" cap="none" normalizeH="0" baseline="0" dirty="0" smtClean="0">
-              <a:ln>
-                <a:noFill/>
-              </a:ln>
-              <a:solidFill>
-                <a:schemeClr val="tx1"/>
-              </a:solidFill>
-              <a:effectLst/>
-              <a:latin typeface="Arial" charset="0"/>
-              <a:ea typeface="微软雅黑" pitchFamily="34" charset="-122"/>
-            </a:endParaRPr>
-          </a:p>
-          <a:p>
-            <a:pPr marL="0" marR="0" indent="0" algn="ctr" defTabSz="914400" rtl="0" eaLnBrk="1" fontAlgn="base" latinLnBrk="0" hangingPunct="1">
-              <a:lnSpc>
-                <a:spcPct val="100000"/>
-              </a:lnSpc>
-              <a:spcBef>
-                <a:spcPct val="0"/>
-              </a:spcBef>
-              <a:spcAft>
-                <a:spcPct val="0"/>
-              </a:spcAft>
-              <a:buClrTx/>
-              <a:buSzTx/>
-              <a:buFontTx/>
-              <a:buNone/>
-              <a:tabLst/>
-            </a:pPr>
-            <a:r>
-              <a:rPr lang="zh-CN" altLang="en-US" dirty="0" smtClean="0">
-                <a:ea typeface="微软雅黑" pitchFamily="34" charset="-122"/>
-              </a:rPr>
-              <a:t>人工手动提交</a:t>
-            </a:r>
-            <a:endParaRPr kumimoji="0" lang="zh-CN" altLang="en-US" sz="1800" b="0" i="0" u="none" strike="noStrike" cap="none" normalizeH="0" baseline="0" dirty="0" smtClean="0">
-              <a:ln>
-                <a:noFill/>
-              </a:ln>
-              <a:solidFill>
-                <a:schemeClr val="tx1"/>
-              </a:solidFill>
-              <a:effectLst/>
-              <a:latin typeface="Arial" charset="0"/>
-              <a:ea typeface="微软雅黑" pitchFamily="34" charset="-122"/>
-            </a:endParaRPr>
-          </a:p>
-        </p:txBody>
-      </p:sp>
-      <p:sp>
-        <p:nvSpPr>
-          <p:cNvPr id="87" name="椭圆 86"/>
-          <p:cNvSpPr/>
-          <p:nvPr/>
-        </p:nvSpPr>
-        <p:spPr bwMode="auto">
-          <a:xfrm>
-            <a:off x="3000364" y="4857760"/>
-            <a:ext cx="1428760" cy="1785950"/>
-          </a:xfrm>
-          <a:prstGeom prst="ellipse">
-            <a:avLst/>
-          </a:prstGeom>
-          <a:solidFill>
-            <a:schemeClr val="accent1"/>
-          </a:solidFill>
-          <a:ln w="25400" cap="flat" cmpd="sng" algn="ctr">
-            <a:solidFill>
-              <a:schemeClr val="tx1"/>
-            </a:solidFill>
-            <a:prstDash val="solid"/>
-            <a:round/>
-            <a:headEnd type="none" w="med" len="med"/>
-            <a:tailEnd type="none" w="med" len="med"/>
-          </a:ln>
-          <a:effectLst/>
-        </p:spPr>
-        <p:txBody>
-          <a:bodyPr vert="horz" wrap="none" lIns="91440" tIns="45720" rIns="91440" bIns="45720" numCol="1" rtlCol="0" anchor="ctr" anchorCtr="0" compatLnSpc="1">
-            <a:prstTxWarp prst="textNoShape">
-              <a:avLst/>
-            </a:prstTxWarp>
-          </a:bodyPr>
-          <a:lstStyle/>
-          <a:p>
-            <a:pPr marL="0" marR="0" indent="0" algn="ctr" defTabSz="914400" rtl="0" eaLnBrk="1" fontAlgn="base" latinLnBrk="0" hangingPunct="1">
-              <a:lnSpc>
-                <a:spcPct val="100000"/>
-              </a:lnSpc>
-              <a:spcBef>
-                <a:spcPct val="0"/>
-              </a:spcBef>
-              <a:spcAft>
-                <a:spcPct val="0"/>
-              </a:spcAft>
-              <a:buClrTx/>
-              <a:buSzTx/>
-              <a:buFontTx/>
-              <a:buNone/>
-              <a:tabLst/>
-            </a:pPr>
-            <a:r>
-              <a:rPr kumimoji="0" lang="zh-CN" altLang="en-US" sz="1800" b="0" i="0" u="none" strike="noStrike" cap="none" normalizeH="0" baseline="0" dirty="0" smtClean="0">
-                <a:ln>
-                  <a:noFill/>
-                </a:ln>
-                <a:solidFill>
-                  <a:srgbClr val="FF0000"/>
-                </a:solidFill>
-                <a:effectLst/>
-                <a:latin typeface="Arial" charset="0"/>
-                <a:ea typeface="微软雅黑" pitchFamily="34" charset="-122"/>
-              </a:rPr>
-              <a:t>开放接口给</a:t>
-            </a:r>
-            <a:endParaRPr kumimoji="0" lang="en-US" altLang="zh-CN" sz="1800" b="0" i="0" u="none" strike="noStrike" cap="none" normalizeH="0" baseline="0" dirty="0" smtClean="0">
-              <a:ln>
-                <a:noFill/>
-              </a:ln>
-              <a:solidFill>
-                <a:srgbClr val="FF0000"/>
-              </a:solidFill>
-              <a:effectLst/>
-              <a:latin typeface="Arial" charset="0"/>
-              <a:ea typeface="微软雅黑" pitchFamily="34" charset="-122"/>
-            </a:endParaRPr>
-          </a:p>
-          <a:p>
-            <a:pPr marL="0" marR="0" indent="0" algn="ctr" defTabSz="914400" rtl="0" eaLnBrk="1" fontAlgn="base" latinLnBrk="0" hangingPunct="1">
-              <a:lnSpc>
-                <a:spcPct val="100000"/>
-              </a:lnSpc>
-              <a:spcBef>
-                <a:spcPct val="0"/>
-              </a:spcBef>
-              <a:spcAft>
-                <a:spcPct val="0"/>
-              </a:spcAft>
-              <a:buClrTx/>
-              <a:buSzTx/>
-              <a:buFontTx/>
-              <a:buNone/>
-              <a:tabLst/>
-            </a:pPr>
-            <a:r>
-              <a:rPr lang="zh-CN" altLang="en-US" dirty="0" smtClean="0">
-                <a:solidFill>
-                  <a:srgbClr val="FF0000"/>
-                </a:solidFill>
-                <a:ea typeface="微软雅黑" pitchFamily="34" charset="-122"/>
-              </a:rPr>
-              <a:t>服务端</a:t>
-            </a:r>
-            <a:endParaRPr lang="en-US" altLang="zh-CN" dirty="0" smtClean="0">
-              <a:solidFill>
-                <a:srgbClr val="FF0000"/>
-              </a:solidFill>
-              <a:ea typeface="微软雅黑" pitchFamily="34" charset="-122"/>
-            </a:endParaRPr>
-          </a:p>
-          <a:p>
-            <a:pPr marL="0" marR="0" indent="0" algn="ctr" defTabSz="914400" rtl="0" eaLnBrk="1" fontAlgn="base" latinLnBrk="0" hangingPunct="1">
-              <a:lnSpc>
-                <a:spcPct val="100000"/>
-              </a:lnSpc>
-              <a:spcBef>
-                <a:spcPct val="0"/>
-              </a:spcBef>
-              <a:spcAft>
-                <a:spcPct val="0"/>
-              </a:spcAft>
-              <a:buClrTx/>
-              <a:buSzTx/>
-              <a:buFontTx/>
-              <a:buNone/>
-              <a:tabLst/>
-            </a:pPr>
-            <a:r>
-              <a:rPr kumimoji="0" lang="zh-CN" altLang="en-US" sz="1800" b="0" i="0" u="none" strike="noStrike" cap="none" normalizeH="0" baseline="0" dirty="0" smtClean="0">
-                <a:ln>
-                  <a:noFill/>
-                </a:ln>
-                <a:solidFill>
-                  <a:srgbClr val="FF0000"/>
-                </a:solidFill>
-                <a:effectLst/>
-                <a:latin typeface="Arial" charset="0"/>
-                <a:ea typeface="微软雅黑" pitchFamily="34" charset="-122"/>
-              </a:rPr>
-              <a:t>进行强制</a:t>
-            </a:r>
-            <a:endParaRPr kumimoji="0" lang="en-US" altLang="zh-CN" sz="1800" b="0" i="0" u="none" strike="noStrike" cap="none" normalizeH="0" baseline="0" dirty="0" smtClean="0">
-              <a:ln>
-                <a:noFill/>
-              </a:ln>
-              <a:solidFill>
-                <a:srgbClr val="FF0000"/>
-              </a:solidFill>
-              <a:effectLst/>
-              <a:latin typeface="Arial" charset="0"/>
-              <a:ea typeface="微软雅黑" pitchFamily="34" charset="-122"/>
-            </a:endParaRPr>
-          </a:p>
-          <a:p>
-            <a:pPr marL="0" marR="0" indent="0" algn="ctr" defTabSz="914400" rtl="0" eaLnBrk="1" fontAlgn="base" latinLnBrk="0" hangingPunct="1">
-              <a:lnSpc>
-                <a:spcPct val="100000"/>
-              </a:lnSpc>
-              <a:spcBef>
-                <a:spcPct val="0"/>
-              </a:spcBef>
-              <a:spcAft>
-                <a:spcPct val="0"/>
-              </a:spcAft>
-              <a:buClrTx/>
-              <a:buSzTx/>
-              <a:buFontTx/>
-              <a:buNone/>
-              <a:tabLst/>
-            </a:pPr>
-            <a:r>
-              <a:rPr lang="zh-CN" altLang="en-US" dirty="0" smtClean="0">
-                <a:solidFill>
-                  <a:srgbClr val="FF0000"/>
-                </a:solidFill>
-                <a:ea typeface="微软雅黑" pitchFamily="34" charset="-122"/>
-              </a:rPr>
-              <a:t>刷新</a:t>
-            </a:r>
-            <a:endParaRPr kumimoji="0" lang="zh-CN" altLang="en-US" sz="1800" b="0" i="0" u="none" strike="noStrike" cap="none" normalizeH="0" baseline="0" dirty="0" smtClean="0">
-              <a:ln>
-                <a:noFill/>
-              </a:ln>
-              <a:solidFill>
-                <a:srgbClr val="FF0000"/>
-              </a:solidFill>
-              <a:effectLst/>
-              <a:latin typeface="Arial" charset="0"/>
-              <a:ea typeface="微软雅黑" pitchFamily="34" charset="-122"/>
-            </a:endParaRPr>
-          </a:p>
-        </p:txBody>
-      </p:sp>
-      <p:cxnSp>
-        <p:nvCxnSpPr>
-          <p:cNvPr id="89" name="直接箭头连接符 88"/>
-          <p:cNvCxnSpPr/>
-          <p:nvPr/>
-        </p:nvCxnSpPr>
-        <p:spPr bwMode="auto">
-          <a:xfrm rot="5400000">
-            <a:off x="500034" y="4071942"/>
-            <a:ext cx="1000132" cy="571504"/>
-          </a:xfrm>
-          <a:prstGeom prst="straightConnector1">
-            <a:avLst/>
-          </a:prstGeom>
-          <a:solidFill>
-            <a:schemeClr val="accent1"/>
-          </a:solidFill>
-          <a:ln w="25400" cap="flat" cmpd="sng" algn="ctr">
-            <a:solidFill>
-              <a:schemeClr val="tx1"/>
-            </a:solidFill>
-            <a:prstDash val="solid"/>
-            <a:round/>
-            <a:headEnd type="none" w="med" len="med"/>
-            <a:tailEnd type="arrow"/>
-          </a:ln>
-          <a:effectLst/>
-        </p:spPr>
-      </p:cxnSp>
-      <p:cxnSp>
-        <p:nvCxnSpPr>
-          <p:cNvPr id="91" name="直接箭头连接符 90"/>
-          <p:cNvCxnSpPr/>
-          <p:nvPr/>
-        </p:nvCxnSpPr>
-        <p:spPr bwMode="auto">
-          <a:xfrm rot="16200000" flipH="1">
-            <a:off x="1428728" y="4357694"/>
-            <a:ext cx="1500198" cy="214314"/>
-          </a:xfrm>
-          <a:prstGeom prst="straightConnector1">
-            <a:avLst/>
-          </a:prstGeom>
-          <a:solidFill>
-            <a:schemeClr val="accent1"/>
-          </a:solidFill>
-          <a:ln w="25400" cap="flat" cmpd="sng" algn="ctr">
-            <a:solidFill>
-              <a:schemeClr val="tx1"/>
-            </a:solidFill>
-            <a:prstDash val="solid"/>
-            <a:round/>
-            <a:headEnd type="none" w="med" len="med"/>
-            <a:tailEnd type="arrow"/>
-          </a:ln>
-          <a:effectLst/>
-        </p:spPr>
-      </p:cxnSp>
-      <p:cxnSp>
-        <p:nvCxnSpPr>
-          <p:cNvPr id="93" name="直接箭头连接符 92"/>
-          <p:cNvCxnSpPr/>
-          <p:nvPr/>
-        </p:nvCxnSpPr>
-        <p:spPr bwMode="auto">
-          <a:xfrm rot="16200000" flipH="1">
-            <a:off x="2393141" y="3893347"/>
-            <a:ext cx="1428760" cy="1214446"/>
-          </a:xfrm>
-          <a:prstGeom prst="straightConnector1">
-            <a:avLst/>
-          </a:prstGeom>
-          <a:solidFill>
-            <a:schemeClr val="accent1"/>
-          </a:solidFill>
-          <a:ln w="25400" cap="flat" cmpd="sng" algn="ctr">
-            <a:solidFill>
-              <a:schemeClr val="tx1"/>
-            </a:solidFill>
-            <a:prstDash val="solid"/>
-            <a:round/>
-            <a:headEnd type="none" w="med" len="med"/>
-            <a:tailEnd type="arrow"/>
-          </a:ln>
-          <a:effectLst/>
-        </p:spPr>
-      </p:cxnSp>
-      <p:sp>
-        <p:nvSpPr>
-          <p:cNvPr id="94" name="TextBox 93"/>
-          <p:cNvSpPr txBox="1"/>
-          <p:nvPr/>
-        </p:nvSpPr>
-        <p:spPr>
-          <a:xfrm>
-            <a:off x="2214546" y="1714488"/>
-            <a:ext cx="461665" cy="1285884"/>
-          </a:xfrm>
-          <a:prstGeom prst="rect">
-            <a:avLst/>
-          </a:prstGeom>
-          <a:noFill/>
-        </p:spPr>
-        <p:txBody>
-          <a:bodyPr vert="eaVert" wrap="square" rtlCol="0">
-            <a:spAutoFit/>
-          </a:bodyPr>
-          <a:lstStyle/>
-          <a:p>
-            <a:r>
-              <a:rPr lang="zh-CN" altLang="en-US" dirty="0" smtClean="0"/>
-              <a:t>（客户端）</a:t>
-            </a:r>
-            <a:endParaRPr lang="zh-CN" altLang="en-US" dirty="0"/>
-          </a:p>
-        </p:txBody>
-      </p:sp>
-      <p:sp>
-        <p:nvSpPr>
-          <p:cNvPr id="95" name="TextBox 94"/>
-          <p:cNvSpPr txBox="1"/>
-          <p:nvPr/>
-        </p:nvSpPr>
-        <p:spPr>
-          <a:xfrm>
-            <a:off x="4857752" y="1571612"/>
-            <a:ext cx="461665" cy="1571636"/>
-          </a:xfrm>
-          <a:prstGeom prst="rect">
-            <a:avLst/>
-          </a:prstGeom>
-          <a:noFill/>
-        </p:spPr>
-        <p:txBody>
-          <a:bodyPr vert="eaVert" wrap="square" rtlCol="0">
-            <a:spAutoFit/>
-          </a:bodyPr>
-          <a:lstStyle/>
-          <a:p>
-            <a:r>
-              <a:rPr lang="zh-CN" altLang="en-US" dirty="0" smtClean="0"/>
-              <a:t>（客户端）</a:t>
-            </a:r>
-            <a:endParaRPr lang="zh-CN" altLang="en-US" dirty="0"/>
-          </a:p>
-        </p:txBody>
-      </p:sp>
-      <p:sp>
-        <p:nvSpPr>
-          <p:cNvPr id="97" name="TextBox 96"/>
-          <p:cNvSpPr txBox="1"/>
-          <p:nvPr/>
-        </p:nvSpPr>
-        <p:spPr>
-          <a:xfrm>
-            <a:off x="6429388" y="1714488"/>
-            <a:ext cx="461665" cy="1643074"/>
-          </a:xfrm>
-          <a:prstGeom prst="rect">
-            <a:avLst/>
-          </a:prstGeom>
-          <a:noFill/>
-        </p:spPr>
-        <p:txBody>
-          <a:bodyPr vert="eaVert" wrap="square" rtlCol="0">
-            <a:spAutoFit/>
-          </a:bodyPr>
-          <a:lstStyle/>
-          <a:p>
-            <a:r>
-              <a:rPr lang="zh-CN" altLang="en-US" dirty="0" smtClean="0"/>
-              <a:t>（服务端）</a:t>
-            </a:r>
-            <a:endParaRPr lang="zh-CN" altLang="en-US" dirty="0"/>
-          </a:p>
-        </p:txBody>
-      </p:sp>
-      <p:sp>
-        <p:nvSpPr>
-          <p:cNvPr id="98" name="矩形 97"/>
-          <p:cNvSpPr/>
-          <p:nvPr/>
-        </p:nvSpPr>
-        <p:spPr bwMode="auto">
-          <a:xfrm>
-            <a:off x="7572396" y="1000108"/>
-            <a:ext cx="1285884" cy="3286148"/>
-          </a:xfrm>
-          <a:prstGeom prst="rect">
-            <a:avLst/>
-          </a:prstGeom>
-          <a:solidFill>
-            <a:schemeClr val="accent1"/>
-          </a:solidFill>
-          <a:ln w="25400" cap="flat" cmpd="sng" algn="ctr">
-            <a:solidFill>
-              <a:schemeClr val="tx1"/>
-            </a:solidFill>
-            <a:prstDash val="solid"/>
-            <a:round/>
-            <a:headEnd type="none" w="med" len="med"/>
-            <a:tailEnd type="none" w="med" len="med"/>
-          </a:ln>
-          <a:effectLst/>
-        </p:spPr>
-        <p:txBody>
-          <a:bodyPr vert="horz" wrap="none" lIns="91440" tIns="45720" rIns="91440" bIns="45720" numCol="1" rtlCol="0" anchor="ctr" anchorCtr="0" compatLnSpc="1">
-            <a:prstTxWarp prst="textNoShape">
-              <a:avLst/>
-            </a:prstTxWarp>
-          </a:bodyPr>
-          <a:lstStyle/>
-          <a:p>
-            <a:pPr marL="0" marR="0" indent="0" algn="ctr" defTabSz="914400" rtl="0" eaLnBrk="1" fontAlgn="base" latinLnBrk="0" hangingPunct="1">
-              <a:lnSpc>
-                <a:spcPct val="100000"/>
-              </a:lnSpc>
-              <a:spcBef>
-                <a:spcPct val="0"/>
-              </a:spcBef>
-              <a:spcAft>
-                <a:spcPct val="0"/>
-              </a:spcAft>
-              <a:buClrTx/>
-              <a:buSzTx/>
-              <a:buFontTx/>
-              <a:buNone/>
-              <a:tabLst/>
-            </a:pPr>
-            <a:endParaRPr kumimoji="0" lang="zh-CN" altLang="en-US" sz="1800" b="0" i="0" u="none" strike="noStrike" cap="none" normalizeH="0" baseline="0" dirty="0" smtClean="0">
-              <a:ln>
-                <a:noFill/>
-              </a:ln>
-              <a:solidFill>
-                <a:schemeClr val="tx1"/>
-              </a:solidFill>
-              <a:effectLst/>
-              <a:latin typeface="Arial" charset="0"/>
-              <a:ea typeface="微软雅黑" pitchFamily="34" charset="-122"/>
-            </a:endParaRPr>
-          </a:p>
-        </p:txBody>
-      </p:sp>
-      <p:sp>
-        <p:nvSpPr>
-          <p:cNvPr id="99" name="TextBox 98"/>
-          <p:cNvSpPr txBox="1"/>
-          <p:nvPr/>
-        </p:nvSpPr>
-        <p:spPr>
-          <a:xfrm>
-            <a:off x="8182312" y="1428736"/>
-            <a:ext cx="461665" cy="2428892"/>
-          </a:xfrm>
-          <a:prstGeom prst="rect">
-            <a:avLst/>
-          </a:prstGeom>
-          <a:noFill/>
-        </p:spPr>
-        <p:txBody>
-          <a:bodyPr vert="eaVert" wrap="square" rtlCol="0">
-            <a:spAutoFit/>
-          </a:bodyPr>
-          <a:lstStyle/>
-          <a:p>
-            <a:r>
-              <a:rPr lang="en-US" altLang="zh-CN" dirty="0" smtClean="0"/>
-              <a:t>LOG</a:t>
-            </a:r>
-            <a:r>
-              <a:rPr lang="zh-CN" altLang="en-US" dirty="0" smtClean="0"/>
-              <a:t>日志分类记录</a:t>
-            </a:r>
-            <a:endParaRPr lang="zh-CN" altLang="en-US" dirty="0"/>
           </a:p>
         </p:txBody>
       </p:sp>
@@ -7789,16 +6927,952 @@
       </p:grpSpPr>
       <p:sp>
         <p:nvSpPr>
-          <p:cNvPr id="69" name="椭圆 68"/>
+          <p:cNvPr id="76" name="TextBox 75"/>
+          <p:cNvSpPr txBox="1"/>
+          <p:nvPr/>
+        </p:nvSpPr>
+        <p:spPr>
+          <a:xfrm>
+            <a:off x="571472" y="357166"/>
+            <a:ext cx="8001056" cy="369332"/>
+          </a:xfrm>
+          <a:prstGeom prst="rect">
+            <a:avLst/>
+          </a:prstGeom>
+          <a:noFill/>
+        </p:spPr>
+        <p:txBody>
+          <a:bodyPr wrap="square" rtlCol="0">
+            <a:spAutoFit/>
+          </a:bodyPr>
+          <a:lstStyle/>
+          <a:p>
+            <a:pPr algn="ctr"/>
+            <a:r>
+              <a:rPr lang="en-US" altLang="zh-CN" dirty="0" err="1" smtClean="0">
+                <a:solidFill>
+                  <a:srgbClr val="92D050"/>
+                </a:solidFill>
+              </a:rPr>
+              <a:t>httpService</a:t>
+            </a:r>
+            <a:r>
+              <a:rPr lang="zh-CN" altLang="en-US" dirty="0" smtClean="0">
+                <a:solidFill>
+                  <a:srgbClr val="92D050"/>
+                </a:solidFill>
+              </a:rPr>
+              <a:t>框架后期待完成内容</a:t>
+            </a:r>
+            <a:endParaRPr lang="zh-CN" altLang="en-US" dirty="0">
+              <a:solidFill>
+                <a:srgbClr val="92D050"/>
+              </a:solidFill>
+            </a:endParaRPr>
+          </a:p>
+        </p:txBody>
+      </p:sp>
+      <p:sp>
+        <p:nvSpPr>
+          <p:cNvPr id="77" name="矩形 76"/>
           <p:cNvSpPr/>
           <p:nvPr/>
         </p:nvSpPr>
         <p:spPr bwMode="auto">
           <a:xfrm>
-            <a:off x="500034" y="500042"/>
-            <a:ext cx="8215370" cy="3857652"/>
+            <a:off x="4000496" y="1000108"/>
+            <a:ext cx="1357322" cy="3286148"/>
+          </a:xfrm>
+          <a:prstGeom prst="rect">
+            <a:avLst/>
+          </a:prstGeom>
+          <a:solidFill>
+            <a:schemeClr val="accent1"/>
+          </a:solidFill>
+          <a:ln w="25400" cap="flat" cmpd="sng" algn="ctr">
+            <a:solidFill>
+              <a:schemeClr val="tx1"/>
+            </a:solidFill>
+            <a:prstDash val="solid"/>
+            <a:round/>
+            <a:headEnd type="none" w="med" len="med"/>
+            <a:tailEnd type="none" w="med" len="med"/>
+          </a:ln>
+          <a:effectLst/>
+        </p:spPr>
+        <p:txBody>
+          <a:bodyPr vert="horz" wrap="none" lIns="91440" tIns="45720" rIns="91440" bIns="45720" numCol="1" rtlCol="0" anchor="ctr" anchorCtr="0" compatLnSpc="1">
+            <a:prstTxWarp prst="textNoShape">
+              <a:avLst/>
+            </a:prstTxWarp>
+          </a:bodyPr>
+          <a:lstStyle/>
+          <a:p>
+            <a:pPr marL="0" marR="0" indent="0" algn="ctr" defTabSz="914400" rtl="0" eaLnBrk="1" fontAlgn="base" latinLnBrk="0" hangingPunct="1">
+              <a:lnSpc>
+                <a:spcPct val="100000"/>
+              </a:lnSpc>
+              <a:spcBef>
+                <a:spcPct val="0"/>
+              </a:spcBef>
+              <a:spcAft>
+                <a:spcPct val="0"/>
+              </a:spcAft>
+              <a:buClrTx/>
+              <a:buSzTx/>
+              <a:buFontTx/>
+              <a:buNone/>
+              <a:tabLst/>
+            </a:pPr>
+            <a:endParaRPr kumimoji="0" lang="zh-CN" altLang="en-US" sz="1800" b="0" i="0" u="none" strike="noStrike" cap="none" normalizeH="0" baseline="0" smtClean="0">
+              <a:ln>
+                <a:noFill/>
+              </a:ln>
+              <a:solidFill>
+                <a:schemeClr val="tx1"/>
+              </a:solidFill>
+              <a:effectLst/>
+              <a:latin typeface="Arial" charset="0"/>
+              <a:ea typeface="微软雅黑" pitchFamily="34" charset="-122"/>
+            </a:endParaRPr>
+          </a:p>
+        </p:txBody>
+      </p:sp>
+      <p:sp>
+        <p:nvSpPr>
+          <p:cNvPr id="79" name="TextBox 78"/>
+          <p:cNvSpPr txBox="1"/>
+          <p:nvPr/>
+        </p:nvSpPr>
+        <p:spPr>
+          <a:xfrm>
+            <a:off x="4214810" y="1357298"/>
+            <a:ext cx="461665" cy="2357454"/>
+          </a:xfrm>
+          <a:prstGeom prst="rect">
+            <a:avLst/>
+          </a:prstGeom>
+          <a:noFill/>
+        </p:spPr>
+        <p:txBody>
+          <a:bodyPr vert="eaVert" wrap="square" rtlCol="0">
+            <a:spAutoFit/>
+          </a:bodyPr>
+          <a:lstStyle/>
+          <a:p>
+            <a:r>
+              <a:rPr lang="zh-CN" altLang="en-US" dirty="0" smtClean="0"/>
+              <a:t>多事务命令并发处理</a:t>
+            </a:r>
+            <a:endParaRPr lang="zh-CN" altLang="en-US" dirty="0"/>
+          </a:p>
+        </p:txBody>
+      </p:sp>
+      <p:sp>
+        <p:nvSpPr>
+          <p:cNvPr id="80" name="矩形 79"/>
+          <p:cNvSpPr/>
+          <p:nvPr/>
+        </p:nvSpPr>
+        <p:spPr bwMode="auto">
+          <a:xfrm>
+            <a:off x="6000760" y="1000108"/>
+            <a:ext cx="1071570" cy="3286148"/>
+          </a:xfrm>
+          <a:prstGeom prst="rect">
+            <a:avLst/>
+          </a:prstGeom>
+          <a:solidFill>
+            <a:schemeClr val="accent1"/>
+          </a:solidFill>
+          <a:ln w="25400" cap="flat" cmpd="sng" algn="ctr">
+            <a:solidFill>
+              <a:schemeClr val="tx1"/>
+            </a:solidFill>
+            <a:prstDash val="solid"/>
+            <a:round/>
+            <a:headEnd type="none" w="med" len="med"/>
+            <a:tailEnd type="none" w="med" len="med"/>
+          </a:ln>
+          <a:effectLst/>
+        </p:spPr>
+        <p:txBody>
+          <a:bodyPr vert="horz" wrap="none" lIns="91440" tIns="45720" rIns="91440" bIns="45720" numCol="1" rtlCol="0" anchor="ctr" anchorCtr="0" compatLnSpc="1">
+            <a:prstTxWarp prst="textNoShape">
+              <a:avLst/>
+            </a:prstTxWarp>
+          </a:bodyPr>
+          <a:lstStyle/>
+          <a:p>
+            <a:pPr marL="0" marR="0" indent="0" algn="ctr" defTabSz="914400" rtl="0" eaLnBrk="1" fontAlgn="base" latinLnBrk="0" hangingPunct="1">
+              <a:lnSpc>
+                <a:spcPct val="100000"/>
+              </a:lnSpc>
+              <a:spcBef>
+                <a:spcPct val="0"/>
+              </a:spcBef>
+              <a:spcAft>
+                <a:spcPct val="0"/>
+              </a:spcAft>
+              <a:buClrTx/>
+              <a:buSzTx/>
+              <a:buFontTx/>
+              <a:buNone/>
+              <a:tabLst/>
+            </a:pPr>
+            <a:endParaRPr kumimoji="0" lang="zh-CN" altLang="en-US" sz="1800" b="0" i="0" u="none" strike="noStrike" cap="none" normalizeH="0" baseline="0" smtClean="0">
+              <a:ln>
+                <a:noFill/>
+              </a:ln>
+              <a:solidFill>
+                <a:schemeClr val="tx1"/>
+              </a:solidFill>
+              <a:effectLst/>
+              <a:latin typeface="Arial" charset="0"/>
+              <a:ea typeface="微软雅黑" pitchFamily="34" charset="-122"/>
+            </a:endParaRPr>
+          </a:p>
+        </p:txBody>
+      </p:sp>
+      <p:sp>
+        <p:nvSpPr>
+          <p:cNvPr id="81" name="TextBox 80"/>
+          <p:cNvSpPr txBox="1"/>
+          <p:nvPr/>
+        </p:nvSpPr>
+        <p:spPr>
+          <a:xfrm>
+            <a:off x="6072198" y="1285860"/>
+            <a:ext cx="461665" cy="2928958"/>
+          </a:xfrm>
+          <a:prstGeom prst="rect">
+            <a:avLst/>
+          </a:prstGeom>
+          <a:noFill/>
+        </p:spPr>
+        <p:txBody>
+          <a:bodyPr vert="eaVert" wrap="square" rtlCol="0">
+            <a:spAutoFit/>
+          </a:bodyPr>
+          <a:lstStyle/>
+          <a:p>
+            <a:r>
+              <a:rPr lang="zh-CN" altLang="en-US" dirty="0" smtClean="0"/>
+              <a:t>垃圾数据定时清理功能</a:t>
+            </a:r>
+            <a:endParaRPr lang="zh-CN" altLang="en-US" dirty="0"/>
+          </a:p>
+        </p:txBody>
+      </p:sp>
+      <p:sp>
+        <p:nvSpPr>
+          <p:cNvPr id="82" name="矩形 81"/>
+          <p:cNvSpPr/>
+          <p:nvPr/>
+        </p:nvSpPr>
+        <p:spPr bwMode="auto">
+          <a:xfrm>
+            <a:off x="1000100" y="1071546"/>
+            <a:ext cx="2000264" cy="3143272"/>
+          </a:xfrm>
+          <a:prstGeom prst="rect">
+            <a:avLst/>
+          </a:prstGeom>
+          <a:solidFill>
+            <a:schemeClr val="accent1"/>
+          </a:solidFill>
+          <a:ln w="25400" cap="flat" cmpd="sng" algn="ctr">
+            <a:solidFill>
+              <a:schemeClr val="tx1"/>
+            </a:solidFill>
+            <a:prstDash val="solid"/>
+            <a:round/>
+            <a:headEnd type="none" w="med" len="med"/>
+            <a:tailEnd type="none" w="med" len="med"/>
+          </a:ln>
+          <a:effectLst/>
+        </p:spPr>
+        <p:txBody>
+          <a:bodyPr vert="horz" wrap="none" lIns="91440" tIns="45720" rIns="91440" bIns="45720" numCol="1" rtlCol="0" anchor="ctr" anchorCtr="0" compatLnSpc="1">
+            <a:prstTxWarp prst="textNoShape">
+              <a:avLst/>
+            </a:prstTxWarp>
+          </a:bodyPr>
+          <a:lstStyle/>
+          <a:p>
+            <a:pPr marL="0" marR="0" indent="0" algn="ctr" defTabSz="914400" rtl="0" eaLnBrk="1" fontAlgn="base" latinLnBrk="0" hangingPunct="1">
+              <a:lnSpc>
+                <a:spcPct val="100000"/>
+              </a:lnSpc>
+              <a:spcBef>
+                <a:spcPct val="0"/>
+              </a:spcBef>
+              <a:spcAft>
+                <a:spcPct val="0"/>
+              </a:spcAft>
+              <a:buClrTx/>
+              <a:buSzTx/>
+              <a:buFontTx/>
+              <a:buNone/>
+              <a:tabLst/>
+            </a:pPr>
+            <a:endParaRPr kumimoji="0" lang="zh-CN" altLang="en-US" sz="1800" b="0" i="0" u="none" strike="noStrike" cap="none" normalizeH="0" baseline="0" smtClean="0">
+              <a:ln>
+                <a:noFill/>
+              </a:ln>
+              <a:solidFill>
+                <a:schemeClr val="tx1"/>
+              </a:solidFill>
+              <a:effectLst/>
+              <a:latin typeface="Arial" charset="0"/>
+              <a:ea typeface="微软雅黑" pitchFamily="34" charset="-122"/>
+            </a:endParaRPr>
+          </a:p>
+        </p:txBody>
+      </p:sp>
+      <p:sp>
+        <p:nvSpPr>
+          <p:cNvPr id="84" name="TextBox 83"/>
+          <p:cNvSpPr txBox="1"/>
+          <p:nvPr/>
+        </p:nvSpPr>
+        <p:spPr>
+          <a:xfrm>
+            <a:off x="1714480" y="1285860"/>
+            <a:ext cx="461665" cy="3071834"/>
+          </a:xfrm>
+          <a:prstGeom prst="rect">
+            <a:avLst/>
+          </a:prstGeom>
+          <a:noFill/>
+        </p:spPr>
+        <p:txBody>
+          <a:bodyPr vert="eaVert" wrap="square" rtlCol="0">
+            <a:spAutoFit/>
+          </a:bodyPr>
+          <a:lstStyle/>
+          <a:p>
+            <a:r>
+              <a:rPr lang="zh-CN" altLang="en-US" dirty="0" smtClean="0"/>
+              <a:t>失败务重新提交处理事</a:t>
+            </a:r>
+            <a:endParaRPr lang="zh-CN" altLang="en-US" dirty="0"/>
+          </a:p>
+        </p:txBody>
+      </p:sp>
+      <p:sp>
+        <p:nvSpPr>
+          <p:cNvPr id="85" name="椭圆 84"/>
+          <p:cNvSpPr/>
+          <p:nvPr/>
+        </p:nvSpPr>
+        <p:spPr bwMode="auto">
+          <a:xfrm>
+            <a:off x="0" y="4714884"/>
+            <a:ext cx="1357322" cy="1785926"/>
           </a:xfrm>
           <a:prstGeom prst="ellipse">
+            <a:avLst/>
+          </a:prstGeom>
+          <a:solidFill>
+            <a:schemeClr val="accent1"/>
+          </a:solidFill>
+          <a:ln w="25400" cap="flat" cmpd="sng" algn="ctr">
+            <a:solidFill>
+              <a:schemeClr val="tx1"/>
+            </a:solidFill>
+            <a:prstDash val="solid"/>
+            <a:round/>
+            <a:headEnd type="none" w="med" len="med"/>
+            <a:tailEnd type="none" w="med" len="med"/>
+          </a:ln>
+          <a:effectLst/>
+        </p:spPr>
+        <p:txBody>
+          <a:bodyPr vert="horz" wrap="none" lIns="91440" tIns="45720" rIns="91440" bIns="45720" numCol="1" rtlCol="0" anchor="ctr" anchorCtr="0" compatLnSpc="1">
+            <a:prstTxWarp prst="textNoShape">
+              <a:avLst/>
+            </a:prstTxWarp>
+          </a:bodyPr>
+          <a:lstStyle/>
+          <a:p>
+            <a:pPr marL="0" marR="0" indent="0" algn="ctr" defTabSz="914400" rtl="0" eaLnBrk="1" fontAlgn="base" latinLnBrk="0" hangingPunct="1">
+              <a:lnSpc>
+                <a:spcPct val="100000"/>
+              </a:lnSpc>
+              <a:spcBef>
+                <a:spcPct val="0"/>
+              </a:spcBef>
+              <a:spcAft>
+                <a:spcPct val="0"/>
+              </a:spcAft>
+              <a:buClrTx/>
+              <a:buSzTx/>
+              <a:buFontTx/>
+              <a:buNone/>
+              <a:tabLst/>
+            </a:pPr>
+            <a:r>
+              <a:rPr kumimoji="0" lang="zh-CN" altLang="en-US" sz="1800" b="0" i="0" u="none" strike="noStrike" cap="none" normalizeH="0" baseline="0" dirty="0" smtClean="0">
+                <a:ln>
+                  <a:noFill/>
+                </a:ln>
+                <a:solidFill>
+                  <a:schemeClr val="tx1"/>
+                </a:solidFill>
+                <a:effectLst/>
+                <a:latin typeface="Arial" charset="0"/>
+                <a:ea typeface="微软雅黑" pitchFamily="34" charset="-122"/>
+              </a:rPr>
+              <a:t>客户端定时器</a:t>
+            </a:r>
+            <a:endParaRPr kumimoji="0" lang="en-US" altLang="zh-CN" sz="1800" b="0" i="0" u="none" strike="noStrike" cap="none" normalizeH="0" baseline="0" dirty="0" smtClean="0">
+              <a:ln>
+                <a:noFill/>
+              </a:ln>
+              <a:solidFill>
+                <a:schemeClr val="tx1"/>
+              </a:solidFill>
+              <a:effectLst/>
+              <a:latin typeface="Arial" charset="0"/>
+              <a:ea typeface="微软雅黑" pitchFamily="34" charset="-122"/>
+            </a:endParaRPr>
+          </a:p>
+          <a:p>
+            <a:pPr marL="0" marR="0" indent="0" algn="ctr" defTabSz="914400" rtl="0" eaLnBrk="1" fontAlgn="base" latinLnBrk="0" hangingPunct="1">
+              <a:lnSpc>
+                <a:spcPct val="100000"/>
+              </a:lnSpc>
+              <a:spcBef>
+                <a:spcPct val="0"/>
+              </a:spcBef>
+              <a:spcAft>
+                <a:spcPct val="0"/>
+              </a:spcAft>
+              <a:buClrTx/>
+              <a:buSzTx/>
+              <a:buFontTx/>
+              <a:buNone/>
+              <a:tabLst/>
+            </a:pPr>
+            <a:r>
+              <a:rPr lang="zh-CN" altLang="en-US" dirty="0" smtClean="0">
+                <a:ea typeface="微软雅黑" pitchFamily="34" charset="-122"/>
+              </a:rPr>
+              <a:t>轮询依次提交</a:t>
+            </a:r>
+            <a:endParaRPr kumimoji="0" lang="zh-CN" altLang="en-US" sz="1800" b="0" i="0" u="none" strike="noStrike" cap="none" normalizeH="0" baseline="0" dirty="0" smtClean="0">
+              <a:ln>
+                <a:noFill/>
+              </a:ln>
+              <a:solidFill>
+                <a:schemeClr val="tx1"/>
+              </a:solidFill>
+              <a:effectLst/>
+              <a:latin typeface="Arial" charset="0"/>
+              <a:ea typeface="微软雅黑" pitchFamily="34" charset="-122"/>
+            </a:endParaRPr>
+          </a:p>
+        </p:txBody>
+      </p:sp>
+      <p:sp>
+        <p:nvSpPr>
+          <p:cNvPr id="86" name="椭圆 85"/>
+          <p:cNvSpPr/>
+          <p:nvPr/>
+        </p:nvSpPr>
+        <p:spPr bwMode="auto">
+          <a:xfrm>
+            <a:off x="1428728" y="4786322"/>
+            <a:ext cx="1500198" cy="1785950"/>
+          </a:xfrm>
+          <a:prstGeom prst="ellipse">
+            <a:avLst/>
+          </a:prstGeom>
+          <a:solidFill>
+            <a:schemeClr val="accent1"/>
+          </a:solidFill>
+          <a:ln w="25400" cap="flat" cmpd="sng" algn="ctr">
+            <a:solidFill>
+              <a:schemeClr val="tx1"/>
+            </a:solidFill>
+            <a:prstDash val="solid"/>
+            <a:round/>
+            <a:headEnd type="none" w="med" len="med"/>
+            <a:tailEnd type="none" w="med" len="med"/>
+          </a:ln>
+          <a:effectLst/>
+        </p:spPr>
+        <p:txBody>
+          <a:bodyPr vert="horz" wrap="none" lIns="91440" tIns="45720" rIns="91440" bIns="45720" numCol="1" rtlCol="0" anchor="ctr" anchorCtr="0" compatLnSpc="1">
+            <a:prstTxWarp prst="textNoShape">
+              <a:avLst/>
+            </a:prstTxWarp>
+          </a:bodyPr>
+          <a:lstStyle/>
+          <a:p>
+            <a:pPr marL="0" marR="0" indent="0" algn="ctr" defTabSz="914400" rtl="0" eaLnBrk="1" fontAlgn="base" latinLnBrk="0" hangingPunct="1">
+              <a:lnSpc>
+                <a:spcPct val="100000"/>
+              </a:lnSpc>
+              <a:spcBef>
+                <a:spcPct val="0"/>
+              </a:spcBef>
+              <a:spcAft>
+                <a:spcPct val="0"/>
+              </a:spcAft>
+              <a:buClrTx/>
+              <a:buSzTx/>
+              <a:buFontTx/>
+              <a:buNone/>
+              <a:tabLst/>
+            </a:pPr>
+            <a:r>
+              <a:rPr kumimoji="0" lang="zh-CN" altLang="en-US" sz="1800" b="0" i="0" u="none" strike="noStrike" cap="none" normalizeH="0" baseline="0" dirty="0" smtClean="0">
+                <a:ln>
+                  <a:noFill/>
+                </a:ln>
+                <a:solidFill>
+                  <a:schemeClr val="tx1"/>
+                </a:solidFill>
+                <a:effectLst/>
+                <a:latin typeface="Arial" charset="0"/>
+                <a:ea typeface="微软雅黑" pitchFamily="34" charset="-122"/>
+              </a:rPr>
+              <a:t>后台管理界面</a:t>
+            </a:r>
+            <a:endParaRPr kumimoji="0" lang="en-US" altLang="zh-CN" sz="1800" b="0" i="0" u="none" strike="noStrike" cap="none" normalizeH="0" baseline="0" dirty="0" smtClean="0">
+              <a:ln>
+                <a:noFill/>
+              </a:ln>
+              <a:solidFill>
+                <a:schemeClr val="tx1"/>
+              </a:solidFill>
+              <a:effectLst/>
+              <a:latin typeface="Arial" charset="0"/>
+              <a:ea typeface="微软雅黑" pitchFamily="34" charset="-122"/>
+            </a:endParaRPr>
+          </a:p>
+          <a:p>
+            <a:pPr marL="0" marR="0" indent="0" algn="ctr" defTabSz="914400" rtl="0" eaLnBrk="1" fontAlgn="base" latinLnBrk="0" hangingPunct="1">
+              <a:lnSpc>
+                <a:spcPct val="100000"/>
+              </a:lnSpc>
+              <a:spcBef>
+                <a:spcPct val="0"/>
+              </a:spcBef>
+              <a:spcAft>
+                <a:spcPct val="0"/>
+              </a:spcAft>
+              <a:buClrTx/>
+              <a:buSzTx/>
+              <a:buFontTx/>
+              <a:buNone/>
+              <a:tabLst/>
+            </a:pPr>
+            <a:r>
+              <a:rPr lang="zh-CN" altLang="en-US" dirty="0" smtClean="0">
+                <a:ea typeface="微软雅黑" pitchFamily="34" charset="-122"/>
+              </a:rPr>
+              <a:t>人工手动提交</a:t>
+            </a:r>
+            <a:endParaRPr kumimoji="0" lang="zh-CN" altLang="en-US" sz="1800" b="0" i="0" u="none" strike="noStrike" cap="none" normalizeH="0" baseline="0" dirty="0" smtClean="0">
+              <a:ln>
+                <a:noFill/>
+              </a:ln>
+              <a:solidFill>
+                <a:schemeClr val="tx1"/>
+              </a:solidFill>
+              <a:effectLst/>
+              <a:latin typeface="Arial" charset="0"/>
+              <a:ea typeface="微软雅黑" pitchFamily="34" charset="-122"/>
+            </a:endParaRPr>
+          </a:p>
+        </p:txBody>
+      </p:sp>
+      <p:sp>
+        <p:nvSpPr>
+          <p:cNvPr id="87" name="椭圆 86"/>
+          <p:cNvSpPr/>
+          <p:nvPr/>
+        </p:nvSpPr>
+        <p:spPr bwMode="auto">
+          <a:xfrm>
+            <a:off x="3000364" y="4857760"/>
+            <a:ext cx="1428760" cy="1785950"/>
+          </a:xfrm>
+          <a:prstGeom prst="ellipse">
+            <a:avLst/>
+          </a:prstGeom>
+          <a:solidFill>
+            <a:schemeClr val="accent1"/>
+          </a:solidFill>
+          <a:ln w="25400" cap="flat" cmpd="sng" algn="ctr">
+            <a:solidFill>
+              <a:schemeClr val="tx1"/>
+            </a:solidFill>
+            <a:prstDash val="solid"/>
+            <a:round/>
+            <a:headEnd type="none" w="med" len="med"/>
+            <a:tailEnd type="none" w="med" len="med"/>
+          </a:ln>
+          <a:effectLst/>
+        </p:spPr>
+        <p:txBody>
+          <a:bodyPr vert="horz" wrap="none" lIns="91440" tIns="45720" rIns="91440" bIns="45720" numCol="1" rtlCol="0" anchor="ctr" anchorCtr="0" compatLnSpc="1">
+            <a:prstTxWarp prst="textNoShape">
+              <a:avLst/>
+            </a:prstTxWarp>
+          </a:bodyPr>
+          <a:lstStyle/>
+          <a:p>
+            <a:pPr marL="0" marR="0" indent="0" algn="ctr" defTabSz="914400" rtl="0" eaLnBrk="1" fontAlgn="base" latinLnBrk="0" hangingPunct="1">
+              <a:lnSpc>
+                <a:spcPct val="100000"/>
+              </a:lnSpc>
+              <a:spcBef>
+                <a:spcPct val="0"/>
+              </a:spcBef>
+              <a:spcAft>
+                <a:spcPct val="0"/>
+              </a:spcAft>
+              <a:buClrTx/>
+              <a:buSzTx/>
+              <a:buFontTx/>
+              <a:buNone/>
+              <a:tabLst/>
+            </a:pPr>
+            <a:r>
+              <a:rPr kumimoji="0" lang="zh-CN" altLang="en-US" sz="1800" b="0" i="0" u="none" strike="noStrike" cap="none" normalizeH="0" baseline="0" dirty="0" smtClean="0">
+                <a:ln>
+                  <a:noFill/>
+                </a:ln>
+                <a:solidFill>
+                  <a:srgbClr val="FF0000"/>
+                </a:solidFill>
+                <a:effectLst/>
+                <a:latin typeface="Arial" charset="0"/>
+                <a:ea typeface="微软雅黑" pitchFamily="34" charset="-122"/>
+              </a:rPr>
+              <a:t>开放接口给</a:t>
+            </a:r>
+            <a:endParaRPr kumimoji="0" lang="en-US" altLang="zh-CN" sz="1800" b="0" i="0" u="none" strike="noStrike" cap="none" normalizeH="0" baseline="0" dirty="0" smtClean="0">
+              <a:ln>
+                <a:noFill/>
+              </a:ln>
+              <a:solidFill>
+                <a:srgbClr val="FF0000"/>
+              </a:solidFill>
+              <a:effectLst/>
+              <a:latin typeface="Arial" charset="0"/>
+              <a:ea typeface="微软雅黑" pitchFamily="34" charset="-122"/>
+            </a:endParaRPr>
+          </a:p>
+          <a:p>
+            <a:pPr marL="0" marR="0" indent="0" algn="ctr" defTabSz="914400" rtl="0" eaLnBrk="1" fontAlgn="base" latinLnBrk="0" hangingPunct="1">
+              <a:lnSpc>
+                <a:spcPct val="100000"/>
+              </a:lnSpc>
+              <a:spcBef>
+                <a:spcPct val="0"/>
+              </a:spcBef>
+              <a:spcAft>
+                <a:spcPct val="0"/>
+              </a:spcAft>
+              <a:buClrTx/>
+              <a:buSzTx/>
+              <a:buFontTx/>
+              <a:buNone/>
+              <a:tabLst/>
+            </a:pPr>
+            <a:r>
+              <a:rPr lang="zh-CN" altLang="en-US" dirty="0" smtClean="0">
+                <a:solidFill>
+                  <a:srgbClr val="FF0000"/>
+                </a:solidFill>
+                <a:ea typeface="微软雅黑" pitchFamily="34" charset="-122"/>
+              </a:rPr>
+              <a:t>服务端</a:t>
+            </a:r>
+            <a:endParaRPr lang="en-US" altLang="zh-CN" dirty="0" smtClean="0">
+              <a:solidFill>
+                <a:srgbClr val="FF0000"/>
+              </a:solidFill>
+              <a:ea typeface="微软雅黑" pitchFamily="34" charset="-122"/>
+            </a:endParaRPr>
+          </a:p>
+          <a:p>
+            <a:pPr marL="0" marR="0" indent="0" algn="ctr" defTabSz="914400" rtl="0" eaLnBrk="1" fontAlgn="base" latinLnBrk="0" hangingPunct="1">
+              <a:lnSpc>
+                <a:spcPct val="100000"/>
+              </a:lnSpc>
+              <a:spcBef>
+                <a:spcPct val="0"/>
+              </a:spcBef>
+              <a:spcAft>
+                <a:spcPct val="0"/>
+              </a:spcAft>
+              <a:buClrTx/>
+              <a:buSzTx/>
+              <a:buFontTx/>
+              <a:buNone/>
+              <a:tabLst/>
+            </a:pPr>
+            <a:r>
+              <a:rPr kumimoji="0" lang="zh-CN" altLang="en-US" sz="1800" b="0" i="0" u="none" strike="noStrike" cap="none" normalizeH="0" baseline="0" dirty="0" smtClean="0">
+                <a:ln>
+                  <a:noFill/>
+                </a:ln>
+                <a:solidFill>
+                  <a:srgbClr val="FF0000"/>
+                </a:solidFill>
+                <a:effectLst/>
+                <a:latin typeface="Arial" charset="0"/>
+                <a:ea typeface="微软雅黑" pitchFamily="34" charset="-122"/>
+              </a:rPr>
+              <a:t>进行强制</a:t>
+            </a:r>
+            <a:endParaRPr kumimoji="0" lang="en-US" altLang="zh-CN" sz="1800" b="0" i="0" u="none" strike="noStrike" cap="none" normalizeH="0" baseline="0" dirty="0" smtClean="0">
+              <a:ln>
+                <a:noFill/>
+              </a:ln>
+              <a:solidFill>
+                <a:srgbClr val="FF0000"/>
+              </a:solidFill>
+              <a:effectLst/>
+              <a:latin typeface="Arial" charset="0"/>
+              <a:ea typeface="微软雅黑" pitchFamily="34" charset="-122"/>
+            </a:endParaRPr>
+          </a:p>
+          <a:p>
+            <a:pPr marL="0" marR="0" indent="0" algn="ctr" defTabSz="914400" rtl="0" eaLnBrk="1" fontAlgn="base" latinLnBrk="0" hangingPunct="1">
+              <a:lnSpc>
+                <a:spcPct val="100000"/>
+              </a:lnSpc>
+              <a:spcBef>
+                <a:spcPct val="0"/>
+              </a:spcBef>
+              <a:spcAft>
+                <a:spcPct val="0"/>
+              </a:spcAft>
+              <a:buClrTx/>
+              <a:buSzTx/>
+              <a:buFontTx/>
+              <a:buNone/>
+              <a:tabLst/>
+            </a:pPr>
+            <a:r>
+              <a:rPr lang="zh-CN" altLang="en-US" dirty="0" smtClean="0">
+                <a:solidFill>
+                  <a:srgbClr val="FF0000"/>
+                </a:solidFill>
+                <a:ea typeface="微软雅黑" pitchFamily="34" charset="-122"/>
+              </a:rPr>
+              <a:t>刷新</a:t>
+            </a:r>
+            <a:endParaRPr kumimoji="0" lang="zh-CN" altLang="en-US" sz="1800" b="0" i="0" u="none" strike="noStrike" cap="none" normalizeH="0" baseline="0" dirty="0" smtClean="0">
+              <a:ln>
+                <a:noFill/>
+              </a:ln>
+              <a:solidFill>
+                <a:srgbClr val="FF0000"/>
+              </a:solidFill>
+              <a:effectLst/>
+              <a:latin typeface="Arial" charset="0"/>
+              <a:ea typeface="微软雅黑" pitchFamily="34" charset="-122"/>
+            </a:endParaRPr>
+          </a:p>
+        </p:txBody>
+      </p:sp>
+      <p:cxnSp>
+        <p:nvCxnSpPr>
+          <p:cNvPr id="89" name="直接箭头连接符 88"/>
+          <p:cNvCxnSpPr/>
+          <p:nvPr/>
+        </p:nvCxnSpPr>
+        <p:spPr bwMode="auto">
+          <a:xfrm rot="5400000">
+            <a:off x="500034" y="4071942"/>
+            <a:ext cx="1000132" cy="571504"/>
+          </a:xfrm>
+          <a:prstGeom prst="straightConnector1">
+            <a:avLst/>
+          </a:prstGeom>
+          <a:solidFill>
+            <a:schemeClr val="accent1"/>
+          </a:solidFill>
+          <a:ln w="25400" cap="flat" cmpd="sng" algn="ctr">
+            <a:solidFill>
+              <a:schemeClr val="tx1"/>
+            </a:solidFill>
+            <a:prstDash val="solid"/>
+            <a:round/>
+            <a:headEnd type="none" w="med" len="med"/>
+            <a:tailEnd type="arrow"/>
+          </a:ln>
+          <a:effectLst/>
+        </p:spPr>
+      </p:cxnSp>
+      <p:cxnSp>
+        <p:nvCxnSpPr>
+          <p:cNvPr id="91" name="直接箭头连接符 90"/>
+          <p:cNvCxnSpPr/>
+          <p:nvPr/>
+        </p:nvCxnSpPr>
+        <p:spPr bwMode="auto">
+          <a:xfrm rot="16200000" flipH="1">
+            <a:off x="1428728" y="4357694"/>
+            <a:ext cx="1500198" cy="214314"/>
+          </a:xfrm>
+          <a:prstGeom prst="straightConnector1">
+            <a:avLst/>
+          </a:prstGeom>
+          <a:solidFill>
+            <a:schemeClr val="accent1"/>
+          </a:solidFill>
+          <a:ln w="25400" cap="flat" cmpd="sng" algn="ctr">
+            <a:solidFill>
+              <a:schemeClr val="tx1"/>
+            </a:solidFill>
+            <a:prstDash val="solid"/>
+            <a:round/>
+            <a:headEnd type="none" w="med" len="med"/>
+            <a:tailEnd type="arrow"/>
+          </a:ln>
+          <a:effectLst/>
+        </p:spPr>
+      </p:cxnSp>
+      <p:cxnSp>
+        <p:nvCxnSpPr>
+          <p:cNvPr id="93" name="直接箭头连接符 92"/>
+          <p:cNvCxnSpPr/>
+          <p:nvPr/>
+        </p:nvCxnSpPr>
+        <p:spPr bwMode="auto">
+          <a:xfrm rot="16200000" flipH="1">
+            <a:off x="2393141" y="3893347"/>
+            <a:ext cx="1428760" cy="1214446"/>
+          </a:xfrm>
+          <a:prstGeom prst="straightConnector1">
+            <a:avLst/>
+          </a:prstGeom>
+          <a:solidFill>
+            <a:schemeClr val="accent1"/>
+          </a:solidFill>
+          <a:ln w="25400" cap="flat" cmpd="sng" algn="ctr">
+            <a:solidFill>
+              <a:schemeClr val="tx1"/>
+            </a:solidFill>
+            <a:prstDash val="solid"/>
+            <a:round/>
+            <a:headEnd type="none" w="med" len="med"/>
+            <a:tailEnd type="arrow"/>
+          </a:ln>
+          <a:effectLst/>
+        </p:spPr>
+      </p:cxnSp>
+      <p:sp>
+        <p:nvSpPr>
+          <p:cNvPr id="94" name="TextBox 93"/>
+          <p:cNvSpPr txBox="1"/>
+          <p:nvPr/>
+        </p:nvSpPr>
+        <p:spPr>
+          <a:xfrm>
+            <a:off x="2214546" y="1714488"/>
+            <a:ext cx="461665" cy="1285884"/>
+          </a:xfrm>
+          <a:prstGeom prst="rect">
+            <a:avLst/>
+          </a:prstGeom>
+          <a:noFill/>
+        </p:spPr>
+        <p:txBody>
+          <a:bodyPr vert="eaVert" wrap="square" rtlCol="0">
+            <a:spAutoFit/>
+          </a:bodyPr>
+          <a:lstStyle/>
+          <a:p>
+            <a:r>
+              <a:rPr lang="zh-CN" altLang="en-US" dirty="0" smtClean="0"/>
+              <a:t>（客户端）</a:t>
+            </a:r>
+            <a:endParaRPr lang="zh-CN" altLang="en-US" dirty="0"/>
+          </a:p>
+        </p:txBody>
+      </p:sp>
+      <p:sp>
+        <p:nvSpPr>
+          <p:cNvPr id="95" name="TextBox 94"/>
+          <p:cNvSpPr txBox="1"/>
+          <p:nvPr/>
+        </p:nvSpPr>
+        <p:spPr>
+          <a:xfrm>
+            <a:off x="4857752" y="1571612"/>
+            <a:ext cx="461665" cy="1571636"/>
+          </a:xfrm>
+          <a:prstGeom prst="rect">
+            <a:avLst/>
+          </a:prstGeom>
+          <a:noFill/>
+        </p:spPr>
+        <p:txBody>
+          <a:bodyPr vert="eaVert" wrap="square" rtlCol="0">
+            <a:spAutoFit/>
+          </a:bodyPr>
+          <a:lstStyle/>
+          <a:p>
+            <a:r>
+              <a:rPr lang="zh-CN" altLang="en-US" dirty="0" smtClean="0"/>
+              <a:t>（客户端）</a:t>
+            </a:r>
+            <a:endParaRPr lang="zh-CN" altLang="en-US" dirty="0"/>
+          </a:p>
+        </p:txBody>
+      </p:sp>
+      <p:sp>
+        <p:nvSpPr>
+          <p:cNvPr id="97" name="TextBox 96"/>
+          <p:cNvSpPr txBox="1"/>
+          <p:nvPr/>
+        </p:nvSpPr>
+        <p:spPr>
+          <a:xfrm>
+            <a:off x="6429388" y="1714488"/>
+            <a:ext cx="461665" cy="1643074"/>
+          </a:xfrm>
+          <a:prstGeom prst="rect">
+            <a:avLst/>
+          </a:prstGeom>
+          <a:noFill/>
+        </p:spPr>
+        <p:txBody>
+          <a:bodyPr vert="eaVert" wrap="square" rtlCol="0">
+            <a:spAutoFit/>
+          </a:bodyPr>
+          <a:lstStyle/>
+          <a:p>
+            <a:r>
+              <a:rPr lang="zh-CN" altLang="en-US" dirty="0" smtClean="0"/>
+              <a:t>（服务端）</a:t>
+            </a:r>
+            <a:endParaRPr lang="zh-CN" altLang="en-US" dirty="0"/>
+          </a:p>
+        </p:txBody>
+      </p:sp>
+      <p:sp>
+        <p:nvSpPr>
+          <p:cNvPr id="98" name="矩形 97"/>
+          <p:cNvSpPr/>
+          <p:nvPr/>
+        </p:nvSpPr>
+        <p:spPr bwMode="auto">
+          <a:xfrm>
+            <a:off x="7572396" y="1000108"/>
+            <a:ext cx="1285884" cy="3286148"/>
+          </a:xfrm>
+          <a:prstGeom prst="rect">
             <a:avLst/>
           </a:prstGeom>
           <a:solidFill>
@@ -7844,395 +7918,46 @@
                 <a:noFill/>
               </a:ln>
               <a:solidFill>
-                <a:srgbClr val="FF0000"/>
-              </a:solidFill>
-              <a:effectLst/>
-              <a:latin typeface="Arial" charset="0"/>
-              <a:ea typeface="微软雅黑" pitchFamily="34" charset="-122"/>
-            </a:endParaRPr>
-          </a:p>
-        </p:txBody>
-      </p:sp>
-      <p:sp>
-        <p:nvSpPr>
-          <p:cNvPr id="70" name="TextBox 69"/>
-          <p:cNvSpPr txBox="1"/>
-          <p:nvPr/>
-        </p:nvSpPr>
-        <p:spPr>
-          <a:xfrm>
-            <a:off x="857224" y="1928802"/>
-            <a:ext cx="7215238" cy="1569660"/>
-          </a:xfrm>
-          <a:prstGeom prst="rect">
-            <a:avLst/>
-          </a:prstGeom>
-          <a:noFill/>
-        </p:spPr>
-        <p:txBody>
-          <a:bodyPr wrap="square" rtlCol="0">
-            <a:spAutoFit/>
-          </a:bodyPr>
-          <a:lstStyle/>
-          <a:p>
-            <a:r>
-              <a:rPr lang="en-US" altLang="zh-CN" sz="3200" dirty="0" smtClean="0">
-                <a:solidFill>
-                  <a:srgbClr val="FF0000"/>
-                </a:solidFill>
-              </a:rPr>
-              <a:t>OA</a:t>
-            </a:r>
-            <a:r>
-              <a:rPr lang="zh-CN" altLang="en-US" sz="3200" dirty="0" smtClean="0">
-                <a:solidFill>
-                  <a:srgbClr val="FF0000"/>
-                </a:solidFill>
-              </a:rPr>
-              <a:t>项目使用</a:t>
-            </a:r>
-            <a:r>
-              <a:rPr lang="en-US" altLang="zh-CN" sz="3200" dirty="0" smtClean="0">
-                <a:solidFill>
-                  <a:srgbClr val="FF0000"/>
-                </a:solidFill>
-              </a:rPr>
-              <a:t>HTTPSERVICE</a:t>
-            </a:r>
-            <a:r>
-              <a:rPr lang="zh-CN" altLang="en-US" sz="3200" dirty="0" smtClean="0">
-                <a:solidFill>
-                  <a:srgbClr val="FF0000"/>
-                </a:solidFill>
-              </a:rPr>
-              <a:t>框架讨论</a:t>
-            </a:r>
-            <a:endParaRPr lang="en-US" altLang="zh-CN" sz="3200" dirty="0" smtClean="0">
-              <a:solidFill>
-                <a:srgbClr val="FF0000"/>
-              </a:solidFill>
-            </a:endParaRPr>
-          </a:p>
-          <a:p>
-            <a:r>
-              <a:rPr lang="en-US" altLang="zh-CN" sz="3200" dirty="0" smtClean="0">
-                <a:solidFill>
-                  <a:srgbClr val="FF0000"/>
-                </a:solidFill>
-              </a:rPr>
-              <a:t>	</a:t>
-            </a:r>
-            <a:r>
-              <a:rPr lang="en-US" altLang="zh-CN" sz="3200" dirty="0" smtClean="0">
-                <a:solidFill>
-                  <a:srgbClr val="FF0000"/>
-                </a:solidFill>
-              </a:rPr>
-              <a:t>		   </a:t>
-            </a:r>
-            <a:r>
-              <a:rPr lang="zh-CN" altLang="en-US" sz="3200" dirty="0" smtClean="0">
-                <a:solidFill>
-                  <a:srgbClr val="FF0000"/>
-                </a:solidFill>
-              </a:rPr>
-              <a:t>之</a:t>
-            </a:r>
-            <a:endParaRPr lang="en-US" altLang="zh-CN" sz="3200" dirty="0" smtClean="0">
-              <a:solidFill>
-                <a:srgbClr val="FF0000"/>
-              </a:solidFill>
-            </a:endParaRPr>
-          </a:p>
-          <a:p>
-            <a:r>
-              <a:rPr lang="en-US" altLang="zh-CN" sz="3200" dirty="0" smtClean="0">
-                <a:solidFill>
-                  <a:srgbClr val="FF0000"/>
-                </a:solidFill>
-              </a:rPr>
-              <a:t>	</a:t>
-            </a:r>
-            <a:r>
-              <a:rPr lang="en-US" altLang="zh-CN" sz="3200" dirty="0" smtClean="0">
-                <a:solidFill>
-                  <a:srgbClr val="FF0000"/>
-                </a:solidFill>
-              </a:rPr>
-              <a:t>	</a:t>
-            </a:r>
-            <a:r>
-              <a:rPr lang="zh-CN" altLang="en-US" sz="3200" dirty="0" smtClean="0">
-                <a:solidFill>
-                  <a:srgbClr val="FF0000"/>
-                </a:solidFill>
-              </a:rPr>
-              <a:t>事务预处理方式</a:t>
-            </a:r>
-            <a:endParaRPr lang="zh-CN" altLang="en-US" sz="3200" dirty="0">
-              <a:solidFill>
-                <a:srgbClr val="FF0000"/>
-              </a:solidFill>
-            </a:endParaRPr>
-          </a:p>
-        </p:txBody>
-      </p:sp>
-      <p:sp>
-        <p:nvSpPr>
-          <p:cNvPr id="71" name="椭圆 70"/>
-          <p:cNvSpPr/>
-          <p:nvPr/>
-        </p:nvSpPr>
-        <p:spPr bwMode="auto">
-          <a:xfrm>
-            <a:off x="214282" y="4214818"/>
-            <a:ext cx="3429024" cy="1571636"/>
-          </a:xfrm>
-          <a:prstGeom prst="ellipse">
-            <a:avLst/>
-          </a:prstGeom>
-          <a:solidFill>
-            <a:schemeClr val="accent1"/>
-          </a:solidFill>
-          <a:ln w="25400" cap="flat" cmpd="sng" algn="ctr">
-            <a:solidFill>
-              <a:schemeClr val="tx1"/>
-            </a:solidFill>
-            <a:prstDash val="solid"/>
-            <a:round/>
-            <a:headEnd type="none" w="med" len="med"/>
-            <a:tailEnd type="none" w="med" len="med"/>
-          </a:ln>
-          <a:effectLst/>
-        </p:spPr>
-        <p:txBody>
-          <a:bodyPr vert="horz" wrap="none" lIns="91440" tIns="45720" rIns="91440" bIns="45720" numCol="1" rtlCol="0" anchor="ctr" anchorCtr="0" compatLnSpc="1">
-            <a:prstTxWarp prst="textNoShape">
-              <a:avLst/>
-            </a:prstTxWarp>
-          </a:bodyPr>
-          <a:lstStyle/>
-          <a:p>
-            <a:pPr marL="0" marR="0" indent="0" algn="ctr" defTabSz="914400" rtl="0" eaLnBrk="1" fontAlgn="base" latinLnBrk="0" hangingPunct="1">
-              <a:lnSpc>
-                <a:spcPct val="100000"/>
-              </a:lnSpc>
-              <a:spcBef>
-                <a:spcPct val="0"/>
-              </a:spcBef>
-              <a:spcAft>
-                <a:spcPct val="0"/>
-              </a:spcAft>
-              <a:buClrTx/>
-              <a:buSzTx/>
-              <a:buFontTx/>
-              <a:buNone/>
-              <a:tabLst/>
-            </a:pPr>
-            <a:r>
-              <a:rPr kumimoji="0" lang="zh-CN" altLang="en-US" sz="1800" b="1" i="0" u="none" strike="noStrike" normalizeH="0" baseline="0" dirty="0" smtClean="0">
-                <a:ln w="12700">
-                  <a:solidFill>
-                    <a:schemeClr val="tx2">
-                      <a:satMod val="155000"/>
-                    </a:schemeClr>
-                  </a:solidFill>
-                  <a:prstDash val="solid"/>
-                </a:ln>
-                <a:solidFill>
-                  <a:schemeClr val="bg2">
-                    <a:tint val="85000"/>
-                    <a:satMod val="155000"/>
-                  </a:schemeClr>
-                </a:solidFill>
-                <a:effectLst>
-                  <a:outerShdw blurRad="41275" dist="20320" dir="1800000" algn="tl" rotWithShape="0">
-                    <a:srgbClr val="000000">
-                      <a:alpha val="40000"/>
-                    </a:srgbClr>
-                  </a:outerShdw>
-                </a:effectLst>
-                <a:latin typeface="Arial" charset="0"/>
-                <a:ea typeface="微软雅黑" pitchFamily="34" charset="-122"/>
-              </a:rPr>
-              <a:t>针对每一个待操作的表</a:t>
-            </a:r>
-            <a:endParaRPr kumimoji="0" lang="en-US" altLang="zh-CN" sz="1800" b="1" i="0" u="none" strike="noStrike" normalizeH="0" baseline="0" dirty="0" smtClean="0">
-              <a:ln w="12700">
-                <a:solidFill>
-                  <a:schemeClr val="tx2">
-                    <a:satMod val="155000"/>
-                  </a:schemeClr>
-                </a:solidFill>
-                <a:prstDash val="solid"/>
-              </a:ln>
-              <a:solidFill>
-                <a:schemeClr val="bg2">
-                  <a:tint val="85000"/>
-                  <a:satMod val="155000"/>
-                </a:schemeClr>
-              </a:solidFill>
-              <a:effectLst>
-                <a:outerShdw blurRad="41275" dist="20320" dir="1800000" algn="tl" rotWithShape="0">
-                  <a:srgbClr val="000000">
-                    <a:alpha val="40000"/>
-                  </a:srgbClr>
-                </a:outerShdw>
-              </a:effectLst>
-              <a:latin typeface="Arial" charset="0"/>
-              <a:ea typeface="微软雅黑" pitchFamily="34" charset="-122"/>
-            </a:endParaRPr>
-          </a:p>
-          <a:p>
-            <a:pPr marL="0" marR="0" indent="0" algn="ctr" defTabSz="914400" rtl="0" eaLnBrk="1" fontAlgn="base" latinLnBrk="0" hangingPunct="1">
-              <a:lnSpc>
-                <a:spcPct val="100000"/>
-              </a:lnSpc>
-              <a:spcBef>
-                <a:spcPct val="0"/>
-              </a:spcBef>
-              <a:spcAft>
-                <a:spcPct val="0"/>
-              </a:spcAft>
-              <a:buClrTx/>
-              <a:buSzTx/>
-              <a:buFontTx/>
-              <a:buNone/>
-              <a:tabLst/>
-            </a:pPr>
-            <a:r>
-              <a:rPr kumimoji="0" lang="zh-CN" altLang="en-US" sz="1800" b="1" i="0" u="none" strike="noStrike" normalizeH="0" baseline="0" dirty="0" smtClean="0">
-                <a:ln w="12700">
-                  <a:solidFill>
-                    <a:schemeClr val="tx2">
-                      <a:satMod val="155000"/>
-                    </a:schemeClr>
-                  </a:solidFill>
-                  <a:prstDash val="solid"/>
-                </a:ln>
-                <a:solidFill>
-                  <a:schemeClr val="bg2">
-                    <a:tint val="85000"/>
-                    <a:satMod val="155000"/>
-                  </a:schemeClr>
-                </a:solidFill>
-                <a:effectLst>
-                  <a:outerShdw blurRad="41275" dist="20320" dir="1800000" algn="tl" rotWithShape="0">
-                    <a:srgbClr val="000000">
-                      <a:alpha val="40000"/>
-                    </a:srgbClr>
-                  </a:outerShdw>
-                </a:effectLst>
-                <a:latin typeface="Arial" charset="0"/>
-                <a:ea typeface="微软雅黑" pitchFamily="34" charset="-122"/>
-              </a:rPr>
-              <a:t>加一个临时表</a:t>
-            </a:r>
-            <a:endParaRPr kumimoji="0" lang="zh-CN" altLang="en-US" sz="1800" b="1" i="0" u="none" strike="noStrike" normalizeH="0" baseline="0" dirty="0" smtClean="0">
-              <a:ln w="12700">
-                <a:solidFill>
-                  <a:schemeClr val="tx2">
-                    <a:satMod val="155000"/>
-                  </a:schemeClr>
-                </a:solidFill>
-                <a:prstDash val="solid"/>
-              </a:ln>
-              <a:solidFill>
-                <a:schemeClr val="bg2">
-                  <a:tint val="85000"/>
-                  <a:satMod val="155000"/>
-                </a:schemeClr>
-              </a:solidFill>
-              <a:effectLst>
-                <a:outerShdw blurRad="41275" dist="20320" dir="1800000" algn="tl" rotWithShape="0">
-                  <a:srgbClr val="000000">
-                    <a:alpha val="40000"/>
-                  </a:srgbClr>
-                </a:outerShdw>
-              </a:effectLst>
-              <a:latin typeface="Arial" charset="0"/>
-              <a:ea typeface="微软雅黑" pitchFamily="34" charset="-122"/>
-            </a:endParaRPr>
-          </a:p>
-        </p:txBody>
-      </p:sp>
-      <p:sp>
-        <p:nvSpPr>
-          <p:cNvPr id="72" name="椭圆 71"/>
-          <p:cNvSpPr/>
-          <p:nvPr/>
-        </p:nvSpPr>
-        <p:spPr bwMode="auto">
-          <a:xfrm>
-            <a:off x="5214910" y="4214818"/>
-            <a:ext cx="3929090" cy="1643050"/>
-          </a:xfrm>
-          <a:prstGeom prst="ellipse">
-            <a:avLst/>
-          </a:prstGeom>
-          <a:solidFill>
-            <a:schemeClr val="accent1"/>
-          </a:solidFill>
-          <a:ln w="25400" cap="flat" cmpd="sng" algn="ctr">
-            <a:solidFill>
-              <a:schemeClr val="tx1"/>
-            </a:solidFill>
-            <a:prstDash val="solid"/>
-            <a:round/>
-            <a:headEnd type="none" w="med" len="med"/>
-            <a:tailEnd type="none" w="med" len="med"/>
-          </a:ln>
-          <a:effectLst/>
-        </p:spPr>
-        <p:txBody>
-          <a:bodyPr vert="horz" wrap="none" lIns="91440" tIns="45720" rIns="91440" bIns="45720" numCol="1" rtlCol="0" anchor="ctr" anchorCtr="0" compatLnSpc="1">
-            <a:prstTxWarp prst="textNoShape">
-              <a:avLst/>
-            </a:prstTxWarp>
-          </a:bodyPr>
-          <a:lstStyle/>
-          <a:p>
-            <a:pPr marL="0" marR="0" indent="0" algn="ctr" defTabSz="914400" rtl="0" eaLnBrk="1" fontAlgn="base" latinLnBrk="0" hangingPunct="1">
-              <a:lnSpc>
-                <a:spcPct val="100000"/>
-              </a:lnSpc>
-              <a:spcBef>
-                <a:spcPct val="0"/>
-              </a:spcBef>
-              <a:spcAft>
-                <a:spcPct val="0"/>
-              </a:spcAft>
-              <a:buClrTx/>
-              <a:buSzTx/>
-              <a:buFontTx/>
-              <a:buNone/>
-              <a:tabLst/>
-            </a:pPr>
-            <a:r>
-              <a:rPr kumimoji="0" lang="zh-CN" altLang="en-US" sz="1800" b="0" i="0" u="none" strike="noStrike" cap="none" normalizeH="0" baseline="0" dirty="0" smtClean="0">
-                <a:ln>
-                  <a:noFill/>
-                </a:ln>
-                <a:solidFill>
-                  <a:schemeClr val="tx1"/>
-                </a:solidFill>
-                <a:effectLst/>
-                <a:latin typeface="Arial" charset="0"/>
-                <a:ea typeface="微软雅黑" pitchFamily="34" charset="-122"/>
-              </a:rPr>
-              <a:t>针对表中的数据加项目数据标识列</a:t>
-            </a:r>
-            <a:endParaRPr kumimoji="0" lang="zh-CN" altLang="en-US" sz="1800" b="0" i="0" u="none" strike="noStrike" cap="none" normalizeH="0" baseline="0" dirty="0" smtClean="0">
-              <a:ln>
-                <a:noFill/>
-              </a:ln>
-              <a:solidFill>
                 <a:schemeClr val="tx1"/>
               </a:solidFill>
               <a:effectLst/>
               <a:latin typeface="Arial" charset="0"/>
               <a:ea typeface="微软雅黑" pitchFamily="34" charset="-122"/>
             </a:endParaRPr>
+          </a:p>
+        </p:txBody>
+      </p:sp>
+      <p:sp>
+        <p:nvSpPr>
+          <p:cNvPr id="99" name="TextBox 98"/>
+          <p:cNvSpPr txBox="1"/>
+          <p:nvPr/>
+        </p:nvSpPr>
+        <p:spPr>
+          <a:xfrm>
+            <a:off x="8182312" y="1428736"/>
+            <a:ext cx="461665" cy="2428892"/>
+          </a:xfrm>
+          <a:prstGeom prst="rect">
+            <a:avLst/>
+          </a:prstGeom>
+          <a:noFill/>
+        </p:spPr>
+        <p:txBody>
+          <a:bodyPr vert="eaVert" wrap="square" rtlCol="0">
+            <a:spAutoFit/>
+          </a:bodyPr>
+          <a:lstStyle/>
+          <a:p>
+            <a:r>
+              <a:rPr lang="en-US" altLang="zh-CN" dirty="0" smtClean="0"/>
+              <a:t>LOG</a:t>
+            </a:r>
+            <a:r>
+              <a:rPr lang="zh-CN" altLang="en-US" dirty="0" smtClean="0"/>
+              <a:t>日志分类记录</a:t>
+            </a:r>
+            <a:endParaRPr lang="zh-CN" altLang="en-US" dirty="0"/>
           </a:p>
         </p:txBody>
       </p:sp>
@@ -8270,6 +7995,435 @@
       </p:grpSpPr>
       <p:sp>
         <p:nvSpPr>
+          <p:cNvPr id="69" name="椭圆 68"/>
+          <p:cNvSpPr/>
+          <p:nvPr/>
+        </p:nvSpPr>
+        <p:spPr bwMode="auto">
+          <a:xfrm>
+            <a:off x="500034" y="500042"/>
+            <a:ext cx="8215370" cy="3857652"/>
+          </a:xfrm>
+          <a:prstGeom prst="ellipse">
+            <a:avLst/>
+          </a:prstGeom>
+          <a:solidFill>
+            <a:schemeClr val="accent1"/>
+          </a:solidFill>
+          <a:ln w="25400" cap="flat" cmpd="sng" algn="ctr">
+            <a:solidFill>
+              <a:schemeClr val="tx1"/>
+            </a:solidFill>
+            <a:prstDash val="solid"/>
+            <a:round/>
+            <a:headEnd type="none" w="med" len="med"/>
+            <a:tailEnd type="none" w="med" len="med"/>
+          </a:ln>
+          <a:effectLst/>
+        </p:spPr>
+        <p:txBody>
+          <a:bodyPr vert="horz" wrap="none" lIns="91440" tIns="45720" rIns="91440" bIns="45720" numCol="1" rtlCol="0" anchor="ctr" anchorCtr="0" compatLnSpc="1">
+            <a:prstTxWarp prst="textNoShape">
+              <a:avLst/>
+            </a:prstTxWarp>
+          </a:bodyPr>
+          <a:lstStyle/>
+          <a:p>
+            <a:pPr marL="0" marR="0" indent="0" algn="ctr" defTabSz="914400" rtl="0" eaLnBrk="1" fontAlgn="base" latinLnBrk="0" hangingPunct="1">
+              <a:lnSpc>
+                <a:spcPct val="100000"/>
+              </a:lnSpc>
+              <a:spcBef>
+                <a:spcPct val="0"/>
+              </a:spcBef>
+              <a:spcAft>
+                <a:spcPct val="0"/>
+              </a:spcAft>
+              <a:buClrTx/>
+              <a:buSzTx/>
+              <a:buFontTx/>
+              <a:buNone/>
+              <a:tabLst/>
+            </a:pPr>
+            <a:endParaRPr kumimoji="0" lang="zh-CN" altLang="en-US" sz="1800" b="0" i="0" u="none" strike="noStrike" cap="none" normalizeH="0" baseline="0" dirty="0" smtClean="0">
+              <a:ln>
+                <a:noFill/>
+              </a:ln>
+              <a:solidFill>
+                <a:srgbClr val="FF0000"/>
+              </a:solidFill>
+              <a:effectLst/>
+              <a:latin typeface="Arial" charset="0"/>
+              <a:ea typeface="微软雅黑" pitchFamily="34" charset="-122"/>
+            </a:endParaRPr>
+          </a:p>
+        </p:txBody>
+      </p:sp>
+      <p:sp>
+        <p:nvSpPr>
+          <p:cNvPr id="70" name="TextBox 69"/>
+          <p:cNvSpPr txBox="1"/>
+          <p:nvPr/>
+        </p:nvSpPr>
+        <p:spPr>
+          <a:xfrm>
+            <a:off x="857224" y="1928802"/>
+            <a:ext cx="7215238" cy="1569660"/>
+          </a:xfrm>
+          <a:prstGeom prst="rect">
+            <a:avLst/>
+          </a:prstGeom>
+          <a:noFill/>
+        </p:spPr>
+        <p:txBody>
+          <a:bodyPr wrap="square" rtlCol="0">
+            <a:spAutoFit/>
+          </a:bodyPr>
+          <a:lstStyle/>
+          <a:p>
+            <a:r>
+              <a:rPr lang="en-US" altLang="zh-CN" sz="3200" dirty="0" smtClean="0">
+                <a:solidFill>
+                  <a:srgbClr val="FF0000"/>
+                </a:solidFill>
+              </a:rPr>
+              <a:t>OA</a:t>
+            </a:r>
+            <a:r>
+              <a:rPr lang="zh-CN" altLang="en-US" sz="3200" dirty="0" smtClean="0">
+                <a:solidFill>
+                  <a:srgbClr val="FF0000"/>
+                </a:solidFill>
+              </a:rPr>
+              <a:t>项目使用</a:t>
+            </a:r>
+            <a:r>
+              <a:rPr lang="en-US" altLang="zh-CN" sz="3200" dirty="0" smtClean="0">
+                <a:solidFill>
+                  <a:srgbClr val="FF0000"/>
+                </a:solidFill>
+              </a:rPr>
+              <a:t>HTTPSERVICE</a:t>
+            </a:r>
+            <a:r>
+              <a:rPr lang="zh-CN" altLang="en-US" sz="3200" dirty="0" smtClean="0">
+                <a:solidFill>
+                  <a:srgbClr val="FF0000"/>
+                </a:solidFill>
+              </a:rPr>
+              <a:t>框架讨论</a:t>
+            </a:r>
+            <a:endParaRPr lang="en-US" altLang="zh-CN" sz="3200" dirty="0" smtClean="0">
+              <a:solidFill>
+                <a:srgbClr val="FF0000"/>
+              </a:solidFill>
+            </a:endParaRPr>
+          </a:p>
+          <a:p>
+            <a:r>
+              <a:rPr lang="en-US" altLang="zh-CN" sz="3200" dirty="0" smtClean="0">
+                <a:solidFill>
+                  <a:srgbClr val="FF0000"/>
+                </a:solidFill>
+              </a:rPr>
+              <a:t>			   </a:t>
+            </a:r>
+            <a:r>
+              <a:rPr lang="zh-CN" altLang="en-US" sz="3200" dirty="0" smtClean="0">
+                <a:solidFill>
+                  <a:srgbClr val="FF0000"/>
+                </a:solidFill>
+              </a:rPr>
+              <a:t>之</a:t>
+            </a:r>
+            <a:endParaRPr lang="en-US" altLang="zh-CN" sz="3200" dirty="0" smtClean="0">
+              <a:solidFill>
+                <a:srgbClr val="FF0000"/>
+              </a:solidFill>
+            </a:endParaRPr>
+          </a:p>
+          <a:p>
+            <a:r>
+              <a:rPr lang="en-US" altLang="zh-CN" sz="3200" dirty="0" smtClean="0">
+                <a:solidFill>
+                  <a:srgbClr val="FF0000"/>
+                </a:solidFill>
+              </a:rPr>
+              <a:t>		</a:t>
+            </a:r>
+            <a:r>
+              <a:rPr lang="zh-CN" altLang="en-US" sz="3200" dirty="0" smtClean="0">
+                <a:solidFill>
+                  <a:srgbClr val="FF0000"/>
+                </a:solidFill>
+              </a:rPr>
+              <a:t>事务预处理方式</a:t>
+            </a:r>
+            <a:endParaRPr lang="zh-CN" altLang="en-US" sz="3200" dirty="0">
+              <a:solidFill>
+                <a:srgbClr val="FF0000"/>
+              </a:solidFill>
+            </a:endParaRPr>
+          </a:p>
+        </p:txBody>
+      </p:sp>
+      <p:sp>
+        <p:nvSpPr>
+          <p:cNvPr id="71" name="椭圆 70"/>
+          <p:cNvSpPr/>
+          <p:nvPr/>
+        </p:nvSpPr>
+        <p:spPr bwMode="auto">
+          <a:xfrm>
+            <a:off x="214282" y="4214818"/>
+            <a:ext cx="3429024" cy="1571636"/>
+          </a:xfrm>
+          <a:prstGeom prst="ellipse">
+            <a:avLst/>
+          </a:prstGeom>
+          <a:solidFill>
+            <a:schemeClr val="accent1"/>
+          </a:solidFill>
+          <a:ln w="25400" cap="flat" cmpd="sng" algn="ctr">
+            <a:solidFill>
+              <a:schemeClr val="tx1"/>
+            </a:solidFill>
+            <a:prstDash val="solid"/>
+            <a:round/>
+            <a:headEnd type="none" w="med" len="med"/>
+            <a:tailEnd type="none" w="med" len="med"/>
+          </a:ln>
+          <a:effectLst/>
+        </p:spPr>
+        <p:txBody>
+          <a:bodyPr vert="horz" wrap="none" lIns="91440" tIns="45720" rIns="91440" bIns="45720" numCol="1" rtlCol="0" anchor="ctr" anchorCtr="0" compatLnSpc="1">
+            <a:prstTxWarp prst="textNoShape">
+              <a:avLst/>
+            </a:prstTxWarp>
+          </a:bodyPr>
+          <a:lstStyle/>
+          <a:p>
+            <a:pPr marL="0" marR="0" indent="0" algn="ctr" defTabSz="914400" rtl="0" eaLnBrk="1" fontAlgn="base" latinLnBrk="0" hangingPunct="1">
+              <a:lnSpc>
+                <a:spcPct val="100000"/>
+              </a:lnSpc>
+              <a:spcBef>
+                <a:spcPct val="0"/>
+              </a:spcBef>
+              <a:spcAft>
+                <a:spcPct val="0"/>
+              </a:spcAft>
+              <a:buClrTx/>
+              <a:buSzTx/>
+              <a:buFontTx/>
+              <a:buNone/>
+              <a:tabLst/>
+            </a:pPr>
+            <a:r>
+              <a:rPr kumimoji="0" lang="zh-CN" altLang="en-US" sz="1800" b="1" i="0" u="none" strike="noStrike" normalizeH="0" baseline="0" dirty="0" smtClean="0">
+                <a:ln w="12700">
+                  <a:solidFill>
+                    <a:schemeClr val="tx2">
+                      <a:satMod val="155000"/>
+                    </a:schemeClr>
+                  </a:solidFill>
+                  <a:prstDash val="solid"/>
+                </a:ln>
+                <a:solidFill>
+                  <a:schemeClr val="bg2">
+                    <a:tint val="85000"/>
+                    <a:satMod val="155000"/>
+                  </a:schemeClr>
+                </a:solidFill>
+                <a:effectLst>
+                  <a:outerShdw blurRad="41275" dist="20320" dir="1800000" algn="tl" rotWithShape="0">
+                    <a:srgbClr val="000000">
+                      <a:alpha val="40000"/>
+                    </a:srgbClr>
+                  </a:outerShdw>
+                </a:effectLst>
+                <a:latin typeface="Arial" charset="0"/>
+                <a:ea typeface="微软雅黑" pitchFamily="34" charset="-122"/>
+              </a:rPr>
+              <a:t>针对每一个待操作的表</a:t>
+            </a:r>
+            <a:endParaRPr kumimoji="0" lang="en-US" altLang="zh-CN" sz="1800" b="1" i="0" u="none" strike="noStrike" normalizeH="0" baseline="0" dirty="0" smtClean="0">
+              <a:ln w="12700">
+                <a:solidFill>
+                  <a:schemeClr val="tx2">
+                    <a:satMod val="155000"/>
+                  </a:schemeClr>
+                </a:solidFill>
+                <a:prstDash val="solid"/>
+              </a:ln>
+              <a:solidFill>
+                <a:schemeClr val="bg2">
+                  <a:tint val="85000"/>
+                  <a:satMod val="155000"/>
+                </a:schemeClr>
+              </a:solidFill>
+              <a:effectLst>
+                <a:outerShdw blurRad="41275" dist="20320" dir="1800000" algn="tl" rotWithShape="0">
+                  <a:srgbClr val="000000">
+                    <a:alpha val="40000"/>
+                  </a:srgbClr>
+                </a:outerShdw>
+              </a:effectLst>
+              <a:latin typeface="Arial" charset="0"/>
+              <a:ea typeface="微软雅黑" pitchFamily="34" charset="-122"/>
+            </a:endParaRPr>
+          </a:p>
+          <a:p>
+            <a:pPr marL="0" marR="0" indent="0" algn="ctr" defTabSz="914400" rtl="0" eaLnBrk="1" fontAlgn="base" latinLnBrk="0" hangingPunct="1">
+              <a:lnSpc>
+                <a:spcPct val="100000"/>
+              </a:lnSpc>
+              <a:spcBef>
+                <a:spcPct val="0"/>
+              </a:spcBef>
+              <a:spcAft>
+                <a:spcPct val="0"/>
+              </a:spcAft>
+              <a:buClrTx/>
+              <a:buSzTx/>
+              <a:buFontTx/>
+              <a:buNone/>
+              <a:tabLst/>
+            </a:pPr>
+            <a:r>
+              <a:rPr kumimoji="0" lang="zh-CN" altLang="en-US" sz="1800" b="1" i="0" u="none" strike="noStrike" normalizeH="0" baseline="0" dirty="0" smtClean="0">
+                <a:ln w="12700">
+                  <a:solidFill>
+                    <a:schemeClr val="tx2">
+                      <a:satMod val="155000"/>
+                    </a:schemeClr>
+                  </a:solidFill>
+                  <a:prstDash val="solid"/>
+                </a:ln>
+                <a:solidFill>
+                  <a:schemeClr val="bg2">
+                    <a:tint val="85000"/>
+                    <a:satMod val="155000"/>
+                  </a:schemeClr>
+                </a:solidFill>
+                <a:effectLst>
+                  <a:outerShdw blurRad="41275" dist="20320" dir="1800000" algn="tl" rotWithShape="0">
+                    <a:srgbClr val="000000">
+                      <a:alpha val="40000"/>
+                    </a:srgbClr>
+                  </a:outerShdw>
+                </a:effectLst>
+                <a:latin typeface="Arial" charset="0"/>
+                <a:ea typeface="微软雅黑" pitchFamily="34" charset="-122"/>
+              </a:rPr>
+              <a:t>加一个临时表</a:t>
+            </a:r>
+          </a:p>
+        </p:txBody>
+      </p:sp>
+      <p:sp>
+        <p:nvSpPr>
+          <p:cNvPr id="72" name="椭圆 71"/>
+          <p:cNvSpPr/>
+          <p:nvPr/>
+        </p:nvSpPr>
+        <p:spPr bwMode="auto">
+          <a:xfrm>
+            <a:off x="5214910" y="4214818"/>
+            <a:ext cx="3929090" cy="1643050"/>
+          </a:xfrm>
+          <a:prstGeom prst="ellipse">
+            <a:avLst/>
+          </a:prstGeom>
+          <a:solidFill>
+            <a:schemeClr val="accent1"/>
+          </a:solidFill>
+          <a:ln w="25400" cap="flat" cmpd="sng" algn="ctr">
+            <a:solidFill>
+              <a:schemeClr val="tx1"/>
+            </a:solidFill>
+            <a:prstDash val="solid"/>
+            <a:round/>
+            <a:headEnd type="none" w="med" len="med"/>
+            <a:tailEnd type="none" w="med" len="med"/>
+          </a:ln>
+          <a:effectLst/>
+        </p:spPr>
+        <p:txBody>
+          <a:bodyPr vert="horz" wrap="none" lIns="91440" tIns="45720" rIns="91440" bIns="45720" numCol="1" rtlCol="0" anchor="ctr" anchorCtr="0" compatLnSpc="1">
+            <a:prstTxWarp prst="textNoShape">
+              <a:avLst/>
+            </a:prstTxWarp>
+          </a:bodyPr>
+          <a:lstStyle/>
+          <a:p>
+            <a:pPr marL="0" marR="0" indent="0" algn="ctr" defTabSz="914400" rtl="0" eaLnBrk="1" fontAlgn="base" latinLnBrk="0" hangingPunct="1">
+              <a:lnSpc>
+                <a:spcPct val="100000"/>
+              </a:lnSpc>
+              <a:spcBef>
+                <a:spcPct val="0"/>
+              </a:spcBef>
+              <a:spcAft>
+                <a:spcPct val="0"/>
+              </a:spcAft>
+              <a:buClrTx/>
+              <a:buSzTx/>
+              <a:buFontTx/>
+              <a:buNone/>
+              <a:tabLst/>
+            </a:pPr>
+            <a:r>
+              <a:rPr kumimoji="0" lang="zh-CN" altLang="en-US" sz="1800" b="0" i="0" u="none" strike="noStrike" cap="none" normalizeH="0" baseline="0" dirty="0" smtClean="0">
+                <a:ln>
+                  <a:noFill/>
+                </a:ln>
+                <a:solidFill>
+                  <a:schemeClr val="tx1"/>
+                </a:solidFill>
+                <a:effectLst/>
+                <a:latin typeface="Arial" charset="0"/>
+                <a:ea typeface="微软雅黑" pitchFamily="34" charset="-122"/>
+              </a:rPr>
+              <a:t>针对表中的数据加项目数据标识列</a:t>
+            </a:r>
+          </a:p>
+        </p:txBody>
+      </p:sp>
+    </p:spTree>
+  </p:cSld>
+  <p:clrMapOvr>
+    <a:masterClrMapping/>
+  </p:clrMapOvr>
+  <p:timing>
+    <p:tnLst>
+      <p:par>
+        <p:cTn id="1" dur="indefinite" restart="never" nodeType="tmRoot"/>
+      </p:par>
+    </p:tnLst>
+  </p:timing>
+</p:sld>
+</file>
+
+<file path=ppt/slides/slide18.xml><?xml version="1.0" encoding="utf-8"?>
+<p:sld xmlns:a="http://schemas.openxmlformats.org/drawingml/2006/main" xmlns:r="http://schemas.openxmlformats.org/officeDocument/2006/relationships" xmlns:p="http://schemas.openxmlformats.org/presentationml/2006/main">
+  <p:cSld>
+    <p:spTree>
+      <p:nvGrpSpPr>
+        <p:cNvPr id="1" name=""/>
+        <p:cNvGrpSpPr/>
+        <p:nvPr/>
+      </p:nvGrpSpPr>
+      <p:grpSpPr>
+        <a:xfrm>
+          <a:off x="0" y="0"/>
+          <a:ext cx="0" cy="0"/>
+          <a:chOff x="0" y="0"/>
+          <a:chExt cx="0" cy="0"/>
+        </a:xfrm>
+      </p:grpSpPr>
+      <p:sp>
+        <p:nvSpPr>
           <p:cNvPr id="93" name="标题 92"/>
           <p:cNvSpPr>
             <a:spLocks noGrp="1"/>
@@ -8365,17 +8519,6 @@
               </a:rPr>
               <a:t>接口防火墙</a:t>
             </a:r>
-            <a:endParaRPr kumimoji="0" lang="zh-CN" altLang="en-US" sz="1800" b="0" i="0" u="none" strike="noStrike" cap="none" normalizeH="0" baseline="0" dirty="0" smtClean="0">
-              <a:ln>
-                <a:noFill/>
-              </a:ln>
-              <a:solidFill>
-                <a:schemeClr val="tx1"/>
-              </a:solidFill>
-              <a:effectLst/>
-              <a:latin typeface="Arial" charset="0"/>
-              <a:ea typeface="微软雅黑" pitchFamily="34" charset="-122"/>
-            </a:endParaRPr>
           </a:p>
         </p:txBody>
       </p:sp>
@@ -8459,17 +8602,6 @@
               </a:rPr>
               <a:t>协议</a:t>
             </a:r>
-            <a:endParaRPr kumimoji="0" lang="zh-CN" altLang="en-US" sz="1800" b="0" i="0" u="none" strike="noStrike" cap="none" normalizeH="0" baseline="0" smtClean="0">
-              <a:ln>
-                <a:noFill/>
-              </a:ln>
-              <a:solidFill>
-                <a:schemeClr val="tx1"/>
-              </a:solidFill>
-              <a:effectLst/>
-              <a:latin typeface="Arial" charset="0"/>
-              <a:ea typeface="微软雅黑" pitchFamily="34" charset="-122"/>
-            </a:endParaRPr>
           </a:p>
         </p:txBody>
       </p:sp>
@@ -8793,11 +8925,7 @@
             </a:r>
             <a:r>
               <a:rPr lang="zh-CN" altLang="en-US" sz="2400" dirty="0" smtClean="0"/>
-              <a:t>需要</a:t>
-            </a:r>
-            <a:r>
-              <a:rPr lang="zh-CN" altLang="en-US" sz="2400" dirty="0" smtClean="0"/>
-              <a:t>实现，具体为：</a:t>
+              <a:t>需要实现，具体为：</a:t>
             </a:r>
             <a:r>
               <a:rPr lang="en-US" sz="2400" dirty="0" smtClean="0"/>
@@ -8872,15 +9000,7 @@
                   <a:srgbClr val="808080"/>
                 </a:solidFill>
               </a:rPr>
-              <a:t>客户端调用 </a:t>
-            </a:r>
-            <a:r>
-              <a:rPr lang="zh-CN" altLang="en-US" dirty="0" smtClean="0">
-                <a:solidFill>
-                  <a:srgbClr val="808080"/>
-                </a:solidFill>
-              </a:rPr>
-              <a:t>：见下面接口调用的</a:t>
+              <a:t>客户端调用 ：见下面接口调用的</a:t>
             </a:r>
             <a:r>
               <a:rPr lang="en-US" dirty="0" smtClean="0">
@@ -9008,13 +9128,6 @@
               </a:rPr>
               <a:t>原理图</a:t>
             </a:r>
-            <a:endParaRPr lang="zh-CN" altLang="en-US" dirty="0" smtClean="0">
-              <a:solidFill>
-                <a:srgbClr val="00B050"/>
-              </a:solidFill>
-              <a:ea typeface="微软雅黑"/>
-              <a:cs typeface="微软雅黑"/>
-            </a:endParaRPr>
           </a:p>
         </p:txBody>
       </p:sp>
@@ -9143,11 +9256,7 @@
           <a:p>
             <a:r>
               <a:rPr lang="en-US" b="1" i="1" dirty="0" smtClean="0"/>
-              <a:t> a</a:t>
-            </a:r>
-            <a:r>
-              <a:rPr lang="en-US" b="1" i="1" dirty="0" smtClean="0"/>
-              <a:t>.</a:t>
+              <a:t> a.</a:t>
             </a:r>
             <a:r>
               <a:rPr lang="zh-CN" altLang="en-US" b="1" i="1" dirty="0" smtClean="0"/>
@@ -9299,11 +9408,7 @@
             </a:r>
             <a:r>
               <a:rPr lang="zh-CN" altLang="en-US" b="1" i="1" dirty="0" smtClean="0"/>
-              <a:t>中</a:t>
-            </a:r>
-            <a:r>
-              <a:rPr lang="zh-CN" altLang="en-US" b="1" i="1" dirty="0" smtClean="0"/>
-              <a:t>配置</a:t>
+              <a:t>中配置</a:t>
             </a:r>
             <a:endParaRPr lang="en-US" altLang="zh-CN" b="1" i="1" dirty="0" smtClean="0"/>
           </a:p>
@@ -9357,26 +9462,14 @@
           <a:p>
             <a:r>
               <a:rPr lang="en-US" dirty="0" smtClean="0"/>
-              <a:t>    &lt;</a:t>
-            </a:r>
-            <a:r>
-              <a:rPr lang="en-US" dirty="0" smtClean="0"/>
-              <a:t>filter-mapping&gt;</a:t>
+              <a:t>    &lt;filter-mapping&gt;</a:t>
             </a:r>
             <a:endParaRPr lang="zh-CN" altLang="en-US" dirty="0" smtClean="0"/>
           </a:p>
           <a:p>
             <a:r>
               <a:rPr lang="en-US" dirty="0" smtClean="0"/>
-              <a:t>	</a:t>
-            </a:r>
-            <a:r>
-              <a:rPr lang="en-US" dirty="0" smtClean="0"/>
-              <a:t>&lt;</a:t>
-            </a:r>
-            <a:r>
-              <a:rPr lang="en-US" dirty="0" smtClean="0"/>
-              <a:t>filter-name&gt;</a:t>
+              <a:t>	&lt;filter-name&gt;</a:t>
             </a:r>
             <a:r>
               <a:rPr lang="en-US" dirty="0" err="1" smtClean="0"/>
@@ -9391,11 +9484,7 @@
           <a:p>
             <a:r>
               <a:rPr lang="en-US" dirty="0" smtClean="0"/>
-              <a:t>	</a:t>
-            </a:r>
-            <a:r>
-              <a:rPr lang="en-US" dirty="0" smtClean="0"/>
-              <a:t>&lt;</a:t>
+              <a:t>	&lt;</a:t>
             </a:r>
             <a:r>
               <a:rPr lang="en-US" dirty="0" err="1" smtClean="0"/>
@@ -9426,11 +9515,7 @@
           <a:p>
             <a:r>
               <a:rPr lang="en-US" dirty="0" smtClean="0"/>
-              <a:t>   &lt;/</a:t>
-            </a:r>
-            <a:r>
-              <a:rPr lang="en-US" dirty="0" smtClean="0"/>
-              <a:t>filter-mapping&gt;</a:t>
+              <a:t>   &lt;/filter-mapping&gt;</a:t>
             </a:r>
             <a:endParaRPr lang="zh-CN" altLang="en-US" dirty="0" smtClean="0"/>
           </a:p>
@@ -9484,11 +9569,7 @@
           <a:p>
             <a:r>
               <a:rPr lang="en-US" dirty="0" smtClean="0"/>
-              <a:t>   &lt;</a:t>
-            </a:r>
-            <a:r>
-              <a:rPr lang="en-US" dirty="0" smtClean="0"/>
-              <a:t>filter-mapping&gt;  </a:t>
+              <a:t>   &lt;filter-mapping&gt;  </a:t>
             </a:r>
             <a:endParaRPr lang="zh-CN" altLang="en-US" dirty="0" smtClean="0"/>
           </a:p>
@@ -9610,11 +9691,7 @@
           <a:p>
             <a:r>
               <a:rPr lang="en-US" dirty="0" smtClean="0"/>
-              <a:t>        </a:t>
-            </a:r>
-            <a:r>
-              <a:rPr lang="en-US" dirty="0" smtClean="0"/>
-              <a:t>  &lt;</a:t>
+              <a:t>          &lt;</a:t>
             </a:r>
             <a:r>
               <a:rPr lang="en-US" dirty="0" err="1" smtClean="0"/>
@@ -9638,13 +9715,8 @@
             </a:r>
             <a:r>
               <a:rPr lang="en-US" dirty="0" smtClean="0"/>
-              <a:t>-name</a:t>
-            </a:r>
-            <a:r>
-              <a:rPr lang="en-US" dirty="0" smtClean="0"/>
-              <a:t>&gt;</a:t>
-            </a:r>
-            <a:endParaRPr lang="en-US" dirty="0" smtClean="0"/>
+              <a:t>-name&gt;</a:t>
+            </a:r>
           </a:p>
           <a:p>
             <a:r>
@@ -9711,11 +9783,7 @@
           <a:p>
             <a:r>
               <a:rPr lang="en-US" dirty="0" smtClean="0"/>
-              <a:t> </a:t>
-            </a:r>
-            <a:r>
-              <a:rPr lang="en-US" dirty="0" smtClean="0"/>
-              <a:t>          &lt;</a:t>
+              <a:t>           &lt;</a:t>
             </a:r>
             <a:r>
               <a:rPr lang="en-US" dirty="0" err="1" smtClean="0"/>
@@ -9778,11 +9846,7 @@
           <a:p>
             <a:r>
               <a:rPr lang="en-US" dirty="0" smtClean="0"/>
-              <a:t>   </a:t>
-            </a:r>
-            <a:r>
-              <a:rPr lang="en-US" dirty="0" smtClean="0"/>
-              <a:t>&lt;/context-</a:t>
+              <a:t>   &lt;/context-</a:t>
             </a:r>
             <a:r>
               <a:rPr lang="en-US" dirty="0" err="1" smtClean="0"/>
@@ -10477,6 +10541,438 @@
       </p:grpSpPr>
       <p:sp>
         <p:nvSpPr>
+          <p:cNvPr id="4" name="TextBox 3"/>
+          <p:cNvSpPr txBox="1"/>
+          <p:nvPr/>
+        </p:nvSpPr>
+        <p:spPr>
+          <a:xfrm>
+            <a:off x="285720" y="428604"/>
+            <a:ext cx="8429684" cy="5632311"/>
+          </a:xfrm>
+          <a:prstGeom prst="rect">
+            <a:avLst/>
+          </a:prstGeom>
+          <a:noFill/>
+        </p:spPr>
+        <p:txBody>
+          <a:bodyPr wrap="square" rtlCol="0">
+            <a:spAutoFit/>
+          </a:bodyPr>
+          <a:lstStyle/>
+          <a:p>
+            <a:r>
+              <a:rPr lang="en-US" altLang="zh-CN" b="1" i="1" dirty="0" smtClean="0"/>
+              <a:t>g.log4j</a:t>
+            </a:r>
+            <a:r>
+              <a:rPr lang="zh-CN" altLang="en-US" b="1" i="1" dirty="0" smtClean="0"/>
+              <a:t>配置追加：</a:t>
+            </a:r>
+            <a:endParaRPr lang="en-US" altLang="zh-CN" b="1" i="1" dirty="0" smtClean="0"/>
+          </a:p>
+          <a:p>
+            <a:r>
+              <a:rPr lang="en-US" altLang="zh-CN" dirty="0" smtClean="0"/>
+              <a:t>	&lt;</a:t>
+            </a:r>
+            <a:r>
+              <a:rPr lang="en-US" altLang="zh-CN" dirty="0" err="1" smtClean="0"/>
+              <a:t>appender</a:t>
+            </a:r>
+            <a:r>
+              <a:rPr lang="en-US" altLang="zh-CN" dirty="0" smtClean="0"/>
+              <a:t> name="</a:t>
+            </a:r>
+            <a:r>
+              <a:rPr lang="en-US" altLang="zh-CN" dirty="0" err="1" smtClean="0"/>
+              <a:t>httpServiceZAQ</a:t>
+            </a:r>
+            <a:r>
+              <a:rPr lang="en-US" altLang="zh-CN" dirty="0" smtClean="0"/>
+              <a:t>" </a:t>
+            </a:r>
+            <a:r>
+              <a:rPr lang="en-US" altLang="zh-CN" dirty="0" smtClean="0"/>
+              <a:t>		class</a:t>
+            </a:r>
+            <a:r>
+              <a:rPr lang="en-US" altLang="zh-CN" dirty="0" smtClean="0"/>
+              <a:t>="org.apache.log4j.RollingFileAppender"&gt;</a:t>
+            </a:r>
+          </a:p>
+          <a:p>
+            <a:r>
+              <a:rPr lang="en-US" altLang="zh-CN" dirty="0" smtClean="0"/>
+              <a:t>       </a:t>
+            </a:r>
+            <a:r>
+              <a:rPr lang="en-US" altLang="zh-CN" dirty="0" smtClean="0"/>
+              <a:t>		 </a:t>
+            </a:r>
+            <a:r>
+              <a:rPr lang="en-US" altLang="zh-CN" dirty="0" smtClean="0"/>
+              <a:t>&lt;</a:t>
+            </a:r>
+            <a:r>
+              <a:rPr lang="en-US" altLang="zh-CN" dirty="0" err="1" smtClean="0"/>
+              <a:t>param</a:t>
+            </a:r>
+            <a:r>
+              <a:rPr lang="en-US" altLang="zh-CN" dirty="0" smtClean="0"/>
+              <a:t> name="encoding" value="UTF-8" /&gt;</a:t>
+            </a:r>
+          </a:p>
+          <a:p>
+            <a:r>
+              <a:rPr lang="en-US" altLang="zh-CN" dirty="0" smtClean="0"/>
+              <a:t>    </a:t>
+            </a:r>
+            <a:r>
+              <a:rPr lang="en-US" altLang="zh-CN" dirty="0" smtClean="0"/>
+              <a:t>		&lt;</a:t>
+            </a:r>
+            <a:r>
+              <a:rPr lang="en-US" altLang="zh-CN" dirty="0" err="1" smtClean="0"/>
+              <a:t>param</a:t>
+            </a:r>
+            <a:r>
+              <a:rPr lang="en-US" altLang="zh-CN" dirty="0" smtClean="0"/>
+              <a:t> name="File" value="../logs/http-service.log" /&gt;</a:t>
+            </a:r>
+          </a:p>
+          <a:p>
+            <a:r>
+              <a:rPr lang="en-US" altLang="zh-CN" dirty="0" smtClean="0"/>
+              <a:t>   </a:t>
+            </a:r>
+            <a:r>
+              <a:rPr lang="en-US" altLang="zh-CN" dirty="0" smtClean="0"/>
+              <a:t>		 </a:t>
+            </a:r>
+            <a:r>
+              <a:rPr lang="en-US" altLang="zh-CN" dirty="0" smtClean="0"/>
+              <a:t>&lt;</a:t>
+            </a:r>
+            <a:r>
+              <a:rPr lang="en-US" altLang="zh-CN" dirty="0" err="1" smtClean="0"/>
+              <a:t>param</a:t>
+            </a:r>
+            <a:r>
+              <a:rPr lang="en-US" altLang="zh-CN" dirty="0" smtClean="0"/>
+              <a:t> name="</a:t>
+            </a:r>
+            <a:r>
+              <a:rPr lang="en-US" altLang="zh-CN" dirty="0" err="1" smtClean="0"/>
+              <a:t>DatePattern</a:t>
+            </a:r>
+            <a:r>
+              <a:rPr lang="en-US" altLang="zh-CN" dirty="0" smtClean="0"/>
+              <a:t>" value="'_'</a:t>
+            </a:r>
+            <a:r>
+              <a:rPr lang="en-US" altLang="zh-CN" dirty="0" err="1" smtClean="0"/>
+              <a:t>yyyy</a:t>
+            </a:r>
+            <a:r>
+              <a:rPr lang="en-US" altLang="zh-CN" dirty="0" smtClean="0"/>
+              <a:t>-MM-</a:t>
+            </a:r>
+            <a:r>
+              <a:rPr lang="en-US" altLang="zh-CN" dirty="0" err="1" smtClean="0"/>
+              <a:t>dd'.log</a:t>
+            </a:r>
+            <a:r>
+              <a:rPr lang="en-US" altLang="zh-CN" dirty="0" smtClean="0"/>
+              <a:t>'" /&gt;</a:t>
+            </a:r>
+          </a:p>
+          <a:p>
+            <a:r>
+              <a:rPr lang="en-US" altLang="zh-CN" dirty="0" smtClean="0"/>
+              <a:t>   </a:t>
+            </a:r>
+            <a:r>
+              <a:rPr lang="en-US" altLang="zh-CN" dirty="0" smtClean="0"/>
+              <a:t>		 </a:t>
+            </a:r>
+            <a:r>
+              <a:rPr lang="en-US" altLang="zh-CN" dirty="0" smtClean="0"/>
+              <a:t>&lt;</a:t>
+            </a:r>
+            <a:r>
+              <a:rPr lang="en-US" altLang="zh-CN" dirty="0" err="1" smtClean="0"/>
+              <a:t>param</a:t>
+            </a:r>
+            <a:r>
+              <a:rPr lang="en-US" altLang="zh-CN" dirty="0" smtClean="0"/>
+              <a:t> name="Append" value="true" /&gt;</a:t>
+            </a:r>
+          </a:p>
+          <a:p>
+            <a:r>
+              <a:rPr lang="en-US" altLang="zh-CN" dirty="0" smtClean="0"/>
+              <a:t>   </a:t>
+            </a:r>
+            <a:r>
+              <a:rPr lang="en-US" altLang="zh-CN" dirty="0" smtClean="0"/>
+              <a:t>		 </a:t>
+            </a:r>
+            <a:r>
+              <a:rPr lang="en-US" altLang="zh-CN" dirty="0" smtClean="0"/>
+              <a:t>&lt;</a:t>
+            </a:r>
+            <a:r>
+              <a:rPr lang="en-US" altLang="zh-CN" dirty="0" err="1" smtClean="0"/>
+              <a:t>param</a:t>
+            </a:r>
+            <a:r>
+              <a:rPr lang="en-US" altLang="zh-CN" dirty="0" smtClean="0"/>
+              <a:t> name="</a:t>
+            </a:r>
+            <a:r>
+              <a:rPr lang="en-US" altLang="zh-CN" dirty="0" err="1" smtClean="0"/>
+              <a:t>MaxFileSize</a:t>
+            </a:r>
+            <a:r>
+              <a:rPr lang="en-US" altLang="zh-CN" dirty="0" smtClean="0"/>
+              <a:t>" value="3000KB" /&gt;</a:t>
+            </a:r>
+          </a:p>
+          <a:p>
+            <a:r>
+              <a:rPr lang="en-US" altLang="zh-CN" dirty="0" smtClean="0"/>
+              <a:t>    </a:t>
+            </a:r>
+            <a:r>
+              <a:rPr lang="en-US" altLang="zh-CN" dirty="0" smtClean="0"/>
+              <a:t>		&lt;</a:t>
+            </a:r>
+            <a:r>
+              <a:rPr lang="en-US" altLang="zh-CN" dirty="0" smtClean="0"/>
+              <a:t>layout class="org.apache.log4j.PatternLayout"&gt;</a:t>
+            </a:r>
+          </a:p>
+          <a:p>
+            <a:r>
+              <a:rPr lang="en-US" altLang="zh-CN" dirty="0" smtClean="0"/>
+              <a:t>     </a:t>
+            </a:r>
+            <a:r>
+              <a:rPr lang="en-US" altLang="zh-CN" dirty="0" smtClean="0"/>
+              <a:t>		 	&lt;</a:t>
+            </a:r>
+            <a:r>
+              <a:rPr lang="en-US" altLang="zh-CN" dirty="0" err="1" smtClean="0"/>
+              <a:t>param</a:t>
+            </a:r>
+            <a:r>
+              <a:rPr lang="en-US" altLang="zh-CN" dirty="0" smtClean="0"/>
+              <a:t> name="</a:t>
+            </a:r>
+            <a:r>
+              <a:rPr lang="en-US" altLang="zh-CN" dirty="0" err="1" smtClean="0"/>
+              <a:t>ConversionPattern</a:t>
+            </a:r>
+            <a:r>
+              <a:rPr lang="en-US" altLang="zh-CN" dirty="0" smtClean="0"/>
+              <a:t>" value="[http-service-</a:t>
+            </a:r>
+            <a:r>
+              <a:rPr lang="en-US" altLang="zh-CN" dirty="0" err="1" smtClean="0"/>
+              <a:t>zaq</a:t>
+            </a:r>
+            <a:r>
+              <a:rPr lang="en-US" altLang="zh-CN" dirty="0" smtClean="0"/>
+              <a:t>] [%-5p] %d{</a:t>
+            </a:r>
+            <a:r>
+              <a:rPr lang="en-US" altLang="zh-CN" dirty="0" err="1" smtClean="0"/>
+              <a:t>yyyy</a:t>
+            </a:r>
+            <a:r>
+              <a:rPr lang="en-US" altLang="zh-CN" dirty="0" smtClean="0"/>
+              <a:t>-MM-</a:t>
+            </a:r>
+            <a:r>
+              <a:rPr lang="en-US" altLang="zh-CN" dirty="0" err="1" smtClean="0"/>
+              <a:t>dd</a:t>
+            </a:r>
+            <a:r>
+              <a:rPr lang="en-US" altLang="zh-CN" dirty="0" smtClean="0"/>
+              <a:t> </a:t>
+            </a:r>
+            <a:r>
+              <a:rPr lang="en-US" altLang="zh-CN" dirty="0" err="1" smtClean="0"/>
+              <a:t>HH:mm:ss,SSS</a:t>
+            </a:r>
+            <a:r>
+              <a:rPr lang="en-US" altLang="zh-CN" dirty="0" smtClean="0"/>
+              <a:t>} method:%</a:t>
+            </a:r>
+            <a:r>
+              <a:rPr lang="en-US" altLang="zh-CN" dirty="0" err="1" smtClean="0"/>
+              <a:t>l%n%m%n</a:t>
+            </a:r>
+            <a:r>
+              <a:rPr lang="en-US" altLang="zh-CN" dirty="0" smtClean="0"/>
+              <a:t>"/&gt;</a:t>
+            </a:r>
+          </a:p>
+          <a:p>
+            <a:r>
+              <a:rPr lang="en-US" altLang="zh-CN" dirty="0" smtClean="0"/>
+              <a:t>  </a:t>
+            </a:r>
+            <a:r>
+              <a:rPr lang="en-US" altLang="zh-CN" dirty="0" smtClean="0"/>
+              <a:t>		  </a:t>
+            </a:r>
+            <a:r>
+              <a:rPr lang="en-US" altLang="zh-CN" dirty="0" smtClean="0"/>
+              <a:t>&lt;/layout&gt;</a:t>
+            </a:r>
+          </a:p>
+          <a:p>
+            <a:r>
+              <a:rPr lang="en-US" altLang="zh-CN" dirty="0" smtClean="0"/>
+              <a:t>    </a:t>
+            </a:r>
+            <a:r>
+              <a:rPr lang="en-US" altLang="zh-CN" dirty="0" smtClean="0"/>
+              <a:t>	&lt;/</a:t>
+            </a:r>
+            <a:r>
+              <a:rPr lang="en-US" altLang="zh-CN" dirty="0" err="1" smtClean="0"/>
+              <a:t>appender</a:t>
+            </a:r>
+            <a:r>
+              <a:rPr lang="en-US" altLang="zh-CN" dirty="0" smtClean="0"/>
+              <a:t>&gt;</a:t>
+            </a:r>
+          </a:p>
+          <a:p>
+            <a:endParaRPr lang="zh-CN" altLang="en-US" dirty="0" smtClean="0"/>
+          </a:p>
+          <a:p>
+            <a:r>
+              <a:rPr lang="en-US" altLang="zh-CN" dirty="0" smtClean="0"/>
+              <a:t>	&lt;</a:t>
+            </a:r>
+            <a:r>
+              <a:rPr lang="en-US" altLang="zh-CN" dirty="0" smtClean="0"/>
+              <a:t>logger name="com.zaq"&gt;</a:t>
+            </a:r>
+          </a:p>
+          <a:p>
+            <a:r>
+              <a:rPr lang="en-US" altLang="zh-CN" dirty="0" smtClean="0"/>
+              <a:t>     </a:t>
+            </a:r>
+            <a:r>
+              <a:rPr lang="en-US" altLang="zh-CN" dirty="0" smtClean="0"/>
+              <a:t>	 </a:t>
+            </a:r>
+            <a:r>
+              <a:rPr lang="en-US" altLang="zh-CN" smtClean="0"/>
+              <a:t>	&lt;</a:t>
+            </a:r>
+            <a:r>
+              <a:rPr lang="en-US" altLang="zh-CN" dirty="0" smtClean="0"/>
+              <a:t>level value="DEBUG"/&gt;</a:t>
+            </a:r>
+          </a:p>
+          <a:p>
+            <a:r>
+              <a:rPr lang="en-US" altLang="zh-CN" dirty="0" smtClean="0"/>
+              <a:t>        </a:t>
+            </a:r>
+            <a:r>
+              <a:rPr lang="en-US" altLang="zh-CN" dirty="0" smtClean="0"/>
+              <a:t>		&lt;</a:t>
+            </a:r>
+            <a:r>
+              <a:rPr lang="en-US" altLang="zh-CN" dirty="0" err="1" smtClean="0"/>
+              <a:t>appender</a:t>
+            </a:r>
+            <a:r>
+              <a:rPr lang="en-US" altLang="zh-CN" dirty="0" smtClean="0"/>
+              <a:t>-ref ref="CONSOLE"/&gt;</a:t>
+            </a:r>
+          </a:p>
+          <a:p>
+            <a:r>
+              <a:rPr lang="en-US" altLang="zh-CN" dirty="0" smtClean="0"/>
+              <a:t>        </a:t>
+            </a:r>
+            <a:r>
+              <a:rPr lang="en-US" altLang="zh-CN" dirty="0" smtClean="0"/>
+              <a:t>		&lt;</a:t>
+            </a:r>
+            <a:r>
+              <a:rPr lang="en-US" altLang="zh-CN" dirty="0" err="1" smtClean="0"/>
+              <a:t>appender</a:t>
+            </a:r>
+            <a:r>
+              <a:rPr lang="en-US" altLang="zh-CN" dirty="0" smtClean="0"/>
+              <a:t>-ref ref="</a:t>
+            </a:r>
+            <a:r>
+              <a:rPr lang="en-US" altLang="zh-CN" dirty="0" err="1" smtClean="0"/>
+              <a:t>httpServiceZAQ</a:t>
+            </a:r>
+            <a:r>
+              <a:rPr lang="en-US" altLang="zh-CN" dirty="0" smtClean="0"/>
+              <a:t>" /&gt; </a:t>
+            </a:r>
+          </a:p>
+          <a:p>
+            <a:r>
+              <a:rPr lang="en-US" altLang="zh-CN" dirty="0" smtClean="0"/>
+              <a:t>   </a:t>
+            </a:r>
+            <a:r>
+              <a:rPr lang="en-US" altLang="zh-CN" dirty="0" smtClean="0"/>
+              <a:t>	 </a:t>
+            </a:r>
+            <a:r>
+              <a:rPr lang="en-US" altLang="zh-CN" dirty="0" smtClean="0"/>
+              <a:t>&lt;/logger&gt;</a:t>
+            </a:r>
+            <a:endParaRPr lang="zh-CN" altLang="en-US" dirty="0" smtClean="0"/>
+          </a:p>
+          <a:p>
+            <a:endParaRPr lang="zh-CN" altLang="en-US" dirty="0"/>
+          </a:p>
+        </p:txBody>
+      </p:sp>
+    </p:spTree>
+  </p:cSld>
+  <p:clrMapOvr>
+    <a:masterClrMapping/>
+  </p:clrMapOvr>
+</p:sld>
+</file>
+
+<file path=ppt/slides/slide9.xml><?xml version="1.0" encoding="utf-8"?>
+<p:sld xmlns:a="http://schemas.openxmlformats.org/drawingml/2006/main" xmlns:r="http://schemas.openxmlformats.org/officeDocument/2006/relationships" xmlns:p="http://schemas.openxmlformats.org/presentationml/2006/main">
+  <p:cSld>
+    <p:spTree>
+      <p:nvGrpSpPr>
+        <p:cNvPr id="1" name=""/>
+        <p:cNvGrpSpPr/>
+        <p:nvPr/>
+      </p:nvGrpSpPr>
+      <p:grpSpPr>
+        <a:xfrm>
+          <a:off x="0" y="0"/>
+          <a:ext cx="0" cy="0"/>
+          <a:chOff x="0" y="0"/>
+          <a:chExt cx="0" cy="0"/>
+        </a:xfrm>
+      </p:grpSpPr>
+      <p:sp>
+        <p:nvSpPr>
           <p:cNvPr id="34" name="标题 33"/>
           <p:cNvSpPr>
             <a:spLocks noGrp="1"/>
@@ -10676,310 +11172,6 @@
               <a:t>: </a:t>
             </a:r>
             <a:endParaRPr lang="zh-CN" altLang="en-US" dirty="0"/>
-          </a:p>
-        </p:txBody>
-      </p:sp>
-    </p:spTree>
-  </p:cSld>
-  <p:clrMapOvr>
-    <a:masterClrMapping/>
-  </p:clrMapOvr>
-  <p:timing>
-    <p:tnLst>
-      <p:par>
-        <p:cTn id="1" dur="indefinite" restart="never" nodeType="tmRoot"/>
-      </p:par>
-    </p:tnLst>
-  </p:timing>
-</p:sld>
-</file>
-
-<file path=ppt/slides/slide9.xml><?xml version="1.0" encoding="utf-8"?>
-<p:sld xmlns:a="http://schemas.openxmlformats.org/drawingml/2006/main" xmlns:r="http://schemas.openxmlformats.org/officeDocument/2006/relationships" xmlns:p="http://schemas.openxmlformats.org/presentationml/2006/main">
-  <p:cSld>
-    <p:spTree>
-      <p:nvGrpSpPr>
-        <p:cNvPr id="1" name=""/>
-        <p:cNvGrpSpPr/>
-        <p:nvPr/>
-      </p:nvGrpSpPr>
-      <p:grpSpPr>
-        <a:xfrm>
-          <a:off x="0" y="0"/>
-          <a:ext cx="0" cy="0"/>
-          <a:chOff x="0" y="0"/>
-          <a:chExt cx="0" cy="0"/>
-        </a:xfrm>
-      </p:grpSpPr>
-      <p:sp>
-        <p:nvSpPr>
-          <p:cNvPr id="37" name="矩形 36"/>
-          <p:cNvSpPr/>
-          <p:nvPr/>
-        </p:nvSpPr>
-        <p:spPr>
-          <a:xfrm>
-            <a:off x="500034" y="142852"/>
-            <a:ext cx="8072494" cy="369332"/>
-          </a:xfrm>
-          <a:prstGeom prst="rect">
-            <a:avLst/>
-          </a:prstGeom>
-        </p:spPr>
-        <p:txBody>
-          <a:bodyPr wrap="square">
-            <a:spAutoFit/>
-          </a:bodyPr>
-          <a:lstStyle/>
-          <a:p>
-            <a:r>
-              <a:rPr lang="zh-CN" altLang="en-US" dirty="0" smtClean="0"/>
-              <a:t>可以开发的服务接口有下面</a:t>
-            </a:r>
-            <a:r>
-              <a:rPr lang="en-US" dirty="0" smtClean="0"/>
-              <a:t>5</a:t>
-            </a:r>
-            <a:r>
-              <a:rPr lang="zh-CN" altLang="en-US" dirty="0" smtClean="0"/>
-              <a:t>个（接口说明详见</a:t>
-            </a:r>
-            <a:r>
-              <a:rPr lang="en-US" altLang="zh-CN" dirty="0" smtClean="0"/>
-              <a:t>【</a:t>
-            </a:r>
-            <a:r>
-              <a:rPr lang="zh-CN" altLang="en-US" dirty="0" smtClean="0"/>
-              <a:t>接口说明</a:t>
-            </a:r>
-            <a:r>
-              <a:rPr lang="en-US" dirty="0" smtClean="0"/>
-              <a:t>5</a:t>
-            </a:r>
-            <a:r>
-              <a:rPr lang="en-US" altLang="zh-CN" dirty="0" smtClean="0"/>
-              <a:t>】</a:t>
-            </a:r>
-            <a:r>
-              <a:rPr lang="zh-CN" altLang="en-US" dirty="0" smtClean="0"/>
-              <a:t>）：</a:t>
-            </a:r>
-            <a:endParaRPr lang="zh-CN" altLang="en-US" dirty="0"/>
-          </a:p>
-        </p:txBody>
-      </p:sp>
-      <p:pic>
-        <p:nvPicPr>
-          <p:cNvPr id="38" name="图片 37"/>
-          <p:cNvPicPr/>
-          <p:nvPr/>
-        </p:nvPicPr>
-        <p:blipFill>
-          <a:blip r:embed="rId2"/>
-          <a:srcRect/>
-          <a:stretch>
-            <a:fillRect/>
-          </a:stretch>
-        </p:blipFill>
-        <p:spPr bwMode="auto">
-          <a:xfrm>
-            <a:off x="214282" y="500042"/>
-            <a:ext cx="8715404" cy="5572140"/>
-          </a:xfrm>
-          <a:prstGeom prst="rect">
-            <a:avLst/>
-          </a:prstGeom>
-          <a:noFill/>
-          <a:ln w="9525">
-            <a:noFill/>
-            <a:miter lim="800000"/>
-            <a:headEnd/>
-            <a:tailEnd/>
-          </a:ln>
-        </p:spPr>
-      </p:pic>
-      <p:sp>
-        <p:nvSpPr>
-          <p:cNvPr id="10241" name="Rectangle 1"/>
-          <p:cNvSpPr>
-            <a:spLocks noChangeArrowheads="1"/>
-          </p:cNvSpPr>
-          <p:nvPr/>
-        </p:nvSpPr>
-        <p:spPr bwMode="auto">
-          <a:xfrm>
-            <a:off x="0" y="6143644"/>
-            <a:ext cx="9144000" cy="646331"/>
-          </a:xfrm>
-          <a:prstGeom prst="rect">
-            <a:avLst/>
-          </a:prstGeom>
-          <a:noFill/>
-          <a:ln w="9525">
-            <a:noFill/>
-            <a:miter lim="800000"/>
-            <a:headEnd/>
-            <a:tailEnd/>
-          </a:ln>
-          <a:effectLst/>
-        </p:spPr>
-        <p:txBody>
-          <a:bodyPr vert="horz" wrap="square" lIns="91440" tIns="45720" rIns="91440" bIns="45720" numCol="1" anchor="ctr" anchorCtr="0" compatLnSpc="1">
-            <a:prstTxWarp prst="textNoShape">
-              <a:avLst/>
-            </a:prstTxWarp>
-            <a:spAutoFit/>
-          </a:bodyPr>
-          <a:lstStyle/>
-          <a:p>
-            <a:pPr marL="0" marR="0" lvl="0" indent="0" algn="l" defTabSz="914400" rtl="0" eaLnBrk="1" fontAlgn="base" latinLnBrk="0" hangingPunct="1">
-              <a:lnSpc>
-                <a:spcPct val="100000"/>
-              </a:lnSpc>
-              <a:spcBef>
-                <a:spcPct val="0"/>
-              </a:spcBef>
-              <a:spcAft>
-                <a:spcPct val="0"/>
-              </a:spcAft>
-              <a:buClrTx/>
-              <a:buSzTx/>
-              <a:buFontTx/>
-              <a:buNone/>
-              <a:tabLst/>
-            </a:pPr>
-            <a:r>
-              <a:rPr kumimoji="0" lang="zh-CN" sz="2000" b="0" i="0" u="none" strike="noStrike" cap="none" normalizeH="0" baseline="0" dirty="0" smtClean="0">
-                <a:ln>
-                  <a:noFill/>
-                </a:ln>
-                <a:solidFill>
-                  <a:schemeClr val="tx1"/>
-                </a:solidFill>
-                <a:effectLst/>
-                <a:latin typeface="Calibri" pitchFamily="34" charset="0"/>
-                <a:ea typeface="宋体" pitchFamily="2" charset="-122"/>
-                <a:cs typeface="Times New Roman" pitchFamily="18" charset="0"/>
-              </a:rPr>
-              <a:t>就可以为</a:t>
-            </a:r>
-            <a:r>
-              <a:rPr kumimoji="0" lang="en-US" altLang="zh-CN" sz="2000" b="0" i="0" u="none" strike="noStrike" cap="none" normalizeH="0" baseline="0" dirty="0" err="1" smtClean="0">
-                <a:ln>
-                  <a:noFill/>
-                </a:ln>
-                <a:solidFill>
-                  <a:schemeClr val="tx1"/>
-                </a:solidFill>
-                <a:effectLst/>
-                <a:latin typeface="Calibri" pitchFamily="34" charset="0"/>
-                <a:ea typeface="宋体" pitchFamily="2" charset="-122"/>
-                <a:cs typeface="Times New Roman" pitchFamily="18" charset="0"/>
-              </a:rPr>
-              <a:t>AppUser</a:t>
-            </a:r>
-            <a:r>
-              <a:rPr kumimoji="0" lang="zh-CN" altLang="en-US" sz="2000" b="0" i="0" u="none" strike="noStrike" cap="none" normalizeH="0" baseline="0" dirty="0" smtClean="0">
-                <a:ln>
-                  <a:noFill/>
-                </a:ln>
-                <a:solidFill>
-                  <a:schemeClr val="tx1"/>
-                </a:solidFill>
-                <a:effectLst/>
-                <a:latin typeface="Calibri" pitchFamily="34" charset="0"/>
-                <a:ea typeface="宋体" pitchFamily="2" charset="-122"/>
-                <a:cs typeface="Times New Roman" pitchFamily="18" charset="0"/>
-              </a:rPr>
-              <a:t>对象开发出其对应的操作接口</a:t>
-            </a:r>
-            <a:endParaRPr kumimoji="0" lang="zh-CN" altLang="en-US" sz="2000" b="0" i="0" u="none" strike="noStrike" cap="none" normalizeH="0" baseline="0" dirty="0" smtClean="0">
-              <a:ln>
-                <a:noFill/>
-              </a:ln>
-              <a:solidFill>
-                <a:schemeClr val="tx1"/>
-              </a:solidFill>
-              <a:effectLst/>
-              <a:latin typeface="Arial" pitchFamily="34" charset="0"/>
-              <a:ea typeface="宋体" pitchFamily="2" charset="-122"/>
-              <a:cs typeface="宋体" pitchFamily="2" charset="-122"/>
-            </a:endParaRPr>
-          </a:p>
-          <a:p>
-            <a:pPr marL="0" marR="0" lvl="0" indent="0" algn="l" defTabSz="914400" rtl="0" eaLnBrk="0" fontAlgn="base" latinLnBrk="0" hangingPunct="0">
-              <a:lnSpc>
-                <a:spcPct val="100000"/>
-              </a:lnSpc>
-              <a:spcBef>
-                <a:spcPct val="0"/>
-              </a:spcBef>
-              <a:spcAft>
-                <a:spcPct val="0"/>
-              </a:spcAft>
-              <a:buClrTx/>
-              <a:buSzTx/>
-              <a:buFontTx/>
-              <a:buNone/>
-              <a:tabLst/>
-            </a:pPr>
-            <a:r>
-              <a:rPr kumimoji="0" lang="zh-CN" altLang="en-US" sz="1200" b="0" i="0" u="none" strike="noStrike" cap="none" normalizeH="0" baseline="0" dirty="0" smtClean="0">
-                <a:ln>
-                  <a:noFill/>
-                </a:ln>
-                <a:solidFill>
-                  <a:schemeClr val="tx1"/>
-                </a:solidFill>
-                <a:effectLst/>
-                <a:latin typeface="Calibri" pitchFamily="34" charset="0"/>
-                <a:ea typeface="宋体" pitchFamily="2" charset="-122"/>
-                <a:cs typeface="Times New Roman" pitchFamily="18" charset="0"/>
-              </a:rPr>
-              <a:t>	</a:t>
-            </a:r>
-            <a:r>
-              <a:rPr kumimoji="0" lang="zh-CN" altLang="en-US" sz="1600" b="0" i="0" u="none" strike="noStrike" cap="none" normalizeH="0" baseline="0" dirty="0" smtClean="0">
-                <a:ln>
-                  <a:noFill/>
-                </a:ln>
-                <a:solidFill>
-                  <a:schemeClr val="tx1"/>
-                </a:solidFill>
-                <a:effectLst/>
-                <a:latin typeface="Calibri" pitchFamily="34" charset="0"/>
-                <a:ea typeface="宋体" pitchFamily="2" charset="-122"/>
-                <a:cs typeface="Times New Roman" pitchFamily="18" charset="0"/>
-              </a:rPr>
-              <a:t>生成的接口地址则为：</a:t>
-            </a:r>
-            <a:r>
-              <a:rPr kumimoji="0" lang="en-US" altLang="zh-CN" sz="1600" b="1" i="1" u="none" strike="noStrike" cap="none" normalizeH="0" baseline="0" dirty="0" smtClean="0">
-                <a:ln>
-                  <a:noFill/>
-                </a:ln>
-                <a:solidFill>
-                  <a:schemeClr val="tx1"/>
-                </a:solidFill>
-                <a:effectLst/>
-                <a:latin typeface="Calibri" pitchFamily="34" charset="0"/>
-                <a:ea typeface="宋体" pitchFamily="2" charset="-122"/>
-                <a:cs typeface="Times New Roman" pitchFamily="18" charset="0"/>
-              </a:rPr>
-              <a:t>http://localhost/ljt/httpService/system/appUser/query</a:t>
-            </a:r>
-            <a:endParaRPr kumimoji="0" lang="en-US" altLang="zh-CN" sz="1600" b="1" i="1" u="none" strike="noStrike" cap="none" normalizeH="0" baseline="0" dirty="0" smtClean="0">
-              <a:ln>
-                <a:noFill/>
-              </a:ln>
-              <a:solidFill>
-                <a:schemeClr val="tx1"/>
-              </a:solidFill>
-              <a:effectLst/>
-              <a:latin typeface="Arial" pitchFamily="34" charset="0"/>
-              <a:ea typeface="宋体" pitchFamily="2" charset="-122"/>
-              <a:cs typeface="宋体" pitchFamily="2" charset="-122"/>
-            </a:endParaRPr>
           </a:p>
         </p:txBody>
       </p:sp>
